--- a/internship ppt.pptx
+++ b/internship ppt.pptx
@@ -5,7 +5,7 @@
     <p:sldMasterId id="2147483768" r:id="rId1"/>
   </p:sldMasterIdLst>
   <p:notesMasterIdLst>
-    <p:notesMasterId r:id="rId35"/>
+    <p:notesMasterId r:id="rId44"/>
   </p:notesMasterIdLst>
   <p:sldIdLst>
     <p:sldId id="256" r:id="rId2"/>
@@ -33,14 +33,23 @@
     <p:sldId id="278" r:id="rId24"/>
     <p:sldId id="282" r:id="rId25"/>
     <p:sldId id="284" r:id="rId26"/>
-    <p:sldId id="283" r:id="rId27"/>
-    <p:sldId id="279" r:id="rId28"/>
-    <p:sldId id="280" r:id="rId29"/>
-    <p:sldId id="281" r:id="rId30"/>
-    <p:sldId id="285" r:id="rId31"/>
-    <p:sldId id="286" r:id="rId32"/>
-    <p:sldId id="288" r:id="rId33"/>
-    <p:sldId id="287" r:id="rId34"/>
+    <p:sldId id="299" r:id="rId27"/>
+    <p:sldId id="300" r:id="rId28"/>
+    <p:sldId id="283" r:id="rId29"/>
+    <p:sldId id="297" r:id="rId30"/>
+    <p:sldId id="279" r:id="rId31"/>
+    <p:sldId id="280" r:id="rId32"/>
+    <p:sldId id="295" r:id="rId33"/>
+    <p:sldId id="281" r:id="rId34"/>
+    <p:sldId id="285" r:id="rId35"/>
+    <p:sldId id="288" r:id="rId36"/>
+    <p:sldId id="296" r:id="rId37"/>
+    <p:sldId id="289" r:id="rId38"/>
+    <p:sldId id="294" r:id="rId39"/>
+    <p:sldId id="290" r:id="rId40"/>
+    <p:sldId id="292" r:id="rId41"/>
+    <p:sldId id="293" r:id="rId42"/>
+    <p:sldId id="298" r:id="rId43"/>
   </p:sldIdLst>
   <p:sldSz cx="9144000" cy="6858000" type="screen4x3"/>
   <p:notesSz cx="6858000" cy="9144000"/>
@@ -303,11 +312,11 @@
         </c:dLbls>
         <c:gapWidth val="150"/>
         <c:overlap val="100"/>
-        <c:axId val="21012480"/>
-        <c:axId val="21014016"/>
+        <c:axId val="33264000"/>
+        <c:axId val="33265536"/>
       </c:barChart>
       <c:catAx>
-        <c:axId val="21012480"/>
+        <c:axId val="33264000"/>
         <c:scaling>
           <c:orientation val="minMax"/>
         </c:scaling>
@@ -316,7 +325,7 @@
         <c:majorTickMark val="out"/>
         <c:minorTickMark val="none"/>
         <c:tickLblPos val="nextTo"/>
-        <c:crossAx val="21014016"/>
+        <c:crossAx val="33265536"/>
         <c:crosses val="autoZero"/>
         <c:auto val="1"/>
         <c:lblAlgn val="ctr"/>
@@ -324,7 +333,7 @@
         <c:noMultiLvlLbl val="0"/>
       </c:catAx>
       <c:valAx>
-        <c:axId val="21014016"/>
+        <c:axId val="33265536"/>
         <c:scaling>
           <c:orientation val="minMax"/>
         </c:scaling>
@@ -341,7 +350,7 @@
         <c:majorTickMark val="out"/>
         <c:minorTickMark val="none"/>
         <c:tickLblPos val="nextTo"/>
-        <c:crossAx val="21012480"/>
+        <c:crossAx val="33264000"/>
         <c:crosses val="autoZero"/>
         <c:crossBetween val="between"/>
       </c:valAx>
@@ -448,7 +457,7 @@
           <a:p>
             <a:fld id="{0BF41308-B59A-4ED5-8ACC-86BA0EFD8EB7}" type="datetimeFigureOut">
               <a:rPr lang="en-US" smtClean="0"/>
-              <a:t>05-Jul-17</a:t>
+              <a:t>06-Jul-17</a:t>
             </a:fld>
             <a:endParaRPr lang="en-US"/>
           </a:p>
@@ -910,7 +919,7 @@
           <a:p>
             <a:fld id="{410740AD-7662-446E-9D9F-F86A5527292B}" type="datetimeFigureOut">
               <a:rPr lang="en-US" smtClean="0"/>
-              <a:t>05-Jul-17</a:t>
+              <a:t>06-Jul-17</a:t>
             </a:fld>
             <a:endParaRPr lang="en-US"/>
           </a:p>
@@ -1075,7 +1084,7 @@
           <a:p>
             <a:fld id="{410740AD-7662-446E-9D9F-F86A5527292B}" type="datetimeFigureOut">
               <a:rPr lang="en-US" smtClean="0"/>
-              <a:t>05-Jul-17</a:t>
+              <a:t>06-Jul-17</a:t>
             </a:fld>
             <a:endParaRPr lang="en-US"/>
           </a:p>
@@ -1250,7 +1259,7 @@
           <a:p>
             <a:fld id="{410740AD-7662-446E-9D9F-F86A5527292B}" type="datetimeFigureOut">
               <a:rPr lang="en-US" smtClean="0"/>
-              <a:t>05-Jul-17</a:t>
+              <a:t>06-Jul-17</a:t>
             </a:fld>
             <a:endParaRPr lang="en-US"/>
           </a:p>
@@ -1415,7 +1424,7 @@
           <a:p>
             <a:fld id="{410740AD-7662-446E-9D9F-F86A5527292B}" type="datetimeFigureOut">
               <a:rPr lang="en-US" smtClean="0"/>
-              <a:t>05-Jul-17</a:t>
+              <a:t>06-Jul-17</a:t>
             </a:fld>
             <a:endParaRPr lang="en-US"/>
           </a:p>
@@ -1656,7 +1665,7 @@
           <a:p>
             <a:fld id="{410740AD-7662-446E-9D9F-F86A5527292B}" type="datetimeFigureOut">
               <a:rPr lang="en-US" smtClean="0"/>
-              <a:t>05-Jul-17</a:t>
+              <a:t>06-Jul-17</a:t>
             </a:fld>
             <a:endParaRPr lang="en-US"/>
           </a:p>
@@ -1939,7 +1948,7 @@
           <a:p>
             <a:fld id="{410740AD-7662-446E-9D9F-F86A5527292B}" type="datetimeFigureOut">
               <a:rPr lang="en-US" smtClean="0"/>
-              <a:t>05-Jul-17</a:t>
+              <a:t>06-Jul-17</a:t>
             </a:fld>
             <a:endParaRPr lang="en-US"/>
           </a:p>
@@ -2368,7 +2377,7 @@
           <a:p>
             <a:fld id="{410740AD-7662-446E-9D9F-F86A5527292B}" type="datetimeFigureOut">
               <a:rPr lang="en-US" smtClean="0"/>
-              <a:t>05-Jul-17</a:t>
+              <a:t>06-Jul-17</a:t>
             </a:fld>
             <a:endParaRPr lang="en-US"/>
           </a:p>
@@ -2481,7 +2490,7 @@
           <a:p>
             <a:fld id="{410740AD-7662-446E-9D9F-F86A5527292B}" type="datetimeFigureOut">
               <a:rPr lang="en-US" smtClean="0"/>
-              <a:t>05-Jul-17</a:t>
+              <a:t>06-Jul-17</a:t>
             </a:fld>
             <a:endParaRPr lang="en-US"/>
           </a:p>
@@ -2571,7 +2580,7 @@
           <a:p>
             <a:fld id="{410740AD-7662-446E-9D9F-F86A5527292B}" type="datetimeFigureOut">
               <a:rPr lang="en-US" smtClean="0"/>
-              <a:t>05-Jul-17</a:t>
+              <a:t>06-Jul-17</a:t>
             </a:fld>
             <a:endParaRPr lang="en-US"/>
           </a:p>
@@ -2760,7 +2769,7 @@
           <a:p>
             <a:fld id="{410740AD-7662-446E-9D9F-F86A5527292B}" type="datetimeFigureOut">
               <a:rPr lang="en-US" smtClean="0"/>
-              <a:t>05-Jul-17</a:t>
+              <a:t>06-Jul-17</a:t>
             </a:fld>
             <a:endParaRPr lang="en-US"/>
           </a:p>
@@ -3078,7 +3087,7 @@
           <a:p>
             <a:fld id="{410740AD-7662-446E-9D9F-F86A5527292B}" type="datetimeFigureOut">
               <a:rPr lang="en-US" smtClean="0"/>
-              <a:t>05-Jul-17</a:t>
+              <a:t>06-Jul-17</a:t>
             </a:fld>
             <a:endParaRPr lang="en-US"/>
           </a:p>
@@ -3457,7 +3466,7 @@
           <a:p>
             <a:fld id="{410740AD-7662-446E-9D9F-F86A5527292B}" type="datetimeFigureOut">
               <a:rPr lang="en-US" smtClean="0"/>
-              <a:t>05-Jul-17</a:t>
+              <a:t>06-Jul-17</a:t>
             </a:fld>
             <a:endParaRPr lang="en-US"/>
           </a:p>
@@ -3780,49 +3789,11 @@
           <a:chExt cx="0" cy="0"/>
         </a:xfrm>
       </p:grpSpPr>
-      <p:sp>
-        <p:nvSpPr>
-          <p:cNvPr id="5" name="Title 4"/>
-          <p:cNvSpPr>
-            <a:spLocks noGrp="1"/>
-          </p:cNvSpPr>
-          <p:nvPr>
-            <p:ph type="ctrTitle"/>
-          </p:nvPr>
-        </p:nvSpPr>
-        <p:spPr/>
-        <p:txBody>
-          <a:bodyPr/>
-          <a:lstStyle/>
-          <a:p>
-            <a:endParaRPr lang="en-US"/>
-          </a:p>
-        </p:txBody>
-      </p:sp>
-      <p:sp>
-        <p:nvSpPr>
-          <p:cNvPr id="6" name="Subtitle 5"/>
-          <p:cNvSpPr>
-            <a:spLocks noGrp="1"/>
-          </p:cNvSpPr>
-          <p:nvPr>
-            <p:ph type="subTitle" idx="1"/>
-          </p:nvPr>
-        </p:nvSpPr>
-        <p:spPr/>
-        <p:txBody>
-          <a:bodyPr/>
-          <a:lstStyle/>
-          <a:p>
-            <a:endParaRPr lang="en-US"/>
-          </a:p>
-        </p:txBody>
-      </p:sp>
       <p:pic>
         <p:nvPicPr>
-          <p:cNvPr id="4" name="Picture 3"/>
+          <p:cNvPr id="2050" name="Picture 2" descr="C:\Users\projects\Desktop\vasantchemicalslogo.gif"/>
           <p:cNvPicPr>
-            <a:picLocks noChangeAspect="1"/>
+            <a:picLocks noChangeAspect="1" noChangeArrowheads="1"/>
           </p:cNvPicPr>
           <p:nvPr/>
         </p:nvPicPr>
@@ -3834,18 +3805,34 @@
               </a:ext>
             </a:extLst>
           </a:blip>
+          <a:srcRect/>
           <a:stretch>
             <a:fillRect/>
           </a:stretch>
         </p:blipFill>
-        <p:spPr>
+        <p:spPr bwMode="auto">
           <a:xfrm>
-            <a:off x="-10886" y="359229"/>
-            <a:ext cx="9144000" cy="6096000"/>
+            <a:off x="914400" y="1676400"/>
+            <a:ext cx="7772400" cy="3598333"/>
           </a:xfrm>
           <a:prstGeom prst="rect">
             <a:avLst/>
           </a:prstGeom>
+          <a:noFill/>
+          <a:ln>
+            <a:solidFill>
+              <a:schemeClr val="tx1"/>
+            </a:solidFill>
+          </a:ln>
+          <a:extLst>
+            <a:ext uri="{909E8E84-426E-40DD-AFC4-6F175D3DCCD1}">
+              <a14:hiddenFill xmlns:a14="http://schemas.microsoft.com/office/drawing/2010/main">
+                <a:solidFill>
+                  <a:srgbClr val="FFFFFF"/>
+                </a:solidFill>
+              </a14:hiddenFill>
+            </a:ext>
+          </a:extLst>
         </p:spPr>
       </p:pic>
     </p:spTree>
@@ -5395,25 +5382,6 @@
               <a:rPr lang="en-US" dirty="0"/>
               <a:t>Maintenance</a:t>
             </a:r>
-          </a:p>
-        </p:txBody>
-      </p:sp>
-      <p:sp>
-        <p:nvSpPr>
-          <p:cNvPr id="3" name="Subtitle 2"/>
-          <p:cNvSpPr>
-            <a:spLocks noGrp="1"/>
-          </p:cNvSpPr>
-          <p:nvPr>
-            <p:ph type="subTitle" idx="1"/>
-          </p:nvPr>
-        </p:nvSpPr>
-        <p:spPr/>
-        <p:txBody>
-          <a:bodyPr/>
-          <a:lstStyle/>
-          <a:p>
-            <a:endParaRPr lang="en-US"/>
           </a:p>
         </p:txBody>
       </p:sp>
@@ -7986,25 +7954,6 @@
               <a:t>Safety</a:t>
             </a:r>
             <a:endParaRPr lang="en-US" sz="8000" dirty="0"/>
-          </a:p>
-        </p:txBody>
-      </p:sp>
-      <p:sp>
-        <p:nvSpPr>
-          <p:cNvPr id="3" name="Subtitle 2"/>
-          <p:cNvSpPr>
-            <a:spLocks noGrp="1"/>
-          </p:cNvSpPr>
-          <p:nvPr>
-            <p:ph type="subTitle" idx="1"/>
-          </p:nvPr>
-        </p:nvSpPr>
-        <p:spPr/>
-        <p:txBody>
-          <a:bodyPr/>
-          <a:lstStyle/>
-          <a:p>
-            <a:endParaRPr lang="en-US"/>
           </a:p>
         </p:txBody>
       </p:sp>
@@ -9406,25 +9355,6 @@
           </a:p>
         </p:txBody>
       </p:sp>
-      <p:sp>
-        <p:nvSpPr>
-          <p:cNvPr id="3" name="Subtitle 2"/>
-          <p:cNvSpPr>
-            <a:spLocks noGrp="1"/>
-          </p:cNvSpPr>
-          <p:nvPr>
-            <p:ph type="subTitle" idx="1"/>
-          </p:nvPr>
-        </p:nvSpPr>
-        <p:spPr/>
-        <p:txBody>
-          <a:bodyPr/>
-          <a:lstStyle/>
-          <a:p>
-            <a:endParaRPr lang="en-US" dirty="0"/>
-          </a:p>
-        </p:txBody>
-      </p:sp>
     </p:spTree>
     <p:extLst>
       <p:ext uri="{BB962C8B-B14F-4D97-AF65-F5344CB8AC3E}">
@@ -9462,6 +9392,1211 @@
           <a:chExt cx="0" cy="0"/>
         </a:xfrm>
       </p:grpSpPr>
+      <p:pic>
+        <p:nvPicPr>
+          <p:cNvPr id="1026" name="Picture 2"/>
+          <p:cNvPicPr>
+            <a:picLocks noGrp="1" noChangeAspect="1" noChangeArrowheads="1"/>
+          </p:cNvPicPr>
+          <p:nvPr>
+            <p:ph idx="1"/>
+          </p:nvPr>
+        </p:nvPicPr>
+        <p:blipFill>
+          <a:blip r:embed="rId2">
+            <a:extLst>
+              <a:ext uri="{28A0092B-C50C-407E-A947-70E740481C1C}">
+                <a14:useLocalDpi xmlns:a14="http://schemas.microsoft.com/office/drawing/2010/main" val="0"/>
+              </a:ext>
+            </a:extLst>
+          </a:blip>
+          <a:srcRect/>
+          <a:stretch>
+            <a:fillRect/>
+          </a:stretch>
+        </p:blipFill>
+        <p:spPr bwMode="auto">
+          <a:xfrm>
+            <a:off x="457200" y="1371600"/>
+            <a:ext cx="7620000" cy="4876800"/>
+          </a:xfrm>
+          <a:prstGeom prst="rect">
+            <a:avLst/>
+          </a:prstGeom>
+          <a:noFill/>
+          <a:ln w="9525">
+            <a:solidFill>
+              <a:schemeClr val="tx1"/>
+            </a:solidFill>
+            <a:miter lim="800000"/>
+            <a:headEnd/>
+            <a:tailEnd/>
+          </a:ln>
+          <a:effectLst/>
+          <a:extLst>
+            <a:ext uri="{909E8E84-426E-40DD-AFC4-6F175D3DCCD1}">
+              <a14:hiddenFill xmlns:a14="http://schemas.microsoft.com/office/drawing/2010/main">
+                <a:solidFill>
+                  <a:schemeClr val="accent1"/>
+                </a:solidFill>
+              </a14:hiddenFill>
+            </a:ext>
+            <a:ext uri="{AF507438-7753-43E0-B8FC-AC1667EBCBE1}">
+              <a14:hiddenEffects xmlns:a14="http://schemas.microsoft.com/office/drawing/2010/main">
+                <a:effectLst>
+                  <a:outerShdw dist="35921" dir="2700000" algn="ctr" rotWithShape="0">
+                    <a:schemeClr val="bg2"/>
+                  </a:outerShdw>
+                </a:effectLst>
+              </a14:hiddenEffects>
+            </a:ext>
+          </a:extLst>
+        </p:spPr>
+      </p:pic>
+      <p:sp>
+        <p:nvSpPr>
+          <p:cNvPr id="4" name="TextBox 3"/>
+          <p:cNvSpPr txBox="1"/>
+          <p:nvPr/>
+        </p:nvSpPr>
+        <p:spPr>
+          <a:xfrm>
+            <a:off x="1981200" y="533400"/>
+            <a:ext cx="4648200" cy="369332"/>
+          </a:xfrm>
+          <a:prstGeom prst="rect">
+            <a:avLst/>
+          </a:prstGeom>
+          <a:noFill/>
+        </p:spPr>
+        <p:txBody>
+          <a:bodyPr wrap="square" rtlCol="0">
+            <a:spAutoFit/>
+          </a:bodyPr>
+          <a:lstStyle/>
+          <a:p>
+            <a:r>
+              <a:rPr lang="en-US" dirty="0" smtClean="0"/>
+              <a:t>Flow chart for Biological Treatment Plant </a:t>
+            </a:r>
+            <a:endParaRPr lang="en-US" dirty="0"/>
+          </a:p>
+        </p:txBody>
+      </p:sp>
+    </p:spTree>
+    <p:extLst>
+      <p:ext uri="{BB962C8B-B14F-4D97-AF65-F5344CB8AC3E}">
+        <p14:creationId xmlns:p14="http://schemas.microsoft.com/office/powerpoint/2010/main" val="3402741049"/>
+      </p:ext>
+    </p:extLst>
+  </p:cSld>
+  <p:clrMapOvr>
+    <a:masterClrMapping/>
+  </p:clrMapOvr>
+  <p:timing>
+    <p:tnLst>
+      <p:par>
+        <p:cTn id="1" dur="indefinite" restart="never" nodeType="tmRoot"/>
+      </p:par>
+    </p:tnLst>
+  </p:timing>
+</p:sld>
+</file>
+
+<file path=ppt/slides/slide27.xml><?xml version="1.0" encoding="utf-8"?>
+<p:sld xmlns:a="http://schemas.openxmlformats.org/drawingml/2006/main" xmlns:r="http://schemas.openxmlformats.org/officeDocument/2006/relationships" xmlns:p="http://schemas.openxmlformats.org/presentationml/2006/main" showMasterSp="0">
+  <p:cSld>
+    <p:spTree>
+      <p:nvGrpSpPr>
+        <p:cNvPr id="1" name=""/>
+        <p:cNvGrpSpPr/>
+        <p:nvPr/>
+      </p:nvGrpSpPr>
+      <p:grpSpPr>
+        <a:xfrm>
+          <a:off x="0" y="0"/>
+          <a:ext cx="0" cy="0"/>
+          <a:chOff x="0" y="0"/>
+          <a:chExt cx="0" cy="0"/>
+        </a:xfrm>
+      </p:grpSpPr>
+      <p:sp>
+        <p:nvSpPr>
+          <p:cNvPr id="21" name="Rectangle 20"/>
+          <p:cNvSpPr/>
+          <p:nvPr/>
+        </p:nvSpPr>
+        <p:spPr>
+          <a:xfrm>
+            <a:off x="1219200" y="1295400"/>
+            <a:ext cx="1524000" cy="914400"/>
+          </a:xfrm>
+          <a:prstGeom prst="rect">
+            <a:avLst/>
+          </a:prstGeom>
+          <a:solidFill>
+            <a:srgbClr val="4F81BD"/>
+          </a:solidFill>
+          <a:ln w="25400" cap="flat" cmpd="sng" algn="ctr">
+            <a:solidFill>
+              <a:srgbClr val="4F81BD">
+                <a:shade val="50000"/>
+              </a:srgbClr>
+            </a:solidFill>
+            <a:prstDash val="solid"/>
+          </a:ln>
+          <a:effectLst/>
+        </p:spPr>
+        <p:txBody>
+          <a:bodyPr rtlCol="0" anchor="ctr"/>
+          <a:lstStyle/>
+          <a:p>
+            <a:pPr marL="0" marR="0" lvl="0" indent="0" algn="ctr" defTabSz="914400" eaLnBrk="1" fontAlgn="auto" latinLnBrk="0" hangingPunct="1">
+              <a:lnSpc>
+                <a:spcPct val="100000"/>
+              </a:lnSpc>
+              <a:spcBef>
+                <a:spcPts val="0"/>
+              </a:spcBef>
+              <a:spcAft>
+                <a:spcPts val="0"/>
+              </a:spcAft>
+              <a:buClrTx/>
+              <a:buSzTx/>
+              <a:buFontTx/>
+              <a:buNone/>
+              <a:tabLst/>
+              <a:defRPr/>
+            </a:pPr>
+            <a:r>
+              <a:rPr kumimoji="0" lang="en-US" sz="1800" b="0" i="0" u="none" strike="noStrike" kern="0" cap="none" spc="0" normalizeH="0" baseline="0" noProof="0" dirty="0" smtClean="0">
+                <a:ln>
+                  <a:noFill/>
+                </a:ln>
+                <a:solidFill>
+                  <a:sysClr val="window" lastClr="FFFFFF"/>
+                </a:solidFill>
+                <a:effectLst/>
+                <a:uLnTx/>
+                <a:uFillTx/>
+                <a:latin typeface="Calibri"/>
+                <a:ea typeface="+mn-ea"/>
+                <a:cs typeface="+mn-cs"/>
+              </a:rPr>
+              <a:t>Treated water from BTP</a:t>
+            </a:r>
+          </a:p>
+        </p:txBody>
+      </p:sp>
+      <p:cxnSp>
+        <p:nvCxnSpPr>
+          <p:cNvPr id="22" name="Straight Arrow Connector 21"/>
+          <p:cNvCxnSpPr>
+            <a:stCxn id="21" idx="3"/>
+          </p:cNvCxnSpPr>
+          <p:nvPr/>
+        </p:nvCxnSpPr>
+        <p:spPr>
+          <a:xfrm>
+            <a:off x="2743200" y="1752600"/>
+            <a:ext cx="914400" cy="0"/>
+          </a:xfrm>
+          <a:prstGeom prst="straightConnector1">
+            <a:avLst/>
+          </a:prstGeom>
+          <a:noFill/>
+          <a:ln w="9525" cap="flat" cmpd="sng" algn="ctr">
+            <a:solidFill>
+              <a:srgbClr val="4F81BD">
+                <a:shade val="95000"/>
+                <a:satMod val="105000"/>
+              </a:srgbClr>
+            </a:solidFill>
+            <a:prstDash val="solid"/>
+            <a:tailEnd type="arrow"/>
+          </a:ln>
+          <a:effectLst/>
+        </p:spPr>
+      </p:cxnSp>
+      <p:sp>
+        <p:nvSpPr>
+          <p:cNvPr id="23" name="Rectangle 22"/>
+          <p:cNvSpPr/>
+          <p:nvPr/>
+        </p:nvSpPr>
+        <p:spPr>
+          <a:xfrm>
+            <a:off x="3657600" y="1066800"/>
+            <a:ext cx="1295400" cy="1904999"/>
+          </a:xfrm>
+          <a:prstGeom prst="rect">
+            <a:avLst/>
+          </a:prstGeom>
+          <a:solidFill>
+            <a:srgbClr val="4F81BD"/>
+          </a:solidFill>
+          <a:ln w="25400" cap="flat" cmpd="sng" algn="ctr">
+            <a:solidFill>
+              <a:srgbClr val="4F81BD">
+                <a:shade val="50000"/>
+              </a:srgbClr>
+            </a:solidFill>
+            <a:prstDash val="solid"/>
+          </a:ln>
+          <a:effectLst/>
+        </p:spPr>
+        <p:txBody>
+          <a:bodyPr rtlCol="0" anchor="ctr"/>
+          <a:lstStyle/>
+          <a:p>
+            <a:pPr marL="342900" marR="0" lvl="0" indent="-342900" algn="ctr" defTabSz="914400" eaLnBrk="1" fontAlgn="auto" latinLnBrk="0" hangingPunct="1">
+              <a:lnSpc>
+                <a:spcPct val="100000"/>
+              </a:lnSpc>
+              <a:spcBef>
+                <a:spcPts val="0"/>
+              </a:spcBef>
+              <a:spcAft>
+                <a:spcPts val="0"/>
+              </a:spcAft>
+              <a:buClrTx/>
+              <a:buSzTx/>
+              <a:buFontTx/>
+              <a:buAutoNum type="arabicPeriod"/>
+              <a:tabLst/>
+              <a:defRPr/>
+            </a:pPr>
+            <a:r>
+              <a:rPr kumimoji="0" lang="en-US" sz="1800" b="0" i="0" u="none" strike="noStrike" kern="0" cap="none" spc="0" normalizeH="0" baseline="0" noProof="0" dirty="0" smtClean="0">
+                <a:ln>
+                  <a:noFill/>
+                </a:ln>
+                <a:solidFill>
+                  <a:sysClr val="window" lastClr="FFFFFF"/>
+                </a:solidFill>
+                <a:effectLst/>
+                <a:uLnTx/>
+                <a:uFillTx/>
+                <a:latin typeface="Calibri"/>
+                <a:ea typeface="+mn-ea"/>
+                <a:cs typeface="+mn-cs"/>
+              </a:rPr>
+              <a:t>Sand</a:t>
+            </a:r>
+          </a:p>
+          <a:p>
+            <a:pPr marL="342900" marR="0" lvl="0" indent="-342900" algn="ctr" defTabSz="914400" eaLnBrk="1" fontAlgn="auto" latinLnBrk="0" hangingPunct="1">
+              <a:lnSpc>
+                <a:spcPct val="100000"/>
+              </a:lnSpc>
+              <a:spcBef>
+                <a:spcPts val="0"/>
+              </a:spcBef>
+              <a:spcAft>
+                <a:spcPts val="0"/>
+              </a:spcAft>
+              <a:buClrTx/>
+              <a:buSzTx/>
+              <a:buFontTx/>
+              <a:buAutoNum type="arabicPeriod"/>
+              <a:tabLst/>
+              <a:defRPr/>
+            </a:pPr>
+            <a:r>
+              <a:rPr kumimoji="0" lang="en-US" sz="1800" b="0" i="0" u="none" strike="noStrike" kern="0" cap="none" spc="0" normalizeH="0" baseline="0" noProof="0" dirty="0" smtClean="0">
+                <a:ln>
+                  <a:noFill/>
+                </a:ln>
+                <a:solidFill>
+                  <a:sysClr val="window" lastClr="FFFFFF"/>
+                </a:solidFill>
+                <a:effectLst/>
+                <a:uLnTx/>
+                <a:uFillTx/>
+                <a:latin typeface="Calibri"/>
+                <a:ea typeface="+mn-ea"/>
+                <a:cs typeface="+mn-cs"/>
+              </a:rPr>
+              <a:t>Stones</a:t>
+            </a:r>
+          </a:p>
+          <a:p>
+            <a:pPr marL="342900" marR="0" lvl="0" indent="-342900" algn="ctr" defTabSz="914400" eaLnBrk="1" fontAlgn="auto" latinLnBrk="0" hangingPunct="1">
+              <a:lnSpc>
+                <a:spcPct val="100000"/>
+              </a:lnSpc>
+              <a:spcBef>
+                <a:spcPts val="0"/>
+              </a:spcBef>
+              <a:spcAft>
+                <a:spcPts val="0"/>
+              </a:spcAft>
+              <a:buClrTx/>
+              <a:buSzTx/>
+              <a:buFontTx/>
+              <a:buAutoNum type="arabicPeriod"/>
+              <a:tabLst/>
+              <a:defRPr/>
+            </a:pPr>
+            <a:r>
+              <a:rPr kumimoji="0" lang="en-US" sz="1800" b="0" i="0" u="none" strike="noStrike" kern="0" cap="none" spc="0" normalizeH="0" baseline="0" noProof="0" dirty="0" smtClean="0">
+                <a:ln>
+                  <a:noFill/>
+                </a:ln>
+                <a:solidFill>
+                  <a:sysClr val="window" lastClr="FFFFFF"/>
+                </a:solidFill>
+                <a:effectLst/>
+                <a:uLnTx/>
+                <a:uFillTx/>
+                <a:latin typeface="Calibri"/>
+                <a:ea typeface="+mn-ea"/>
+                <a:cs typeface="+mn-cs"/>
+              </a:rPr>
+              <a:t>carbon</a:t>
+            </a:r>
+          </a:p>
+        </p:txBody>
+      </p:sp>
+      <p:sp>
+        <p:nvSpPr>
+          <p:cNvPr id="24" name="TextBox 23"/>
+          <p:cNvSpPr txBox="1"/>
+          <p:nvPr/>
+        </p:nvSpPr>
+        <p:spPr>
+          <a:xfrm>
+            <a:off x="3657600" y="652462"/>
+            <a:ext cx="1143000" cy="369332"/>
+          </a:xfrm>
+          <a:prstGeom prst="rect">
+            <a:avLst/>
+          </a:prstGeom>
+          <a:noFill/>
+        </p:spPr>
+        <p:txBody>
+          <a:bodyPr wrap="square" rtlCol="0">
+            <a:spAutoFit/>
+          </a:bodyPr>
+          <a:lstStyle/>
+          <a:p>
+            <a:pPr marL="0" marR="0" lvl="0" indent="0" defTabSz="914400" eaLnBrk="1" fontAlgn="auto" latinLnBrk="0" hangingPunct="1">
+              <a:lnSpc>
+                <a:spcPct val="100000"/>
+              </a:lnSpc>
+              <a:spcBef>
+                <a:spcPts val="0"/>
+              </a:spcBef>
+              <a:spcAft>
+                <a:spcPts val="0"/>
+              </a:spcAft>
+              <a:buClrTx/>
+              <a:buSzTx/>
+              <a:buFontTx/>
+              <a:buNone/>
+              <a:tabLst/>
+              <a:defRPr/>
+            </a:pPr>
+            <a:r>
+              <a:rPr kumimoji="0" lang="en-US" sz="1800" b="0" i="0" u="none" strike="noStrike" kern="0" cap="none" spc="0" normalizeH="0" baseline="0" noProof="0" dirty="0" smtClean="0">
+                <a:ln>
+                  <a:noFill/>
+                </a:ln>
+                <a:solidFill>
+                  <a:sysClr val="windowText" lastClr="000000"/>
+                </a:solidFill>
+                <a:effectLst/>
+                <a:uLnTx/>
+                <a:uFillTx/>
+              </a:rPr>
+              <a:t>Sand bed</a:t>
+            </a:r>
+          </a:p>
+        </p:txBody>
+      </p:sp>
+      <p:cxnSp>
+        <p:nvCxnSpPr>
+          <p:cNvPr id="25" name="Straight Arrow Connector 24"/>
+          <p:cNvCxnSpPr/>
+          <p:nvPr/>
+        </p:nvCxnSpPr>
+        <p:spPr>
+          <a:xfrm>
+            <a:off x="4953000" y="1752600"/>
+            <a:ext cx="990600" cy="0"/>
+          </a:xfrm>
+          <a:prstGeom prst="straightConnector1">
+            <a:avLst/>
+          </a:prstGeom>
+          <a:noFill/>
+          <a:ln w="9525" cap="flat" cmpd="sng" algn="ctr">
+            <a:solidFill>
+              <a:srgbClr val="4F81BD">
+                <a:shade val="95000"/>
+                <a:satMod val="105000"/>
+              </a:srgbClr>
+            </a:solidFill>
+            <a:prstDash val="solid"/>
+            <a:tailEnd type="arrow"/>
+          </a:ln>
+          <a:effectLst/>
+        </p:spPr>
+      </p:cxnSp>
+      <p:sp>
+        <p:nvSpPr>
+          <p:cNvPr id="26" name="Rectangle 25"/>
+          <p:cNvSpPr/>
+          <p:nvPr/>
+        </p:nvSpPr>
+        <p:spPr>
+          <a:xfrm>
+            <a:off x="5943600" y="1257299"/>
+            <a:ext cx="762000" cy="1523999"/>
+          </a:xfrm>
+          <a:prstGeom prst="rect">
+            <a:avLst/>
+          </a:prstGeom>
+          <a:solidFill>
+            <a:srgbClr val="4F81BD"/>
+          </a:solidFill>
+          <a:ln w="25400" cap="flat" cmpd="sng" algn="ctr">
+            <a:solidFill>
+              <a:srgbClr val="4F81BD">
+                <a:shade val="50000"/>
+              </a:srgbClr>
+            </a:solidFill>
+            <a:prstDash val="solid"/>
+          </a:ln>
+          <a:effectLst/>
+        </p:spPr>
+        <p:txBody>
+          <a:bodyPr rtlCol="0" anchor="ctr"/>
+          <a:lstStyle/>
+          <a:p>
+            <a:pPr marL="0" marR="0" lvl="0" indent="0" algn="ctr" defTabSz="914400" eaLnBrk="1" fontAlgn="auto" latinLnBrk="0" hangingPunct="1">
+              <a:lnSpc>
+                <a:spcPct val="100000"/>
+              </a:lnSpc>
+              <a:spcBef>
+                <a:spcPts val="0"/>
+              </a:spcBef>
+              <a:spcAft>
+                <a:spcPts val="0"/>
+              </a:spcAft>
+              <a:buClrTx/>
+              <a:buSzTx/>
+              <a:buFontTx/>
+              <a:buNone/>
+              <a:tabLst/>
+              <a:defRPr/>
+            </a:pPr>
+            <a:r>
+              <a:rPr kumimoji="0" lang="en-US" sz="1800" b="0" i="0" u="none" strike="noStrike" kern="0" cap="none" spc="0" normalizeH="0" baseline="0" noProof="0" dirty="0" smtClean="0">
+                <a:ln>
+                  <a:noFill/>
+                </a:ln>
+                <a:solidFill>
+                  <a:sysClr val="window" lastClr="FFFFFF"/>
+                </a:solidFill>
+                <a:effectLst/>
+                <a:uLnTx/>
+                <a:uFillTx/>
+                <a:latin typeface="Calibri"/>
+                <a:ea typeface="+mn-ea"/>
+                <a:cs typeface="+mn-cs"/>
+              </a:rPr>
+              <a:t>Bag filter</a:t>
+            </a:r>
+          </a:p>
+        </p:txBody>
+      </p:sp>
+      <p:cxnSp>
+        <p:nvCxnSpPr>
+          <p:cNvPr id="27" name="Straight Arrow Connector 26"/>
+          <p:cNvCxnSpPr/>
+          <p:nvPr/>
+        </p:nvCxnSpPr>
+        <p:spPr>
+          <a:xfrm>
+            <a:off x="6705600" y="1752600"/>
+            <a:ext cx="685800" cy="0"/>
+          </a:xfrm>
+          <a:prstGeom prst="straightConnector1">
+            <a:avLst/>
+          </a:prstGeom>
+          <a:noFill/>
+          <a:ln w="9525" cap="flat" cmpd="sng" algn="ctr">
+            <a:solidFill>
+              <a:srgbClr val="4F81BD">
+                <a:shade val="95000"/>
+                <a:satMod val="105000"/>
+              </a:srgbClr>
+            </a:solidFill>
+            <a:prstDash val="solid"/>
+            <a:tailEnd type="arrow"/>
+          </a:ln>
+          <a:effectLst/>
+        </p:spPr>
+      </p:cxnSp>
+      <p:sp>
+        <p:nvSpPr>
+          <p:cNvPr id="28" name="Rectangle 27"/>
+          <p:cNvSpPr/>
+          <p:nvPr/>
+        </p:nvSpPr>
+        <p:spPr>
+          <a:xfrm>
+            <a:off x="7391400" y="1257299"/>
+            <a:ext cx="914400" cy="1523999"/>
+          </a:xfrm>
+          <a:prstGeom prst="rect">
+            <a:avLst/>
+          </a:prstGeom>
+          <a:solidFill>
+            <a:srgbClr val="4F81BD"/>
+          </a:solidFill>
+          <a:ln w="25400" cap="flat" cmpd="sng" algn="ctr">
+            <a:solidFill>
+              <a:srgbClr val="4F81BD">
+                <a:shade val="50000"/>
+              </a:srgbClr>
+            </a:solidFill>
+            <a:prstDash val="solid"/>
+          </a:ln>
+          <a:effectLst/>
+        </p:spPr>
+        <p:txBody>
+          <a:bodyPr rtlCol="0" anchor="ctr"/>
+          <a:lstStyle/>
+          <a:p>
+            <a:pPr marL="0" marR="0" lvl="0" indent="0" algn="ctr" defTabSz="914400" eaLnBrk="1" fontAlgn="auto" latinLnBrk="0" hangingPunct="1">
+              <a:lnSpc>
+                <a:spcPct val="100000"/>
+              </a:lnSpc>
+              <a:spcBef>
+                <a:spcPts val="0"/>
+              </a:spcBef>
+              <a:spcAft>
+                <a:spcPts val="0"/>
+              </a:spcAft>
+              <a:buClrTx/>
+              <a:buSzTx/>
+              <a:buFontTx/>
+              <a:buNone/>
+              <a:tabLst/>
+              <a:defRPr/>
+            </a:pPr>
+            <a:r>
+              <a:rPr kumimoji="0" lang="en-US" sz="1800" b="0" i="0" u="none" strike="noStrike" kern="0" cap="none" spc="0" normalizeH="0" baseline="0" noProof="0" dirty="0" smtClean="0">
+                <a:ln>
+                  <a:noFill/>
+                </a:ln>
+                <a:solidFill>
+                  <a:sysClr val="window" lastClr="FFFFFF"/>
+                </a:solidFill>
+                <a:effectLst/>
+                <a:uLnTx/>
+                <a:uFillTx/>
+                <a:latin typeface="Calibri"/>
+                <a:ea typeface="+mn-ea"/>
+                <a:cs typeface="+mn-cs"/>
+              </a:rPr>
+              <a:t>Pre filter</a:t>
+            </a:r>
+          </a:p>
+        </p:txBody>
+      </p:sp>
+      <p:cxnSp>
+        <p:nvCxnSpPr>
+          <p:cNvPr id="29" name="Straight Arrow Connector 28"/>
+          <p:cNvCxnSpPr>
+            <a:stCxn id="28" idx="2"/>
+          </p:cNvCxnSpPr>
+          <p:nvPr/>
+        </p:nvCxnSpPr>
+        <p:spPr>
+          <a:xfrm>
+            <a:off x="7848600" y="2781298"/>
+            <a:ext cx="0" cy="1181102"/>
+          </a:xfrm>
+          <a:prstGeom prst="straightConnector1">
+            <a:avLst/>
+          </a:prstGeom>
+          <a:noFill/>
+          <a:ln w="9525" cap="flat" cmpd="sng" algn="ctr">
+            <a:solidFill>
+              <a:srgbClr val="4F81BD">
+                <a:shade val="95000"/>
+                <a:satMod val="105000"/>
+              </a:srgbClr>
+            </a:solidFill>
+            <a:prstDash val="solid"/>
+            <a:tailEnd type="arrow"/>
+          </a:ln>
+          <a:effectLst/>
+        </p:spPr>
+      </p:cxnSp>
+      <p:sp>
+        <p:nvSpPr>
+          <p:cNvPr id="30" name="Oval 29"/>
+          <p:cNvSpPr/>
+          <p:nvPr/>
+        </p:nvSpPr>
+        <p:spPr>
+          <a:xfrm>
+            <a:off x="7620000" y="3962400"/>
+            <a:ext cx="457200" cy="381000"/>
+          </a:xfrm>
+          <a:prstGeom prst="ellipse">
+            <a:avLst/>
+          </a:prstGeom>
+          <a:solidFill>
+            <a:srgbClr val="4F81BD"/>
+          </a:solidFill>
+          <a:ln w="25400" cap="flat" cmpd="sng" algn="ctr">
+            <a:solidFill>
+              <a:srgbClr val="4F81BD">
+                <a:shade val="50000"/>
+              </a:srgbClr>
+            </a:solidFill>
+            <a:prstDash val="solid"/>
+          </a:ln>
+          <a:effectLst/>
+        </p:spPr>
+        <p:txBody>
+          <a:bodyPr rtlCol="0" anchor="ctr"/>
+          <a:lstStyle/>
+          <a:p>
+            <a:pPr marL="0" marR="0" lvl="0" indent="0" algn="ctr" defTabSz="914400" eaLnBrk="1" fontAlgn="auto" latinLnBrk="0" hangingPunct="1">
+              <a:lnSpc>
+                <a:spcPct val="100000"/>
+              </a:lnSpc>
+              <a:spcBef>
+                <a:spcPts val="0"/>
+              </a:spcBef>
+              <a:spcAft>
+                <a:spcPts val="0"/>
+              </a:spcAft>
+              <a:buClrTx/>
+              <a:buSzTx/>
+              <a:buFontTx/>
+              <a:buNone/>
+              <a:tabLst/>
+              <a:defRPr/>
+            </a:pPr>
+            <a:endParaRPr kumimoji="0" lang="en-US" sz="1800" b="0" i="0" u="none" strike="noStrike" kern="0" cap="none" spc="0" normalizeH="0" baseline="0" noProof="0" dirty="0" smtClean="0">
+              <a:ln>
+                <a:noFill/>
+              </a:ln>
+              <a:solidFill>
+                <a:sysClr val="window" lastClr="FFFFFF"/>
+              </a:solidFill>
+              <a:effectLst/>
+              <a:uLnTx/>
+              <a:uFillTx/>
+              <a:latin typeface="Calibri"/>
+              <a:ea typeface="+mn-ea"/>
+              <a:cs typeface="+mn-cs"/>
+            </a:endParaRPr>
+          </a:p>
+        </p:txBody>
+      </p:sp>
+      <p:sp>
+        <p:nvSpPr>
+          <p:cNvPr id="31" name="Isosceles Triangle 30"/>
+          <p:cNvSpPr/>
+          <p:nvPr/>
+        </p:nvSpPr>
+        <p:spPr>
+          <a:xfrm>
+            <a:off x="7620000" y="4343400"/>
+            <a:ext cx="457200" cy="152400"/>
+          </a:xfrm>
+          <a:prstGeom prst="triangle">
+            <a:avLst/>
+          </a:prstGeom>
+          <a:solidFill>
+            <a:srgbClr val="4F81BD"/>
+          </a:solidFill>
+          <a:ln w="25400" cap="flat" cmpd="sng" algn="ctr">
+            <a:solidFill>
+              <a:srgbClr val="4F81BD">
+                <a:shade val="50000"/>
+              </a:srgbClr>
+            </a:solidFill>
+            <a:prstDash val="solid"/>
+          </a:ln>
+          <a:effectLst/>
+        </p:spPr>
+        <p:txBody>
+          <a:bodyPr rtlCol="0" anchor="ctr"/>
+          <a:lstStyle/>
+          <a:p>
+            <a:pPr marL="0" marR="0" lvl="0" indent="0" algn="ctr" defTabSz="914400" eaLnBrk="1" fontAlgn="auto" latinLnBrk="0" hangingPunct="1">
+              <a:lnSpc>
+                <a:spcPct val="100000"/>
+              </a:lnSpc>
+              <a:spcBef>
+                <a:spcPts val="0"/>
+              </a:spcBef>
+              <a:spcAft>
+                <a:spcPts val="0"/>
+              </a:spcAft>
+              <a:buClrTx/>
+              <a:buSzTx/>
+              <a:buFontTx/>
+              <a:buNone/>
+              <a:tabLst/>
+              <a:defRPr/>
+            </a:pPr>
+            <a:endParaRPr kumimoji="0" lang="en-US" sz="1800" b="0" i="0" u="none" strike="noStrike" kern="0" cap="none" spc="0" normalizeH="0" baseline="0" noProof="0" smtClean="0">
+              <a:ln>
+                <a:noFill/>
+              </a:ln>
+              <a:solidFill>
+                <a:sysClr val="window" lastClr="FFFFFF"/>
+              </a:solidFill>
+              <a:effectLst/>
+              <a:uLnTx/>
+              <a:uFillTx/>
+              <a:latin typeface="Calibri"/>
+              <a:ea typeface="+mn-ea"/>
+              <a:cs typeface="+mn-cs"/>
+            </a:endParaRPr>
+          </a:p>
+        </p:txBody>
+      </p:sp>
+      <p:sp>
+        <p:nvSpPr>
+          <p:cNvPr id="32" name="TextBox 31"/>
+          <p:cNvSpPr txBox="1"/>
+          <p:nvPr/>
+        </p:nvSpPr>
+        <p:spPr>
+          <a:xfrm>
+            <a:off x="6705601" y="3968234"/>
+            <a:ext cx="838200" cy="369332"/>
+          </a:xfrm>
+          <a:prstGeom prst="rect">
+            <a:avLst/>
+          </a:prstGeom>
+          <a:noFill/>
+        </p:spPr>
+        <p:txBody>
+          <a:bodyPr wrap="square" rtlCol="0">
+            <a:spAutoFit/>
+          </a:bodyPr>
+          <a:lstStyle/>
+          <a:p>
+            <a:pPr marL="0" marR="0" lvl="0" indent="0" defTabSz="914400" eaLnBrk="1" fontAlgn="auto" latinLnBrk="0" hangingPunct="1">
+              <a:lnSpc>
+                <a:spcPct val="100000"/>
+              </a:lnSpc>
+              <a:spcBef>
+                <a:spcPts val="0"/>
+              </a:spcBef>
+              <a:spcAft>
+                <a:spcPts val="0"/>
+              </a:spcAft>
+              <a:buClrTx/>
+              <a:buSzTx/>
+              <a:buFontTx/>
+              <a:buNone/>
+              <a:tabLst/>
+              <a:defRPr/>
+            </a:pPr>
+            <a:r>
+              <a:rPr kumimoji="0" lang="en-US" sz="1800" b="0" i="0" u="none" strike="noStrike" kern="0" cap="none" spc="0" normalizeH="0" baseline="0" noProof="0" dirty="0" smtClean="0">
+                <a:ln>
+                  <a:noFill/>
+                </a:ln>
+                <a:solidFill>
+                  <a:sysClr val="windowText" lastClr="000000"/>
+                </a:solidFill>
+                <a:effectLst/>
+                <a:uLnTx/>
+                <a:uFillTx/>
+              </a:rPr>
+              <a:t>pump</a:t>
+            </a:r>
+          </a:p>
+        </p:txBody>
+      </p:sp>
+      <p:cxnSp>
+        <p:nvCxnSpPr>
+          <p:cNvPr id="33" name="Straight Arrow Connector 32"/>
+          <p:cNvCxnSpPr/>
+          <p:nvPr/>
+        </p:nvCxnSpPr>
+        <p:spPr>
+          <a:xfrm>
+            <a:off x="7848600" y="4495800"/>
+            <a:ext cx="0" cy="609600"/>
+          </a:xfrm>
+          <a:prstGeom prst="straightConnector1">
+            <a:avLst/>
+          </a:prstGeom>
+          <a:noFill/>
+          <a:ln w="9525" cap="flat" cmpd="sng" algn="ctr">
+            <a:solidFill>
+              <a:srgbClr val="4F81BD">
+                <a:shade val="95000"/>
+                <a:satMod val="105000"/>
+              </a:srgbClr>
+            </a:solidFill>
+            <a:prstDash val="solid"/>
+            <a:tailEnd type="arrow"/>
+          </a:ln>
+          <a:effectLst/>
+        </p:spPr>
+      </p:cxnSp>
+      <p:cxnSp>
+        <p:nvCxnSpPr>
+          <p:cNvPr id="34" name="Straight Arrow Connector 33"/>
+          <p:cNvCxnSpPr/>
+          <p:nvPr/>
+        </p:nvCxnSpPr>
+        <p:spPr>
+          <a:xfrm flipH="1">
+            <a:off x="7239000" y="5105400"/>
+            <a:ext cx="609600" cy="0"/>
+          </a:xfrm>
+          <a:prstGeom prst="straightConnector1">
+            <a:avLst/>
+          </a:prstGeom>
+          <a:noFill/>
+          <a:ln w="9525" cap="flat" cmpd="sng" algn="ctr">
+            <a:solidFill>
+              <a:srgbClr val="4F81BD">
+                <a:shade val="95000"/>
+                <a:satMod val="105000"/>
+              </a:srgbClr>
+            </a:solidFill>
+            <a:prstDash val="solid"/>
+            <a:tailEnd type="arrow"/>
+          </a:ln>
+          <a:effectLst/>
+        </p:spPr>
+      </p:cxnSp>
+      <p:sp>
+        <p:nvSpPr>
+          <p:cNvPr id="35" name="Rectangle 34"/>
+          <p:cNvSpPr/>
+          <p:nvPr/>
+        </p:nvSpPr>
+        <p:spPr>
+          <a:xfrm>
+            <a:off x="3886200" y="4800600"/>
+            <a:ext cx="3352800" cy="914400"/>
+          </a:xfrm>
+          <a:prstGeom prst="rect">
+            <a:avLst/>
+          </a:prstGeom>
+          <a:solidFill>
+            <a:srgbClr val="4F81BD"/>
+          </a:solidFill>
+          <a:ln w="25400" cap="flat" cmpd="sng" algn="ctr">
+            <a:solidFill>
+              <a:srgbClr val="4F81BD">
+                <a:shade val="50000"/>
+              </a:srgbClr>
+            </a:solidFill>
+            <a:prstDash val="solid"/>
+          </a:ln>
+          <a:effectLst/>
+        </p:spPr>
+        <p:txBody>
+          <a:bodyPr rtlCol="0" anchor="ctr"/>
+          <a:lstStyle/>
+          <a:p>
+            <a:pPr marL="0" marR="0" lvl="0" indent="0" algn="ctr" defTabSz="914400" eaLnBrk="1" fontAlgn="auto" latinLnBrk="0" hangingPunct="1">
+              <a:lnSpc>
+                <a:spcPct val="100000"/>
+              </a:lnSpc>
+              <a:spcBef>
+                <a:spcPts val="0"/>
+              </a:spcBef>
+              <a:spcAft>
+                <a:spcPts val="0"/>
+              </a:spcAft>
+              <a:buClrTx/>
+              <a:buSzTx/>
+              <a:buFontTx/>
+              <a:buNone/>
+              <a:tabLst/>
+              <a:defRPr/>
+            </a:pPr>
+            <a:r>
+              <a:rPr kumimoji="0" lang="en-US" sz="1800" b="0" i="0" u="none" strike="noStrike" kern="0" cap="none" spc="0" normalizeH="0" baseline="0" noProof="0" dirty="0" smtClean="0">
+                <a:ln>
+                  <a:noFill/>
+                </a:ln>
+                <a:solidFill>
+                  <a:sysClr val="window" lastClr="FFFFFF"/>
+                </a:solidFill>
+                <a:effectLst/>
+                <a:uLnTx/>
+                <a:uFillTx/>
+                <a:latin typeface="Calibri"/>
+                <a:ea typeface="+mn-ea"/>
+                <a:cs typeface="+mn-cs"/>
+              </a:rPr>
+              <a:t>Membrane module </a:t>
+            </a:r>
+          </a:p>
+        </p:txBody>
+      </p:sp>
+      <p:cxnSp>
+        <p:nvCxnSpPr>
+          <p:cNvPr id="36" name="Straight Arrow Connector 35"/>
+          <p:cNvCxnSpPr/>
+          <p:nvPr/>
+        </p:nvCxnSpPr>
+        <p:spPr>
+          <a:xfrm flipH="1">
+            <a:off x="2743200" y="5105400"/>
+            <a:ext cx="1143000" cy="0"/>
+          </a:xfrm>
+          <a:prstGeom prst="straightConnector1">
+            <a:avLst/>
+          </a:prstGeom>
+          <a:noFill/>
+          <a:ln w="9525" cap="flat" cmpd="sng" algn="ctr">
+            <a:solidFill>
+              <a:srgbClr val="4F81BD">
+                <a:shade val="95000"/>
+                <a:satMod val="105000"/>
+              </a:srgbClr>
+            </a:solidFill>
+            <a:prstDash val="solid"/>
+            <a:tailEnd type="arrow"/>
+          </a:ln>
+          <a:effectLst/>
+        </p:spPr>
+      </p:cxnSp>
+      <p:cxnSp>
+        <p:nvCxnSpPr>
+          <p:cNvPr id="37" name="Straight Arrow Connector 36"/>
+          <p:cNvCxnSpPr/>
+          <p:nvPr/>
+        </p:nvCxnSpPr>
+        <p:spPr>
+          <a:xfrm flipH="1">
+            <a:off x="2743200" y="5486400"/>
+            <a:ext cx="1143000" cy="0"/>
+          </a:xfrm>
+          <a:prstGeom prst="straightConnector1">
+            <a:avLst/>
+          </a:prstGeom>
+          <a:noFill/>
+          <a:ln w="9525" cap="flat" cmpd="sng" algn="ctr">
+            <a:solidFill>
+              <a:srgbClr val="4F81BD">
+                <a:shade val="95000"/>
+                <a:satMod val="105000"/>
+              </a:srgbClr>
+            </a:solidFill>
+            <a:prstDash val="solid"/>
+            <a:tailEnd type="arrow"/>
+          </a:ln>
+          <a:effectLst/>
+        </p:spPr>
+      </p:cxnSp>
+      <p:sp>
+        <p:nvSpPr>
+          <p:cNvPr id="38" name="TextBox 37"/>
+          <p:cNvSpPr txBox="1"/>
+          <p:nvPr/>
+        </p:nvSpPr>
+        <p:spPr>
+          <a:xfrm>
+            <a:off x="1404937" y="4932402"/>
+            <a:ext cx="1295400" cy="369332"/>
+          </a:xfrm>
+          <a:prstGeom prst="rect">
+            <a:avLst/>
+          </a:prstGeom>
+          <a:noFill/>
+        </p:spPr>
+        <p:txBody>
+          <a:bodyPr wrap="square" rtlCol="0">
+            <a:spAutoFit/>
+          </a:bodyPr>
+          <a:lstStyle/>
+          <a:p>
+            <a:pPr marL="0" marR="0" lvl="0" indent="0" defTabSz="914400" eaLnBrk="1" fontAlgn="auto" latinLnBrk="0" hangingPunct="1">
+              <a:lnSpc>
+                <a:spcPct val="100000"/>
+              </a:lnSpc>
+              <a:spcBef>
+                <a:spcPts val="0"/>
+              </a:spcBef>
+              <a:spcAft>
+                <a:spcPts val="0"/>
+              </a:spcAft>
+              <a:buClrTx/>
+              <a:buSzTx/>
+              <a:buFontTx/>
+              <a:buNone/>
+              <a:tabLst/>
+              <a:defRPr/>
+            </a:pPr>
+            <a:r>
+              <a:rPr kumimoji="0" lang="en-US" sz="1800" b="0" i="0" u="none" strike="noStrike" kern="0" cap="none" spc="0" normalizeH="0" baseline="0" noProof="0" dirty="0" smtClean="0">
+                <a:ln>
+                  <a:noFill/>
+                </a:ln>
+                <a:solidFill>
+                  <a:sysClr val="windowText" lastClr="000000"/>
+                </a:solidFill>
+                <a:effectLst/>
+                <a:uLnTx/>
+                <a:uFillTx/>
+              </a:rPr>
+              <a:t>Permeate</a:t>
+            </a:r>
+          </a:p>
+        </p:txBody>
+      </p:sp>
+      <p:sp>
+        <p:nvSpPr>
+          <p:cNvPr id="39" name="TextBox 38"/>
+          <p:cNvSpPr txBox="1"/>
+          <p:nvPr/>
+        </p:nvSpPr>
+        <p:spPr>
+          <a:xfrm>
+            <a:off x="1409700" y="5301734"/>
+            <a:ext cx="1219200" cy="369332"/>
+          </a:xfrm>
+          <a:prstGeom prst="rect">
+            <a:avLst/>
+          </a:prstGeom>
+          <a:noFill/>
+        </p:spPr>
+        <p:txBody>
+          <a:bodyPr wrap="square" rtlCol="0">
+            <a:spAutoFit/>
+          </a:bodyPr>
+          <a:lstStyle/>
+          <a:p>
+            <a:pPr marL="0" marR="0" lvl="0" indent="0" defTabSz="914400" eaLnBrk="1" fontAlgn="auto" latinLnBrk="0" hangingPunct="1">
+              <a:lnSpc>
+                <a:spcPct val="100000"/>
+              </a:lnSpc>
+              <a:spcBef>
+                <a:spcPts val="0"/>
+              </a:spcBef>
+              <a:spcAft>
+                <a:spcPts val="0"/>
+              </a:spcAft>
+              <a:buClrTx/>
+              <a:buSzTx/>
+              <a:buFontTx/>
+              <a:buNone/>
+              <a:tabLst/>
+              <a:defRPr/>
+            </a:pPr>
+            <a:r>
+              <a:rPr kumimoji="0" lang="en-US" sz="1800" b="0" i="0" u="none" strike="noStrike" kern="0" cap="none" spc="0" normalizeH="0" baseline="0" noProof="0" dirty="0" smtClean="0">
+                <a:ln>
+                  <a:noFill/>
+                </a:ln>
+                <a:solidFill>
+                  <a:sysClr val="windowText" lastClr="000000"/>
+                </a:solidFill>
+                <a:effectLst/>
+                <a:uLnTx/>
+                <a:uFillTx/>
+              </a:rPr>
+              <a:t>Retentate</a:t>
+            </a:r>
+          </a:p>
+        </p:txBody>
+      </p:sp>
+      <p:sp>
+        <p:nvSpPr>
+          <p:cNvPr id="40" name="Rectangle 39"/>
+          <p:cNvSpPr/>
+          <p:nvPr/>
+        </p:nvSpPr>
+        <p:spPr>
+          <a:xfrm>
+            <a:off x="457200" y="457200"/>
+            <a:ext cx="8382000" cy="5791200"/>
+          </a:xfrm>
+          <a:prstGeom prst="rect">
+            <a:avLst/>
+          </a:prstGeom>
+          <a:noFill/>
+          <a:ln>
+            <a:solidFill>
+              <a:schemeClr val="tx1"/>
+            </a:solidFill>
+          </a:ln>
+        </p:spPr>
+        <p:style>
+          <a:lnRef idx="2">
+            <a:schemeClr val="accent1">
+              <a:shade val="50000"/>
+            </a:schemeClr>
+          </a:lnRef>
+          <a:fillRef idx="1">
+            <a:schemeClr val="accent1"/>
+          </a:fillRef>
+          <a:effectRef idx="0">
+            <a:schemeClr val="accent1"/>
+          </a:effectRef>
+          <a:fontRef idx="minor">
+            <a:schemeClr val="lt1"/>
+          </a:fontRef>
+        </p:style>
+        <p:txBody>
+          <a:bodyPr rtlCol="0" anchor="ctr"/>
+          <a:lstStyle/>
+          <a:p>
+            <a:pPr algn="ctr"/>
+            <a:endParaRPr lang="en-US"/>
+          </a:p>
+        </p:txBody>
+      </p:sp>
+    </p:spTree>
+    <p:extLst>
+      <p:ext uri="{BB962C8B-B14F-4D97-AF65-F5344CB8AC3E}">
+        <p14:creationId xmlns:p14="http://schemas.microsoft.com/office/powerpoint/2010/main" val="1587071529"/>
+      </p:ext>
+    </p:extLst>
+  </p:cSld>
+  <p:clrMapOvr>
+    <a:masterClrMapping/>
+  </p:clrMapOvr>
+  <p:timing>
+    <p:tnLst>
+      <p:par>
+        <p:cTn id="1" dur="indefinite" restart="never" nodeType="tmRoot"/>
+      </p:par>
+    </p:tnLst>
+  </p:timing>
+</p:sld>
+</file>
+
+<file path=ppt/slides/slide28.xml><?xml version="1.0" encoding="utf-8"?>
+<p:sld xmlns:a="http://schemas.openxmlformats.org/drawingml/2006/main" xmlns:r="http://schemas.openxmlformats.org/officeDocument/2006/relationships" xmlns:p="http://schemas.openxmlformats.org/presentationml/2006/main">
+  <p:cSld>
+    <p:spTree>
+      <p:nvGrpSpPr>
+        <p:cNvPr id="1" name=""/>
+        <p:cNvGrpSpPr/>
+        <p:nvPr/>
+      </p:nvGrpSpPr>
+      <p:grpSpPr>
+        <a:xfrm>
+          <a:off x="0" y="0"/>
+          <a:ext cx="0" cy="0"/>
+          <a:chOff x="0" y="0"/>
+          <a:chExt cx="0" cy="0"/>
+        </a:xfrm>
+      </p:grpSpPr>
       <p:sp>
         <p:nvSpPr>
           <p:cNvPr id="3" name="Content Placeholder 2"/>
@@ -9586,7 +10721,6 @@
               <a:rPr lang="en-US" dirty="0" smtClean="0"/>
               <a:t>   </a:t>
             </a:r>
-            <a:endParaRPr lang="en-US" dirty="0" smtClean="0"/>
           </a:p>
           <a:p>
             <a:endParaRPr lang="en-US" dirty="0" smtClean="0"/>
@@ -9612,7 +10746,7 @@
           <p:nvPr>
             <p:extLst>
               <p:ext uri="{D42A27DB-BD31-4B8C-83A1-F6EECF244321}">
-                <p14:modId xmlns:p14="http://schemas.microsoft.com/office/powerpoint/2010/main" val="2582601321"/>
+                <p14:modId xmlns:p14="http://schemas.microsoft.com/office/powerpoint/2010/main" val="697184437"/>
               </p:ext>
             </p:extLst>
           </p:nvPr>
@@ -9648,7 +10782,52 @@
                       <a:endParaRPr lang="en-US" dirty="0"/>
                     </a:p>
                   </a:txBody>
-                  <a:tcPr/>
+                  <a:tcPr>
+                    <a:lnL w="12700" cap="flat" cmpd="sng" algn="ctr">
+                      <a:solidFill>
+                        <a:schemeClr val="tx1"/>
+                      </a:solidFill>
+                      <a:prstDash val="solid"/>
+                      <a:round/>
+                      <a:headEnd type="none" w="med" len="med"/>
+                      <a:tailEnd type="none" w="med" len="med"/>
+                    </a:lnL>
+                    <a:lnR w="12700" cap="flat" cmpd="sng" algn="ctr">
+                      <a:solidFill>
+                        <a:schemeClr val="tx1"/>
+                      </a:solidFill>
+                      <a:prstDash val="solid"/>
+                      <a:round/>
+                      <a:headEnd type="none" w="med" len="med"/>
+                      <a:tailEnd type="none" w="med" len="med"/>
+                    </a:lnR>
+                    <a:lnT w="12700" cap="flat" cmpd="sng" algn="ctr">
+                      <a:solidFill>
+                        <a:schemeClr val="tx1"/>
+                      </a:solidFill>
+                      <a:prstDash val="solid"/>
+                      <a:round/>
+                      <a:headEnd type="none" w="med" len="med"/>
+                      <a:tailEnd type="none" w="med" len="med"/>
+                    </a:lnT>
+                    <a:lnB w="12700" cap="flat" cmpd="sng" algn="ctr">
+                      <a:solidFill>
+                        <a:schemeClr val="tx1"/>
+                      </a:solidFill>
+                      <a:prstDash val="solid"/>
+                      <a:round/>
+                      <a:headEnd type="none" w="med" len="med"/>
+                      <a:tailEnd type="none" w="med" len="med"/>
+                    </a:lnB>
+                    <a:lnTlToBr w="12700" cmpd="sng">
+                      <a:noFill/>
+                      <a:prstDash val="solid"/>
+                    </a:lnTlToBr>
+                    <a:lnBlToTr w="12700" cmpd="sng">
+                      <a:noFill/>
+                      <a:prstDash val="solid"/>
+                    </a:lnBlToTr>
+                  </a:tcPr>
                 </a:tc>
                 <a:tc>
                   <a:txBody>
@@ -9662,7 +10841,52 @@
                       <a:endParaRPr lang="en-US" dirty="0"/>
                     </a:p>
                   </a:txBody>
-                  <a:tcPr/>
+                  <a:tcPr>
+                    <a:lnL w="12700" cap="flat" cmpd="sng" algn="ctr">
+                      <a:solidFill>
+                        <a:schemeClr val="tx1"/>
+                      </a:solidFill>
+                      <a:prstDash val="solid"/>
+                      <a:round/>
+                      <a:headEnd type="none" w="med" len="med"/>
+                      <a:tailEnd type="none" w="med" len="med"/>
+                    </a:lnL>
+                    <a:lnR w="12700" cap="flat" cmpd="sng" algn="ctr">
+                      <a:solidFill>
+                        <a:schemeClr val="tx1"/>
+                      </a:solidFill>
+                      <a:prstDash val="solid"/>
+                      <a:round/>
+                      <a:headEnd type="none" w="med" len="med"/>
+                      <a:tailEnd type="none" w="med" len="med"/>
+                    </a:lnR>
+                    <a:lnT w="12700" cap="flat" cmpd="sng" algn="ctr">
+                      <a:solidFill>
+                        <a:schemeClr val="tx1"/>
+                      </a:solidFill>
+                      <a:prstDash val="solid"/>
+                      <a:round/>
+                      <a:headEnd type="none" w="med" len="med"/>
+                      <a:tailEnd type="none" w="med" len="med"/>
+                    </a:lnT>
+                    <a:lnB w="12700" cap="flat" cmpd="sng" algn="ctr">
+                      <a:solidFill>
+                        <a:schemeClr val="tx1"/>
+                      </a:solidFill>
+                      <a:prstDash val="solid"/>
+                      <a:round/>
+                      <a:headEnd type="none" w="med" len="med"/>
+                      <a:tailEnd type="none" w="med" len="med"/>
+                    </a:lnB>
+                    <a:lnTlToBr w="12700" cmpd="sng">
+                      <a:noFill/>
+                      <a:prstDash val="solid"/>
+                    </a:lnTlToBr>
+                    <a:lnBlToTr w="12700" cmpd="sng">
+                      <a:noFill/>
+                      <a:prstDash val="solid"/>
+                    </a:lnBlToTr>
+                  </a:tcPr>
                 </a:tc>
                 <a:tc>
                   <a:txBody>
@@ -9676,7 +10900,52 @@
                       <a:endParaRPr lang="en-US" dirty="0"/>
                     </a:p>
                   </a:txBody>
-                  <a:tcPr/>
+                  <a:tcPr>
+                    <a:lnL w="12700" cap="flat" cmpd="sng" algn="ctr">
+                      <a:solidFill>
+                        <a:schemeClr val="tx1"/>
+                      </a:solidFill>
+                      <a:prstDash val="solid"/>
+                      <a:round/>
+                      <a:headEnd type="none" w="med" len="med"/>
+                      <a:tailEnd type="none" w="med" len="med"/>
+                    </a:lnL>
+                    <a:lnR w="12700" cap="flat" cmpd="sng" algn="ctr">
+                      <a:solidFill>
+                        <a:schemeClr val="tx1"/>
+                      </a:solidFill>
+                      <a:prstDash val="solid"/>
+                      <a:round/>
+                      <a:headEnd type="none" w="med" len="med"/>
+                      <a:tailEnd type="none" w="med" len="med"/>
+                    </a:lnR>
+                    <a:lnT w="12700" cap="flat" cmpd="sng" algn="ctr">
+                      <a:solidFill>
+                        <a:schemeClr val="tx1"/>
+                      </a:solidFill>
+                      <a:prstDash val="solid"/>
+                      <a:round/>
+                      <a:headEnd type="none" w="med" len="med"/>
+                      <a:tailEnd type="none" w="med" len="med"/>
+                    </a:lnT>
+                    <a:lnB w="12700" cap="flat" cmpd="sng" algn="ctr">
+                      <a:solidFill>
+                        <a:schemeClr val="tx1"/>
+                      </a:solidFill>
+                      <a:prstDash val="solid"/>
+                      <a:round/>
+                      <a:headEnd type="none" w="med" len="med"/>
+                      <a:tailEnd type="none" w="med" len="med"/>
+                    </a:lnB>
+                    <a:lnTlToBr w="12700" cmpd="sng">
+                      <a:noFill/>
+                      <a:prstDash val="solid"/>
+                    </a:lnTlToBr>
+                    <a:lnBlToTr w="12700" cmpd="sng">
+                      <a:noFill/>
+                      <a:prstDash val="solid"/>
+                    </a:lnBlToTr>
+                  </a:tcPr>
                 </a:tc>
                 <a:tc>
                   <a:txBody>
@@ -9690,7 +10959,52 @@
                       <a:endParaRPr lang="en-US" dirty="0"/>
                     </a:p>
                   </a:txBody>
-                  <a:tcPr/>
+                  <a:tcPr>
+                    <a:lnL w="12700" cap="flat" cmpd="sng" algn="ctr">
+                      <a:solidFill>
+                        <a:schemeClr val="tx1"/>
+                      </a:solidFill>
+                      <a:prstDash val="solid"/>
+                      <a:round/>
+                      <a:headEnd type="none" w="med" len="med"/>
+                      <a:tailEnd type="none" w="med" len="med"/>
+                    </a:lnL>
+                    <a:lnR w="12700" cap="flat" cmpd="sng" algn="ctr">
+                      <a:solidFill>
+                        <a:schemeClr val="tx1"/>
+                      </a:solidFill>
+                      <a:prstDash val="solid"/>
+                      <a:round/>
+                      <a:headEnd type="none" w="med" len="med"/>
+                      <a:tailEnd type="none" w="med" len="med"/>
+                    </a:lnR>
+                    <a:lnT w="12700" cap="flat" cmpd="sng" algn="ctr">
+                      <a:solidFill>
+                        <a:schemeClr val="tx1"/>
+                      </a:solidFill>
+                      <a:prstDash val="solid"/>
+                      <a:round/>
+                      <a:headEnd type="none" w="med" len="med"/>
+                      <a:tailEnd type="none" w="med" len="med"/>
+                    </a:lnT>
+                    <a:lnB w="12700" cap="flat" cmpd="sng" algn="ctr">
+                      <a:solidFill>
+                        <a:schemeClr val="tx1"/>
+                      </a:solidFill>
+                      <a:prstDash val="solid"/>
+                      <a:round/>
+                      <a:headEnd type="none" w="med" len="med"/>
+                      <a:tailEnd type="none" w="med" len="med"/>
+                    </a:lnB>
+                    <a:lnTlToBr w="12700" cmpd="sng">
+                      <a:noFill/>
+                      <a:prstDash val="solid"/>
+                    </a:lnTlToBr>
+                    <a:lnBlToTr w="12700" cmpd="sng">
+                      <a:noFill/>
+                      <a:prstDash val="solid"/>
+                    </a:lnBlToTr>
+                  </a:tcPr>
                 </a:tc>
                 <a:tc>
                   <a:txBody>
@@ -9704,7 +11018,52 @@
                       <a:endParaRPr lang="en-US" dirty="0"/>
                     </a:p>
                   </a:txBody>
-                  <a:tcPr/>
+                  <a:tcPr>
+                    <a:lnL w="12700" cap="flat" cmpd="sng" algn="ctr">
+                      <a:solidFill>
+                        <a:schemeClr val="tx1"/>
+                      </a:solidFill>
+                      <a:prstDash val="solid"/>
+                      <a:round/>
+                      <a:headEnd type="none" w="med" len="med"/>
+                      <a:tailEnd type="none" w="med" len="med"/>
+                    </a:lnL>
+                    <a:lnR w="12700" cap="flat" cmpd="sng" algn="ctr">
+                      <a:solidFill>
+                        <a:schemeClr val="tx1"/>
+                      </a:solidFill>
+                      <a:prstDash val="solid"/>
+                      <a:round/>
+                      <a:headEnd type="none" w="med" len="med"/>
+                      <a:tailEnd type="none" w="med" len="med"/>
+                    </a:lnR>
+                    <a:lnT w="12700" cap="flat" cmpd="sng" algn="ctr">
+                      <a:solidFill>
+                        <a:schemeClr val="tx1"/>
+                      </a:solidFill>
+                      <a:prstDash val="solid"/>
+                      <a:round/>
+                      <a:headEnd type="none" w="med" len="med"/>
+                      <a:tailEnd type="none" w="med" len="med"/>
+                    </a:lnT>
+                    <a:lnB w="12700" cap="flat" cmpd="sng" algn="ctr">
+                      <a:solidFill>
+                        <a:schemeClr val="tx1"/>
+                      </a:solidFill>
+                      <a:prstDash val="solid"/>
+                      <a:round/>
+                      <a:headEnd type="none" w="med" len="med"/>
+                      <a:tailEnd type="none" w="med" len="med"/>
+                    </a:lnB>
+                    <a:lnTlToBr w="12700" cmpd="sng">
+                      <a:noFill/>
+                      <a:prstDash val="solid"/>
+                    </a:lnTlToBr>
+                    <a:lnBlToTr w="12700" cmpd="sng">
+                      <a:noFill/>
+                      <a:prstDash val="solid"/>
+                    </a:lnBlToTr>
+                  </a:tcPr>
                 </a:tc>
                 <a:tc>
                   <a:txBody>
@@ -9718,7 +11077,52 @@
                       <a:endParaRPr lang="en-US" dirty="0"/>
                     </a:p>
                   </a:txBody>
-                  <a:tcPr/>
+                  <a:tcPr>
+                    <a:lnL w="12700" cap="flat" cmpd="sng" algn="ctr">
+                      <a:solidFill>
+                        <a:schemeClr val="tx1"/>
+                      </a:solidFill>
+                      <a:prstDash val="solid"/>
+                      <a:round/>
+                      <a:headEnd type="none" w="med" len="med"/>
+                      <a:tailEnd type="none" w="med" len="med"/>
+                    </a:lnL>
+                    <a:lnR w="12700" cap="flat" cmpd="sng" algn="ctr">
+                      <a:solidFill>
+                        <a:schemeClr val="tx1"/>
+                      </a:solidFill>
+                      <a:prstDash val="solid"/>
+                      <a:round/>
+                      <a:headEnd type="none" w="med" len="med"/>
+                      <a:tailEnd type="none" w="med" len="med"/>
+                    </a:lnR>
+                    <a:lnT w="12700" cap="flat" cmpd="sng" algn="ctr">
+                      <a:solidFill>
+                        <a:schemeClr val="tx1"/>
+                      </a:solidFill>
+                      <a:prstDash val="solid"/>
+                      <a:round/>
+                      <a:headEnd type="none" w="med" len="med"/>
+                      <a:tailEnd type="none" w="med" len="med"/>
+                    </a:lnT>
+                    <a:lnB w="12700" cap="flat" cmpd="sng" algn="ctr">
+                      <a:solidFill>
+                        <a:schemeClr val="tx1"/>
+                      </a:solidFill>
+                      <a:prstDash val="solid"/>
+                      <a:round/>
+                      <a:headEnd type="none" w="med" len="med"/>
+                      <a:tailEnd type="none" w="med" len="med"/>
+                    </a:lnB>
+                    <a:lnTlToBr w="12700" cmpd="sng">
+                      <a:noFill/>
+                      <a:prstDash val="solid"/>
+                    </a:lnTlToBr>
+                    <a:lnBlToTr w="12700" cmpd="sng">
+                      <a:noFill/>
+                      <a:prstDash val="solid"/>
+                    </a:lnBlToTr>
+                  </a:tcPr>
                 </a:tc>
               </a:tr>
               <a:tr h="502920">
@@ -9734,7 +11138,52 @@
                       <a:endParaRPr lang="en-US" dirty="0"/>
                     </a:p>
                   </a:txBody>
-                  <a:tcPr/>
+                  <a:tcPr>
+                    <a:lnL w="12700" cap="flat" cmpd="sng" algn="ctr">
+                      <a:solidFill>
+                        <a:schemeClr val="tx1"/>
+                      </a:solidFill>
+                      <a:prstDash val="solid"/>
+                      <a:round/>
+                      <a:headEnd type="none" w="med" len="med"/>
+                      <a:tailEnd type="none" w="med" len="med"/>
+                    </a:lnL>
+                    <a:lnR w="12700" cap="flat" cmpd="sng" algn="ctr">
+                      <a:solidFill>
+                        <a:schemeClr val="tx1"/>
+                      </a:solidFill>
+                      <a:prstDash val="solid"/>
+                      <a:round/>
+                      <a:headEnd type="none" w="med" len="med"/>
+                      <a:tailEnd type="none" w="med" len="med"/>
+                    </a:lnR>
+                    <a:lnT w="12700" cap="flat" cmpd="sng" algn="ctr">
+                      <a:solidFill>
+                        <a:schemeClr val="tx1"/>
+                      </a:solidFill>
+                      <a:prstDash val="solid"/>
+                      <a:round/>
+                      <a:headEnd type="none" w="med" len="med"/>
+                      <a:tailEnd type="none" w="med" len="med"/>
+                    </a:lnT>
+                    <a:lnB w="12700" cap="flat" cmpd="sng" algn="ctr">
+                      <a:solidFill>
+                        <a:schemeClr val="tx1"/>
+                      </a:solidFill>
+                      <a:prstDash val="solid"/>
+                      <a:round/>
+                      <a:headEnd type="none" w="med" len="med"/>
+                      <a:tailEnd type="none" w="med" len="med"/>
+                    </a:lnB>
+                    <a:lnTlToBr w="12700" cmpd="sng">
+                      <a:noFill/>
+                      <a:prstDash val="solid"/>
+                    </a:lnTlToBr>
+                    <a:lnBlToTr w="12700" cmpd="sng">
+                      <a:noFill/>
+                      <a:prstDash val="solid"/>
+                    </a:lnBlToTr>
+                  </a:tcPr>
                 </a:tc>
                 <a:tc>
                   <a:txBody>
@@ -9748,7 +11197,52 @@
                       <a:endParaRPr lang="en-US" dirty="0"/>
                     </a:p>
                   </a:txBody>
-                  <a:tcPr/>
+                  <a:tcPr>
+                    <a:lnL w="12700" cap="flat" cmpd="sng" algn="ctr">
+                      <a:solidFill>
+                        <a:schemeClr val="tx1"/>
+                      </a:solidFill>
+                      <a:prstDash val="solid"/>
+                      <a:round/>
+                      <a:headEnd type="none" w="med" len="med"/>
+                      <a:tailEnd type="none" w="med" len="med"/>
+                    </a:lnL>
+                    <a:lnR w="12700" cap="flat" cmpd="sng" algn="ctr">
+                      <a:solidFill>
+                        <a:schemeClr val="tx1"/>
+                      </a:solidFill>
+                      <a:prstDash val="solid"/>
+                      <a:round/>
+                      <a:headEnd type="none" w="med" len="med"/>
+                      <a:tailEnd type="none" w="med" len="med"/>
+                    </a:lnR>
+                    <a:lnT w="12700" cap="flat" cmpd="sng" algn="ctr">
+                      <a:solidFill>
+                        <a:schemeClr val="tx1"/>
+                      </a:solidFill>
+                      <a:prstDash val="solid"/>
+                      <a:round/>
+                      <a:headEnd type="none" w="med" len="med"/>
+                      <a:tailEnd type="none" w="med" len="med"/>
+                    </a:lnT>
+                    <a:lnB w="12700" cap="flat" cmpd="sng" algn="ctr">
+                      <a:solidFill>
+                        <a:schemeClr val="tx1"/>
+                      </a:solidFill>
+                      <a:prstDash val="solid"/>
+                      <a:round/>
+                      <a:headEnd type="none" w="med" len="med"/>
+                      <a:tailEnd type="none" w="med" len="med"/>
+                    </a:lnB>
+                    <a:lnTlToBr w="12700" cmpd="sng">
+                      <a:noFill/>
+                      <a:prstDash val="solid"/>
+                    </a:lnTlToBr>
+                    <a:lnBlToTr w="12700" cmpd="sng">
+                      <a:noFill/>
+                      <a:prstDash val="solid"/>
+                    </a:lnBlToTr>
+                  </a:tcPr>
                 </a:tc>
                 <a:tc>
                   <a:txBody>
@@ -9762,7 +11256,52 @@
                       <a:endParaRPr lang="en-US" dirty="0"/>
                     </a:p>
                   </a:txBody>
-                  <a:tcPr/>
+                  <a:tcPr>
+                    <a:lnL w="12700" cap="flat" cmpd="sng" algn="ctr">
+                      <a:solidFill>
+                        <a:schemeClr val="tx1"/>
+                      </a:solidFill>
+                      <a:prstDash val="solid"/>
+                      <a:round/>
+                      <a:headEnd type="none" w="med" len="med"/>
+                      <a:tailEnd type="none" w="med" len="med"/>
+                    </a:lnL>
+                    <a:lnR w="12700" cap="flat" cmpd="sng" algn="ctr">
+                      <a:solidFill>
+                        <a:schemeClr val="tx1"/>
+                      </a:solidFill>
+                      <a:prstDash val="solid"/>
+                      <a:round/>
+                      <a:headEnd type="none" w="med" len="med"/>
+                      <a:tailEnd type="none" w="med" len="med"/>
+                    </a:lnR>
+                    <a:lnT w="12700" cap="flat" cmpd="sng" algn="ctr">
+                      <a:solidFill>
+                        <a:schemeClr val="tx1"/>
+                      </a:solidFill>
+                      <a:prstDash val="solid"/>
+                      <a:round/>
+                      <a:headEnd type="none" w="med" len="med"/>
+                      <a:tailEnd type="none" w="med" len="med"/>
+                    </a:lnT>
+                    <a:lnB w="12700" cap="flat" cmpd="sng" algn="ctr">
+                      <a:solidFill>
+                        <a:schemeClr val="tx1"/>
+                      </a:solidFill>
+                      <a:prstDash val="solid"/>
+                      <a:round/>
+                      <a:headEnd type="none" w="med" len="med"/>
+                      <a:tailEnd type="none" w="med" len="med"/>
+                    </a:lnB>
+                    <a:lnTlToBr w="12700" cmpd="sng">
+                      <a:noFill/>
+                      <a:prstDash val="solid"/>
+                    </a:lnTlToBr>
+                    <a:lnBlToTr w="12700" cmpd="sng">
+                      <a:noFill/>
+                      <a:prstDash val="solid"/>
+                    </a:lnBlToTr>
+                  </a:tcPr>
                 </a:tc>
                 <a:tc>
                   <a:txBody>
@@ -9776,7 +11315,52 @@
                       <a:endParaRPr lang="en-US" dirty="0"/>
                     </a:p>
                   </a:txBody>
-                  <a:tcPr/>
+                  <a:tcPr>
+                    <a:lnL w="12700" cap="flat" cmpd="sng" algn="ctr">
+                      <a:solidFill>
+                        <a:schemeClr val="tx1"/>
+                      </a:solidFill>
+                      <a:prstDash val="solid"/>
+                      <a:round/>
+                      <a:headEnd type="none" w="med" len="med"/>
+                      <a:tailEnd type="none" w="med" len="med"/>
+                    </a:lnL>
+                    <a:lnR w="12700" cap="flat" cmpd="sng" algn="ctr">
+                      <a:solidFill>
+                        <a:schemeClr val="tx1"/>
+                      </a:solidFill>
+                      <a:prstDash val="solid"/>
+                      <a:round/>
+                      <a:headEnd type="none" w="med" len="med"/>
+                      <a:tailEnd type="none" w="med" len="med"/>
+                    </a:lnR>
+                    <a:lnT w="12700" cap="flat" cmpd="sng" algn="ctr">
+                      <a:solidFill>
+                        <a:schemeClr val="tx1"/>
+                      </a:solidFill>
+                      <a:prstDash val="solid"/>
+                      <a:round/>
+                      <a:headEnd type="none" w="med" len="med"/>
+                      <a:tailEnd type="none" w="med" len="med"/>
+                    </a:lnT>
+                    <a:lnB w="12700" cap="flat" cmpd="sng" algn="ctr">
+                      <a:solidFill>
+                        <a:schemeClr val="tx1"/>
+                      </a:solidFill>
+                      <a:prstDash val="solid"/>
+                      <a:round/>
+                      <a:headEnd type="none" w="med" len="med"/>
+                      <a:tailEnd type="none" w="med" len="med"/>
+                    </a:lnB>
+                    <a:lnTlToBr w="12700" cmpd="sng">
+                      <a:noFill/>
+                      <a:prstDash val="solid"/>
+                    </a:lnTlToBr>
+                    <a:lnBlToTr w="12700" cmpd="sng">
+                      <a:noFill/>
+                      <a:prstDash val="solid"/>
+                    </a:lnBlToTr>
+                  </a:tcPr>
                 </a:tc>
                 <a:tc>
                   <a:txBody>
@@ -9790,7 +11374,52 @@
                       <a:endParaRPr lang="en-US" dirty="0"/>
                     </a:p>
                   </a:txBody>
-                  <a:tcPr/>
+                  <a:tcPr>
+                    <a:lnL w="12700" cap="flat" cmpd="sng" algn="ctr">
+                      <a:solidFill>
+                        <a:schemeClr val="tx1"/>
+                      </a:solidFill>
+                      <a:prstDash val="solid"/>
+                      <a:round/>
+                      <a:headEnd type="none" w="med" len="med"/>
+                      <a:tailEnd type="none" w="med" len="med"/>
+                    </a:lnL>
+                    <a:lnR w="12700" cap="flat" cmpd="sng" algn="ctr">
+                      <a:solidFill>
+                        <a:schemeClr val="tx1"/>
+                      </a:solidFill>
+                      <a:prstDash val="solid"/>
+                      <a:round/>
+                      <a:headEnd type="none" w="med" len="med"/>
+                      <a:tailEnd type="none" w="med" len="med"/>
+                    </a:lnR>
+                    <a:lnT w="12700" cap="flat" cmpd="sng" algn="ctr">
+                      <a:solidFill>
+                        <a:schemeClr val="tx1"/>
+                      </a:solidFill>
+                      <a:prstDash val="solid"/>
+                      <a:round/>
+                      <a:headEnd type="none" w="med" len="med"/>
+                      <a:tailEnd type="none" w="med" len="med"/>
+                    </a:lnT>
+                    <a:lnB w="12700" cap="flat" cmpd="sng" algn="ctr">
+                      <a:solidFill>
+                        <a:schemeClr val="tx1"/>
+                      </a:solidFill>
+                      <a:prstDash val="solid"/>
+                      <a:round/>
+                      <a:headEnd type="none" w="med" len="med"/>
+                      <a:tailEnd type="none" w="med" len="med"/>
+                    </a:lnB>
+                    <a:lnTlToBr w="12700" cmpd="sng">
+                      <a:noFill/>
+                      <a:prstDash val="solid"/>
+                    </a:lnTlToBr>
+                    <a:lnBlToTr w="12700" cmpd="sng">
+                      <a:noFill/>
+                      <a:prstDash val="solid"/>
+                    </a:lnBlToTr>
+                  </a:tcPr>
                 </a:tc>
                 <a:tc>
                   <a:txBody>
@@ -9804,7 +11433,52 @@
                       <a:endParaRPr lang="en-US" dirty="0"/>
                     </a:p>
                   </a:txBody>
-                  <a:tcPr/>
+                  <a:tcPr>
+                    <a:lnL w="12700" cap="flat" cmpd="sng" algn="ctr">
+                      <a:solidFill>
+                        <a:schemeClr val="tx1"/>
+                      </a:solidFill>
+                      <a:prstDash val="solid"/>
+                      <a:round/>
+                      <a:headEnd type="none" w="med" len="med"/>
+                      <a:tailEnd type="none" w="med" len="med"/>
+                    </a:lnL>
+                    <a:lnR w="12700" cap="flat" cmpd="sng" algn="ctr">
+                      <a:solidFill>
+                        <a:schemeClr val="tx1"/>
+                      </a:solidFill>
+                      <a:prstDash val="solid"/>
+                      <a:round/>
+                      <a:headEnd type="none" w="med" len="med"/>
+                      <a:tailEnd type="none" w="med" len="med"/>
+                    </a:lnR>
+                    <a:lnT w="12700" cap="flat" cmpd="sng" algn="ctr">
+                      <a:solidFill>
+                        <a:schemeClr val="tx1"/>
+                      </a:solidFill>
+                      <a:prstDash val="solid"/>
+                      <a:round/>
+                      <a:headEnd type="none" w="med" len="med"/>
+                      <a:tailEnd type="none" w="med" len="med"/>
+                    </a:lnT>
+                    <a:lnB w="12700" cap="flat" cmpd="sng" algn="ctr">
+                      <a:solidFill>
+                        <a:schemeClr val="tx1"/>
+                      </a:solidFill>
+                      <a:prstDash val="solid"/>
+                      <a:round/>
+                      <a:headEnd type="none" w="med" len="med"/>
+                      <a:tailEnd type="none" w="med" len="med"/>
+                    </a:lnB>
+                    <a:lnTlToBr w="12700" cmpd="sng">
+                      <a:noFill/>
+                      <a:prstDash val="solid"/>
+                    </a:lnTlToBr>
+                    <a:lnBlToTr w="12700" cmpd="sng">
+                      <a:noFill/>
+                      <a:prstDash val="solid"/>
+                    </a:lnBlToTr>
+                  </a:tcPr>
                 </a:tc>
               </a:tr>
               <a:tr h="502920">
@@ -9820,7 +11494,52 @@
                       <a:endParaRPr lang="en-US" dirty="0"/>
                     </a:p>
                   </a:txBody>
-                  <a:tcPr/>
+                  <a:tcPr>
+                    <a:lnL w="12700" cap="flat" cmpd="sng" algn="ctr">
+                      <a:solidFill>
+                        <a:schemeClr val="tx1"/>
+                      </a:solidFill>
+                      <a:prstDash val="solid"/>
+                      <a:round/>
+                      <a:headEnd type="none" w="med" len="med"/>
+                      <a:tailEnd type="none" w="med" len="med"/>
+                    </a:lnL>
+                    <a:lnR w="12700" cap="flat" cmpd="sng" algn="ctr">
+                      <a:solidFill>
+                        <a:schemeClr val="tx1"/>
+                      </a:solidFill>
+                      <a:prstDash val="solid"/>
+                      <a:round/>
+                      <a:headEnd type="none" w="med" len="med"/>
+                      <a:tailEnd type="none" w="med" len="med"/>
+                    </a:lnR>
+                    <a:lnT w="12700" cap="flat" cmpd="sng" algn="ctr">
+                      <a:solidFill>
+                        <a:schemeClr val="tx1"/>
+                      </a:solidFill>
+                      <a:prstDash val="solid"/>
+                      <a:round/>
+                      <a:headEnd type="none" w="med" len="med"/>
+                      <a:tailEnd type="none" w="med" len="med"/>
+                    </a:lnT>
+                    <a:lnB w="12700" cap="flat" cmpd="sng" algn="ctr">
+                      <a:solidFill>
+                        <a:schemeClr val="tx1"/>
+                      </a:solidFill>
+                      <a:prstDash val="solid"/>
+                      <a:round/>
+                      <a:headEnd type="none" w="med" len="med"/>
+                      <a:tailEnd type="none" w="med" len="med"/>
+                    </a:lnB>
+                    <a:lnTlToBr w="12700" cmpd="sng">
+                      <a:noFill/>
+                      <a:prstDash val="solid"/>
+                    </a:lnTlToBr>
+                    <a:lnBlToTr w="12700" cmpd="sng">
+                      <a:noFill/>
+                      <a:prstDash val="solid"/>
+                    </a:lnBlToTr>
+                  </a:tcPr>
                 </a:tc>
                 <a:tc>
                   <a:txBody>
@@ -9834,7 +11553,52 @@
                       <a:endParaRPr lang="en-US" dirty="0"/>
                     </a:p>
                   </a:txBody>
-                  <a:tcPr/>
+                  <a:tcPr>
+                    <a:lnL w="12700" cap="flat" cmpd="sng" algn="ctr">
+                      <a:solidFill>
+                        <a:schemeClr val="tx1"/>
+                      </a:solidFill>
+                      <a:prstDash val="solid"/>
+                      <a:round/>
+                      <a:headEnd type="none" w="med" len="med"/>
+                      <a:tailEnd type="none" w="med" len="med"/>
+                    </a:lnL>
+                    <a:lnR w="12700" cap="flat" cmpd="sng" algn="ctr">
+                      <a:solidFill>
+                        <a:schemeClr val="tx1"/>
+                      </a:solidFill>
+                      <a:prstDash val="solid"/>
+                      <a:round/>
+                      <a:headEnd type="none" w="med" len="med"/>
+                      <a:tailEnd type="none" w="med" len="med"/>
+                    </a:lnR>
+                    <a:lnT w="12700" cap="flat" cmpd="sng" algn="ctr">
+                      <a:solidFill>
+                        <a:schemeClr val="tx1"/>
+                      </a:solidFill>
+                      <a:prstDash val="solid"/>
+                      <a:round/>
+                      <a:headEnd type="none" w="med" len="med"/>
+                      <a:tailEnd type="none" w="med" len="med"/>
+                    </a:lnT>
+                    <a:lnB w="12700" cap="flat" cmpd="sng" algn="ctr">
+                      <a:solidFill>
+                        <a:schemeClr val="tx1"/>
+                      </a:solidFill>
+                      <a:prstDash val="solid"/>
+                      <a:round/>
+                      <a:headEnd type="none" w="med" len="med"/>
+                      <a:tailEnd type="none" w="med" len="med"/>
+                    </a:lnB>
+                    <a:lnTlToBr w="12700" cmpd="sng">
+                      <a:noFill/>
+                      <a:prstDash val="solid"/>
+                    </a:lnTlToBr>
+                    <a:lnBlToTr w="12700" cmpd="sng">
+                      <a:noFill/>
+                      <a:prstDash val="solid"/>
+                    </a:lnBlToTr>
+                  </a:tcPr>
                 </a:tc>
                 <a:tc>
                   <a:txBody>
@@ -9848,7 +11612,52 @@
                       <a:endParaRPr lang="en-US" dirty="0"/>
                     </a:p>
                   </a:txBody>
-                  <a:tcPr/>
+                  <a:tcPr>
+                    <a:lnL w="12700" cap="flat" cmpd="sng" algn="ctr">
+                      <a:solidFill>
+                        <a:schemeClr val="tx1"/>
+                      </a:solidFill>
+                      <a:prstDash val="solid"/>
+                      <a:round/>
+                      <a:headEnd type="none" w="med" len="med"/>
+                      <a:tailEnd type="none" w="med" len="med"/>
+                    </a:lnL>
+                    <a:lnR w="12700" cap="flat" cmpd="sng" algn="ctr">
+                      <a:solidFill>
+                        <a:schemeClr val="tx1"/>
+                      </a:solidFill>
+                      <a:prstDash val="solid"/>
+                      <a:round/>
+                      <a:headEnd type="none" w="med" len="med"/>
+                      <a:tailEnd type="none" w="med" len="med"/>
+                    </a:lnR>
+                    <a:lnT w="12700" cap="flat" cmpd="sng" algn="ctr">
+                      <a:solidFill>
+                        <a:schemeClr val="tx1"/>
+                      </a:solidFill>
+                      <a:prstDash val="solid"/>
+                      <a:round/>
+                      <a:headEnd type="none" w="med" len="med"/>
+                      <a:tailEnd type="none" w="med" len="med"/>
+                    </a:lnT>
+                    <a:lnB w="12700" cap="flat" cmpd="sng" algn="ctr">
+                      <a:solidFill>
+                        <a:schemeClr val="tx1"/>
+                      </a:solidFill>
+                      <a:prstDash val="solid"/>
+                      <a:round/>
+                      <a:headEnd type="none" w="med" len="med"/>
+                      <a:tailEnd type="none" w="med" len="med"/>
+                    </a:lnB>
+                    <a:lnTlToBr w="12700" cmpd="sng">
+                      <a:noFill/>
+                      <a:prstDash val="solid"/>
+                    </a:lnTlToBr>
+                    <a:lnBlToTr w="12700" cmpd="sng">
+                      <a:noFill/>
+                      <a:prstDash val="solid"/>
+                    </a:lnBlToTr>
+                  </a:tcPr>
                 </a:tc>
                 <a:tc>
                   <a:txBody>
@@ -9862,7 +11671,52 @@
                       <a:endParaRPr lang="en-US" dirty="0"/>
                     </a:p>
                   </a:txBody>
-                  <a:tcPr/>
+                  <a:tcPr>
+                    <a:lnL w="12700" cap="flat" cmpd="sng" algn="ctr">
+                      <a:solidFill>
+                        <a:schemeClr val="tx1"/>
+                      </a:solidFill>
+                      <a:prstDash val="solid"/>
+                      <a:round/>
+                      <a:headEnd type="none" w="med" len="med"/>
+                      <a:tailEnd type="none" w="med" len="med"/>
+                    </a:lnL>
+                    <a:lnR w="12700" cap="flat" cmpd="sng" algn="ctr">
+                      <a:solidFill>
+                        <a:schemeClr val="tx1"/>
+                      </a:solidFill>
+                      <a:prstDash val="solid"/>
+                      <a:round/>
+                      <a:headEnd type="none" w="med" len="med"/>
+                      <a:tailEnd type="none" w="med" len="med"/>
+                    </a:lnR>
+                    <a:lnT w="12700" cap="flat" cmpd="sng" algn="ctr">
+                      <a:solidFill>
+                        <a:schemeClr val="tx1"/>
+                      </a:solidFill>
+                      <a:prstDash val="solid"/>
+                      <a:round/>
+                      <a:headEnd type="none" w="med" len="med"/>
+                      <a:tailEnd type="none" w="med" len="med"/>
+                    </a:lnT>
+                    <a:lnB w="12700" cap="flat" cmpd="sng" algn="ctr">
+                      <a:solidFill>
+                        <a:schemeClr val="tx1"/>
+                      </a:solidFill>
+                      <a:prstDash val="solid"/>
+                      <a:round/>
+                      <a:headEnd type="none" w="med" len="med"/>
+                      <a:tailEnd type="none" w="med" len="med"/>
+                    </a:lnB>
+                    <a:lnTlToBr w="12700" cmpd="sng">
+                      <a:noFill/>
+                      <a:prstDash val="solid"/>
+                    </a:lnTlToBr>
+                    <a:lnBlToTr w="12700" cmpd="sng">
+                      <a:noFill/>
+                      <a:prstDash val="solid"/>
+                    </a:lnBlToTr>
+                  </a:tcPr>
                 </a:tc>
                 <a:tc>
                   <a:txBody>
@@ -9876,7 +11730,52 @@
                       <a:endParaRPr lang="en-US" dirty="0"/>
                     </a:p>
                   </a:txBody>
-                  <a:tcPr/>
+                  <a:tcPr>
+                    <a:lnL w="12700" cap="flat" cmpd="sng" algn="ctr">
+                      <a:solidFill>
+                        <a:schemeClr val="tx1"/>
+                      </a:solidFill>
+                      <a:prstDash val="solid"/>
+                      <a:round/>
+                      <a:headEnd type="none" w="med" len="med"/>
+                      <a:tailEnd type="none" w="med" len="med"/>
+                    </a:lnL>
+                    <a:lnR w="12700" cap="flat" cmpd="sng" algn="ctr">
+                      <a:solidFill>
+                        <a:schemeClr val="tx1"/>
+                      </a:solidFill>
+                      <a:prstDash val="solid"/>
+                      <a:round/>
+                      <a:headEnd type="none" w="med" len="med"/>
+                      <a:tailEnd type="none" w="med" len="med"/>
+                    </a:lnR>
+                    <a:lnT w="12700" cap="flat" cmpd="sng" algn="ctr">
+                      <a:solidFill>
+                        <a:schemeClr val="tx1"/>
+                      </a:solidFill>
+                      <a:prstDash val="solid"/>
+                      <a:round/>
+                      <a:headEnd type="none" w="med" len="med"/>
+                      <a:tailEnd type="none" w="med" len="med"/>
+                    </a:lnT>
+                    <a:lnB w="12700" cap="flat" cmpd="sng" algn="ctr">
+                      <a:solidFill>
+                        <a:schemeClr val="tx1"/>
+                      </a:solidFill>
+                      <a:prstDash val="solid"/>
+                      <a:round/>
+                      <a:headEnd type="none" w="med" len="med"/>
+                      <a:tailEnd type="none" w="med" len="med"/>
+                    </a:lnB>
+                    <a:lnTlToBr w="12700" cmpd="sng">
+                      <a:noFill/>
+                      <a:prstDash val="solid"/>
+                    </a:lnTlToBr>
+                    <a:lnBlToTr w="12700" cmpd="sng">
+                      <a:noFill/>
+                      <a:prstDash val="solid"/>
+                    </a:lnBlToTr>
+                  </a:tcPr>
                 </a:tc>
                 <a:tc>
                   <a:txBody>
@@ -9886,7 +11785,52 @@
                       <a:endParaRPr lang="en-US" dirty="0"/>
                     </a:p>
                   </a:txBody>
-                  <a:tcPr/>
+                  <a:tcPr>
+                    <a:lnL w="12700" cap="flat" cmpd="sng" algn="ctr">
+                      <a:solidFill>
+                        <a:schemeClr val="tx1"/>
+                      </a:solidFill>
+                      <a:prstDash val="solid"/>
+                      <a:round/>
+                      <a:headEnd type="none" w="med" len="med"/>
+                      <a:tailEnd type="none" w="med" len="med"/>
+                    </a:lnL>
+                    <a:lnR w="12700" cap="flat" cmpd="sng" algn="ctr">
+                      <a:solidFill>
+                        <a:schemeClr val="tx1"/>
+                      </a:solidFill>
+                      <a:prstDash val="solid"/>
+                      <a:round/>
+                      <a:headEnd type="none" w="med" len="med"/>
+                      <a:tailEnd type="none" w="med" len="med"/>
+                    </a:lnR>
+                    <a:lnT w="12700" cap="flat" cmpd="sng" algn="ctr">
+                      <a:solidFill>
+                        <a:schemeClr val="tx1"/>
+                      </a:solidFill>
+                      <a:prstDash val="solid"/>
+                      <a:round/>
+                      <a:headEnd type="none" w="med" len="med"/>
+                      <a:tailEnd type="none" w="med" len="med"/>
+                    </a:lnT>
+                    <a:lnB w="12700" cap="flat" cmpd="sng" algn="ctr">
+                      <a:solidFill>
+                        <a:schemeClr val="tx1"/>
+                      </a:solidFill>
+                      <a:prstDash val="solid"/>
+                      <a:round/>
+                      <a:headEnd type="none" w="med" len="med"/>
+                      <a:tailEnd type="none" w="med" len="med"/>
+                    </a:lnB>
+                    <a:lnTlToBr w="12700" cmpd="sng">
+                      <a:noFill/>
+                      <a:prstDash val="solid"/>
+                    </a:lnTlToBr>
+                    <a:lnBlToTr w="12700" cmpd="sng">
+                      <a:noFill/>
+                      <a:prstDash val="solid"/>
+                    </a:lnBlToTr>
+                  </a:tcPr>
                 </a:tc>
               </a:tr>
               <a:tr h="502920">
@@ -9901,7 +11845,52 @@
                       </a:r>
                     </a:p>
                   </a:txBody>
-                  <a:tcPr/>
+                  <a:tcPr>
+                    <a:lnL w="12700" cap="flat" cmpd="sng" algn="ctr">
+                      <a:solidFill>
+                        <a:schemeClr val="tx1"/>
+                      </a:solidFill>
+                      <a:prstDash val="solid"/>
+                      <a:round/>
+                      <a:headEnd type="none" w="med" len="med"/>
+                      <a:tailEnd type="none" w="med" len="med"/>
+                    </a:lnL>
+                    <a:lnR w="12700" cap="flat" cmpd="sng" algn="ctr">
+                      <a:solidFill>
+                        <a:schemeClr val="tx1"/>
+                      </a:solidFill>
+                      <a:prstDash val="solid"/>
+                      <a:round/>
+                      <a:headEnd type="none" w="med" len="med"/>
+                      <a:tailEnd type="none" w="med" len="med"/>
+                    </a:lnR>
+                    <a:lnT w="12700" cap="flat" cmpd="sng" algn="ctr">
+                      <a:solidFill>
+                        <a:schemeClr val="tx1"/>
+                      </a:solidFill>
+                      <a:prstDash val="solid"/>
+                      <a:round/>
+                      <a:headEnd type="none" w="med" len="med"/>
+                      <a:tailEnd type="none" w="med" len="med"/>
+                    </a:lnT>
+                    <a:lnB w="12700" cap="flat" cmpd="sng" algn="ctr">
+                      <a:solidFill>
+                        <a:schemeClr val="tx1"/>
+                      </a:solidFill>
+                      <a:prstDash val="solid"/>
+                      <a:round/>
+                      <a:headEnd type="none" w="med" len="med"/>
+                      <a:tailEnd type="none" w="med" len="med"/>
+                    </a:lnB>
+                    <a:lnTlToBr w="12700" cmpd="sng">
+                      <a:noFill/>
+                      <a:prstDash val="solid"/>
+                    </a:lnTlToBr>
+                    <a:lnBlToTr w="12700" cmpd="sng">
+                      <a:noFill/>
+                      <a:prstDash val="solid"/>
+                    </a:lnBlToTr>
+                  </a:tcPr>
                 </a:tc>
                 <a:tc>
                   <a:txBody>
@@ -9915,7 +11904,52 @@
                       <a:endParaRPr lang="en-US" dirty="0"/>
                     </a:p>
                   </a:txBody>
-                  <a:tcPr/>
+                  <a:tcPr>
+                    <a:lnL w="12700" cap="flat" cmpd="sng" algn="ctr">
+                      <a:solidFill>
+                        <a:schemeClr val="tx1"/>
+                      </a:solidFill>
+                      <a:prstDash val="solid"/>
+                      <a:round/>
+                      <a:headEnd type="none" w="med" len="med"/>
+                      <a:tailEnd type="none" w="med" len="med"/>
+                    </a:lnL>
+                    <a:lnR w="12700" cap="flat" cmpd="sng" algn="ctr">
+                      <a:solidFill>
+                        <a:schemeClr val="tx1"/>
+                      </a:solidFill>
+                      <a:prstDash val="solid"/>
+                      <a:round/>
+                      <a:headEnd type="none" w="med" len="med"/>
+                      <a:tailEnd type="none" w="med" len="med"/>
+                    </a:lnR>
+                    <a:lnT w="12700" cap="flat" cmpd="sng" algn="ctr">
+                      <a:solidFill>
+                        <a:schemeClr val="tx1"/>
+                      </a:solidFill>
+                      <a:prstDash val="solid"/>
+                      <a:round/>
+                      <a:headEnd type="none" w="med" len="med"/>
+                      <a:tailEnd type="none" w="med" len="med"/>
+                    </a:lnT>
+                    <a:lnB w="12700" cap="flat" cmpd="sng" algn="ctr">
+                      <a:solidFill>
+                        <a:schemeClr val="tx1"/>
+                      </a:solidFill>
+                      <a:prstDash val="solid"/>
+                      <a:round/>
+                      <a:headEnd type="none" w="med" len="med"/>
+                      <a:tailEnd type="none" w="med" len="med"/>
+                    </a:lnB>
+                    <a:lnTlToBr w="12700" cmpd="sng">
+                      <a:noFill/>
+                      <a:prstDash val="solid"/>
+                    </a:lnTlToBr>
+                    <a:lnBlToTr w="12700" cmpd="sng">
+                      <a:noFill/>
+                      <a:prstDash val="solid"/>
+                    </a:lnBlToTr>
+                  </a:tcPr>
                 </a:tc>
                 <a:tc>
                   <a:txBody>
@@ -9929,7 +11963,52 @@
                       <a:endParaRPr lang="en-US" dirty="0"/>
                     </a:p>
                   </a:txBody>
-                  <a:tcPr/>
+                  <a:tcPr>
+                    <a:lnL w="12700" cap="flat" cmpd="sng" algn="ctr">
+                      <a:solidFill>
+                        <a:schemeClr val="tx1"/>
+                      </a:solidFill>
+                      <a:prstDash val="solid"/>
+                      <a:round/>
+                      <a:headEnd type="none" w="med" len="med"/>
+                      <a:tailEnd type="none" w="med" len="med"/>
+                    </a:lnL>
+                    <a:lnR w="12700" cap="flat" cmpd="sng" algn="ctr">
+                      <a:solidFill>
+                        <a:schemeClr val="tx1"/>
+                      </a:solidFill>
+                      <a:prstDash val="solid"/>
+                      <a:round/>
+                      <a:headEnd type="none" w="med" len="med"/>
+                      <a:tailEnd type="none" w="med" len="med"/>
+                    </a:lnR>
+                    <a:lnT w="12700" cap="flat" cmpd="sng" algn="ctr">
+                      <a:solidFill>
+                        <a:schemeClr val="tx1"/>
+                      </a:solidFill>
+                      <a:prstDash val="solid"/>
+                      <a:round/>
+                      <a:headEnd type="none" w="med" len="med"/>
+                      <a:tailEnd type="none" w="med" len="med"/>
+                    </a:lnT>
+                    <a:lnB w="12700" cap="flat" cmpd="sng" algn="ctr">
+                      <a:solidFill>
+                        <a:schemeClr val="tx1"/>
+                      </a:solidFill>
+                      <a:prstDash val="solid"/>
+                      <a:round/>
+                      <a:headEnd type="none" w="med" len="med"/>
+                      <a:tailEnd type="none" w="med" len="med"/>
+                    </a:lnB>
+                    <a:lnTlToBr w="12700" cmpd="sng">
+                      <a:noFill/>
+                      <a:prstDash val="solid"/>
+                    </a:lnTlToBr>
+                    <a:lnBlToTr w="12700" cmpd="sng">
+                      <a:noFill/>
+                      <a:prstDash val="solid"/>
+                    </a:lnBlToTr>
+                  </a:tcPr>
                 </a:tc>
                 <a:tc>
                   <a:txBody>
@@ -9943,7 +12022,52 @@
                       <a:endParaRPr lang="en-US" dirty="0"/>
                     </a:p>
                   </a:txBody>
-                  <a:tcPr/>
+                  <a:tcPr>
+                    <a:lnL w="12700" cap="flat" cmpd="sng" algn="ctr">
+                      <a:solidFill>
+                        <a:schemeClr val="tx1"/>
+                      </a:solidFill>
+                      <a:prstDash val="solid"/>
+                      <a:round/>
+                      <a:headEnd type="none" w="med" len="med"/>
+                      <a:tailEnd type="none" w="med" len="med"/>
+                    </a:lnL>
+                    <a:lnR w="12700" cap="flat" cmpd="sng" algn="ctr">
+                      <a:solidFill>
+                        <a:schemeClr val="tx1"/>
+                      </a:solidFill>
+                      <a:prstDash val="solid"/>
+                      <a:round/>
+                      <a:headEnd type="none" w="med" len="med"/>
+                      <a:tailEnd type="none" w="med" len="med"/>
+                    </a:lnR>
+                    <a:lnT w="12700" cap="flat" cmpd="sng" algn="ctr">
+                      <a:solidFill>
+                        <a:schemeClr val="tx1"/>
+                      </a:solidFill>
+                      <a:prstDash val="solid"/>
+                      <a:round/>
+                      <a:headEnd type="none" w="med" len="med"/>
+                      <a:tailEnd type="none" w="med" len="med"/>
+                    </a:lnT>
+                    <a:lnB w="12700" cap="flat" cmpd="sng" algn="ctr">
+                      <a:solidFill>
+                        <a:schemeClr val="tx1"/>
+                      </a:solidFill>
+                      <a:prstDash val="solid"/>
+                      <a:round/>
+                      <a:headEnd type="none" w="med" len="med"/>
+                      <a:tailEnd type="none" w="med" len="med"/>
+                    </a:lnB>
+                    <a:lnTlToBr w="12700" cmpd="sng">
+                      <a:noFill/>
+                      <a:prstDash val="solid"/>
+                    </a:lnTlToBr>
+                    <a:lnBlToTr w="12700" cmpd="sng">
+                      <a:noFill/>
+                      <a:prstDash val="solid"/>
+                    </a:lnBlToTr>
+                  </a:tcPr>
                 </a:tc>
                 <a:tc>
                   <a:txBody>
@@ -9957,7 +12081,52 @@
                       <a:endParaRPr lang="en-US" dirty="0"/>
                     </a:p>
                   </a:txBody>
-                  <a:tcPr/>
+                  <a:tcPr>
+                    <a:lnL w="12700" cap="flat" cmpd="sng" algn="ctr">
+                      <a:solidFill>
+                        <a:schemeClr val="tx1"/>
+                      </a:solidFill>
+                      <a:prstDash val="solid"/>
+                      <a:round/>
+                      <a:headEnd type="none" w="med" len="med"/>
+                      <a:tailEnd type="none" w="med" len="med"/>
+                    </a:lnL>
+                    <a:lnR w="12700" cap="flat" cmpd="sng" algn="ctr">
+                      <a:solidFill>
+                        <a:schemeClr val="tx1"/>
+                      </a:solidFill>
+                      <a:prstDash val="solid"/>
+                      <a:round/>
+                      <a:headEnd type="none" w="med" len="med"/>
+                      <a:tailEnd type="none" w="med" len="med"/>
+                    </a:lnR>
+                    <a:lnT w="12700" cap="flat" cmpd="sng" algn="ctr">
+                      <a:solidFill>
+                        <a:schemeClr val="tx1"/>
+                      </a:solidFill>
+                      <a:prstDash val="solid"/>
+                      <a:round/>
+                      <a:headEnd type="none" w="med" len="med"/>
+                      <a:tailEnd type="none" w="med" len="med"/>
+                    </a:lnT>
+                    <a:lnB w="12700" cap="flat" cmpd="sng" algn="ctr">
+                      <a:solidFill>
+                        <a:schemeClr val="tx1"/>
+                      </a:solidFill>
+                      <a:prstDash val="solid"/>
+                      <a:round/>
+                      <a:headEnd type="none" w="med" len="med"/>
+                      <a:tailEnd type="none" w="med" len="med"/>
+                    </a:lnB>
+                    <a:lnTlToBr w="12700" cmpd="sng">
+                      <a:noFill/>
+                      <a:prstDash val="solid"/>
+                    </a:lnTlToBr>
+                    <a:lnBlToTr w="12700" cmpd="sng">
+                      <a:noFill/>
+                      <a:prstDash val="solid"/>
+                    </a:lnBlToTr>
+                  </a:tcPr>
                 </a:tc>
                 <a:tc>
                   <a:txBody>
@@ -9967,7 +12136,52 @@
                       <a:endParaRPr lang="en-US" dirty="0"/>
                     </a:p>
                   </a:txBody>
-                  <a:tcPr/>
+                  <a:tcPr>
+                    <a:lnL w="12700" cap="flat" cmpd="sng" algn="ctr">
+                      <a:solidFill>
+                        <a:schemeClr val="tx1"/>
+                      </a:solidFill>
+                      <a:prstDash val="solid"/>
+                      <a:round/>
+                      <a:headEnd type="none" w="med" len="med"/>
+                      <a:tailEnd type="none" w="med" len="med"/>
+                    </a:lnL>
+                    <a:lnR w="12700" cap="flat" cmpd="sng" algn="ctr">
+                      <a:solidFill>
+                        <a:schemeClr val="tx1"/>
+                      </a:solidFill>
+                      <a:prstDash val="solid"/>
+                      <a:round/>
+                      <a:headEnd type="none" w="med" len="med"/>
+                      <a:tailEnd type="none" w="med" len="med"/>
+                    </a:lnR>
+                    <a:lnT w="12700" cap="flat" cmpd="sng" algn="ctr">
+                      <a:solidFill>
+                        <a:schemeClr val="tx1"/>
+                      </a:solidFill>
+                      <a:prstDash val="solid"/>
+                      <a:round/>
+                      <a:headEnd type="none" w="med" len="med"/>
+                      <a:tailEnd type="none" w="med" len="med"/>
+                    </a:lnT>
+                    <a:lnB w="12700" cap="flat" cmpd="sng" algn="ctr">
+                      <a:solidFill>
+                        <a:schemeClr val="tx1"/>
+                      </a:solidFill>
+                      <a:prstDash val="solid"/>
+                      <a:round/>
+                      <a:headEnd type="none" w="med" len="med"/>
+                      <a:tailEnd type="none" w="med" len="med"/>
+                    </a:lnB>
+                    <a:lnTlToBr w="12700" cmpd="sng">
+                      <a:noFill/>
+                      <a:prstDash val="solid"/>
+                    </a:lnTlToBr>
+                    <a:lnBlToTr w="12700" cmpd="sng">
+                      <a:noFill/>
+                      <a:prstDash val="solid"/>
+                    </a:lnBlToTr>
+                  </a:tcPr>
                 </a:tc>
               </a:tr>
             </a:tbl>
@@ -9994,7 +12208,73 @@
 </p:sld>
 </file>
 
-<file path=ppt/slides/slide27.xml><?xml version="1.0" encoding="utf-8"?>
+<file path=ppt/slides/slide29.xml><?xml version="1.0" encoding="utf-8"?>
+<p:sld xmlns:a="http://schemas.openxmlformats.org/drawingml/2006/main" xmlns:r="http://schemas.openxmlformats.org/officeDocument/2006/relationships" xmlns:p="http://schemas.openxmlformats.org/presentationml/2006/main">
+  <p:cSld>
+    <p:spTree>
+      <p:nvGrpSpPr>
+        <p:cNvPr id="1" name=""/>
+        <p:cNvGrpSpPr/>
+        <p:nvPr/>
+      </p:nvGrpSpPr>
+      <p:grpSpPr>
+        <a:xfrm>
+          <a:off x="0" y="0"/>
+          <a:ext cx="0" cy="0"/>
+          <a:chOff x="0" y="0"/>
+          <a:chExt cx="0" cy="0"/>
+        </a:xfrm>
+      </p:grpSpPr>
+      <p:sp>
+        <p:nvSpPr>
+          <p:cNvPr id="2" name="Title 1"/>
+          <p:cNvSpPr>
+            <a:spLocks noGrp="1"/>
+          </p:cNvSpPr>
+          <p:nvPr>
+            <p:ph type="ctrTitle"/>
+          </p:nvPr>
+        </p:nvSpPr>
+        <p:spPr>
+          <a:ln>
+            <a:solidFill>
+              <a:schemeClr val="tx1"/>
+            </a:solidFill>
+          </a:ln>
+        </p:spPr>
+        <p:txBody>
+          <a:bodyPr/>
+          <a:lstStyle/>
+          <a:p>
+            <a:r>
+              <a:rPr lang="en-US" dirty="0" smtClean="0"/>
+              <a:t>Production</a:t>
+            </a:r>
+            <a:endParaRPr lang="en-US" dirty="0"/>
+          </a:p>
+        </p:txBody>
+      </p:sp>
+    </p:spTree>
+    <p:extLst>
+      <p:ext uri="{BB962C8B-B14F-4D97-AF65-F5344CB8AC3E}">
+        <p14:creationId xmlns:p14="http://schemas.microsoft.com/office/powerpoint/2010/main" val="959346842"/>
+      </p:ext>
+    </p:extLst>
+  </p:cSld>
+  <p:clrMapOvr>
+    <a:masterClrMapping/>
+  </p:clrMapOvr>
+  <p:timing>
+    <p:tnLst>
+      <p:par>
+        <p:cTn id="1" dur="indefinite" restart="never" nodeType="tmRoot"/>
+      </p:par>
+    </p:tnLst>
+  </p:timing>
+</p:sld>
+</file>
+
+<file path=ppt/slides/slide3.xml><?xml version="1.0" encoding="utf-8"?>
 <p:sld xmlns:a="http://schemas.openxmlformats.org/drawingml/2006/main" xmlns:r="http://schemas.openxmlformats.org/officeDocument/2006/relationships" xmlns:p="http://schemas.openxmlformats.org/presentationml/2006/main">
   <p:cSld>
     <p:spTree>
@@ -10028,7 +12308,7 @@
           <a:p>
             <a:r>
               <a:rPr lang="en-US" dirty="0" smtClean="0"/>
-              <a:t>               Production </a:t>
+              <a:t>SAFETY PROTOCOLS</a:t>
             </a:r>
             <a:endParaRPr lang="en-US" dirty="0"/>
           </a:p>
@@ -10049,6 +12329,118 @@
           <a:bodyPr/>
           <a:lstStyle/>
           <a:p>
+            <a:pPr marL="114300" indent="0">
+              <a:buNone/>
+            </a:pPr>
+            <a:r>
+              <a:rPr lang="en-US" b="1" i="1" dirty="0" smtClean="0"/>
+              <a:t>“Working safely may get old , but so do those who practice it”</a:t>
+            </a:r>
+          </a:p>
+          <a:p>
+            <a:pPr marL="114300" indent="0">
+              <a:buNone/>
+            </a:pPr>
+            <a:r>
+              <a:rPr lang="en-US" b="1" i="1" dirty="0"/>
+              <a:t> </a:t>
+            </a:r>
+            <a:endParaRPr lang="en-US" b="1" i="1" dirty="0" smtClean="0"/>
+          </a:p>
+          <a:p>
+            <a:r>
+              <a:rPr lang="en-US" dirty="0" smtClean="0"/>
+              <a:t>Safety is the most important aspect of a chemical industries </a:t>
+            </a:r>
+          </a:p>
+          <a:p>
+            <a:r>
+              <a:rPr lang="en-US" dirty="0"/>
+              <a:t> A</a:t>
+            </a:r>
+            <a:r>
+              <a:rPr lang="en-US" dirty="0" smtClean="0"/>
+              <a:t>ll the employees must have proper training and information </a:t>
+            </a:r>
+          </a:p>
+          <a:p>
+            <a:pPr marL="114300" indent="0">
+              <a:buNone/>
+            </a:pPr>
+            <a:r>
+              <a:rPr lang="en-US" dirty="0"/>
+              <a:t> </a:t>
+            </a:r>
+            <a:r>
+              <a:rPr lang="en-US" dirty="0" smtClean="0"/>
+              <a:t>   about all the physical or health hazards in order to avoid them</a:t>
+            </a:r>
+          </a:p>
+          <a:p>
+            <a:r>
+              <a:rPr lang="en-US" dirty="0" smtClean="0"/>
+              <a:t>As each chemical has unique hazards related to them, employees should always abide by a standard operating procedure(SOP) that addresses the use of correct personal protective equipment(PPE) safe handling, use and proper disposal.    </a:t>
+            </a:r>
+            <a:endParaRPr lang="en-US" dirty="0"/>
+          </a:p>
+        </p:txBody>
+      </p:sp>
+    </p:spTree>
+    <p:extLst>
+      <p:ext uri="{BB962C8B-B14F-4D97-AF65-F5344CB8AC3E}">
+        <p14:creationId xmlns:p14="http://schemas.microsoft.com/office/powerpoint/2010/main" val="3758954347"/>
+      </p:ext>
+    </p:extLst>
+  </p:cSld>
+  <p:clrMapOvr>
+    <a:masterClrMapping/>
+  </p:clrMapOvr>
+  <p:timing>
+    <p:tnLst>
+      <p:par>
+        <p:cTn id="1" dur="indefinite" restart="never" nodeType="tmRoot"/>
+      </p:par>
+    </p:tnLst>
+  </p:timing>
+</p:sld>
+</file>
+
+<file path=ppt/slides/slide30.xml><?xml version="1.0" encoding="utf-8"?>
+<p:sld xmlns:a="http://schemas.openxmlformats.org/drawingml/2006/main" xmlns:r="http://schemas.openxmlformats.org/officeDocument/2006/relationships" xmlns:p="http://schemas.openxmlformats.org/presentationml/2006/main">
+  <p:cSld>
+    <p:spTree>
+      <p:nvGrpSpPr>
+        <p:cNvPr id="1" name=""/>
+        <p:cNvGrpSpPr/>
+        <p:nvPr/>
+      </p:nvGrpSpPr>
+      <p:grpSpPr>
+        <a:xfrm>
+          <a:off x="0" y="0"/>
+          <a:ext cx="0" cy="0"/>
+          <a:chOff x="0" y="0"/>
+          <a:chExt cx="0" cy="0"/>
+        </a:xfrm>
+      </p:grpSpPr>
+      <p:sp>
+        <p:nvSpPr>
+          <p:cNvPr id="2" name="Title 1"/>
+          <p:cNvSpPr>
+            <a:spLocks noGrp="1"/>
+          </p:cNvSpPr>
+          <p:nvPr>
+            <p:ph type="title"/>
+          </p:nvPr>
+        </p:nvSpPr>
+        <p:spPr/>
+        <p:txBody>
+          <a:bodyPr/>
+          <a:lstStyle/>
+          <a:p>
+            <a:r>
+              <a:rPr lang="en-US" dirty="0" smtClean="0"/>
+              <a:t>               Production </a:t>
+            </a:r>
             <a:endParaRPr lang="en-US" dirty="0"/>
           </a:p>
         </p:txBody>
@@ -11089,7 +13481,7 @@
 </p:sld>
 </file>
 
-<file path=ppt/slides/slide28.xml><?xml version="1.0" encoding="utf-8"?>
+<file path=ppt/slides/slide31.xml><?xml version="1.0" encoding="utf-8"?>
 <p:sld xmlns:a="http://schemas.openxmlformats.org/drawingml/2006/main" xmlns:r="http://schemas.openxmlformats.org/officeDocument/2006/relationships" xmlns:p="http://schemas.openxmlformats.org/presentationml/2006/main">
   <p:cSld>
     <p:spTree>
@@ -11128,6 +13520,9 @@
               <a:bodyPr/>
               <a:lstStyle/>
               <a:p>
+                <a:pPr marL="114300" indent="0">
+                  <a:buNone/>
+                </a:pPr>
                 <a:r>
                   <a:rPr lang="en-US" sz="3200" dirty="0" smtClean="0"/>
                   <a:t>Yield </a:t>
@@ -11138,9 +13533,6 @@
                 </a:r>
               </a:p>
               <a:p>
-                <a:pPr marL="114300" indent="0">
-                  <a:buNone/>
-                </a:pPr>
                 <a:r>
                   <a:rPr lang="en-US" dirty="0" smtClean="0"/>
                   <a:t>ME</a:t>
@@ -11372,7 +13764,7 @@
               <a:blipFill rotWithShape="1">
                 <a:blip r:embed="rId2"/>
                 <a:stretch>
-                  <a:fillRect l="-240" t="-1333"/>
+                  <a:fillRect l="-480" t="-1333"/>
                 </a:stretch>
               </a:blipFill>
             </p:spPr>
@@ -11411,576 +13803,6 @@
 </p:sld>
 </file>
 
-<file path=ppt/slides/slide29.xml><?xml version="1.0" encoding="utf-8"?>
-<p:sld xmlns:a="http://schemas.openxmlformats.org/drawingml/2006/main" xmlns:r="http://schemas.openxmlformats.org/officeDocument/2006/relationships" xmlns:p="http://schemas.openxmlformats.org/presentationml/2006/main">
-  <p:cSld>
-    <p:spTree>
-      <p:nvGrpSpPr>
-        <p:cNvPr id="1" name=""/>
-        <p:cNvGrpSpPr/>
-        <p:nvPr/>
-      </p:nvGrpSpPr>
-      <p:grpSpPr>
-        <a:xfrm>
-          <a:off x="0" y="0"/>
-          <a:ext cx="0" cy="0"/>
-          <a:chOff x="0" y="0"/>
-          <a:chExt cx="0" cy="0"/>
-        </a:xfrm>
-      </p:grpSpPr>
-      <p:sp>
-        <p:nvSpPr>
-          <p:cNvPr id="2" name="Title 1"/>
-          <p:cNvSpPr>
-            <a:spLocks noGrp="1"/>
-          </p:cNvSpPr>
-          <p:nvPr>
-            <p:ph type="title"/>
-          </p:nvPr>
-        </p:nvSpPr>
-        <p:spPr/>
-        <p:txBody>
-          <a:bodyPr/>
-          <a:lstStyle/>
-          <a:p>
-            <a:r>
-              <a:rPr lang="en-US" dirty="0" smtClean="0"/>
-              <a:t>Production Planning:</a:t>
-            </a:r>
-            <a:endParaRPr lang="en-US" dirty="0"/>
-          </a:p>
-        </p:txBody>
-      </p:sp>
-      <p:sp>
-        <p:nvSpPr>
-          <p:cNvPr id="3" name="Content Placeholder 2"/>
-          <p:cNvSpPr>
-            <a:spLocks noGrp="1"/>
-          </p:cNvSpPr>
-          <p:nvPr>
-            <p:ph idx="1"/>
-          </p:nvPr>
-        </p:nvSpPr>
-        <p:spPr/>
-        <p:txBody>
-          <a:bodyPr/>
-          <a:lstStyle/>
-          <a:p>
-            <a:pPr algn="just"/>
-            <a:r>
-              <a:rPr lang="en-US" dirty="0" smtClean="0"/>
-              <a:t>At the beginning of the last weeks of month, marketing team provide a tentative dispatch schedule for the following month.</a:t>
-            </a:r>
-          </a:p>
-          <a:p>
-            <a:pPr algn="just"/>
-            <a:r>
-              <a:rPr lang="en-US" dirty="0" smtClean="0"/>
-              <a:t>Manufacturing incharges identify the production capacity of each unit based on the dispatch schedules, plant maintenance and breakdowns.</a:t>
-            </a:r>
-          </a:p>
-          <a:p>
-            <a:pPr algn="just"/>
-            <a:r>
-              <a:rPr lang="en-US" dirty="0" smtClean="0"/>
-              <a:t>Manufacturing incharges will review the dispatch schedule, confirm the same based on the monthly production plan, stock of the product and inform to the marketing team.</a:t>
-            </a:r>
-          </a:p>
-          <a:p>
-            <a:pPr algn="just"/>
-            <a:r>
-              <a:rPr lang="en-US" dirty="0" smtClean="0"/>
-              <a:t>Marketing team inform to the relevant customers about the amended dispatch dates.</a:t>
-            </a:r>
-            <a:endParaRPr lang="en-US" dirty="0"/>
-          </a:p>
-        </p:txBody>
-      </p:sp>
-    </p:spTree>
-    <p:extLst>
-      <p:ext uri="{BB962C8B-B14F-4D97-AF65-F5344CB8AC3E}">
-        <p14:creationId xmlns:p14="http://schemas.microsoft.com/office/powerpoint/2010/main" val="3631928021"/>
-      </p:ext>
-    </p:extLst>
-  </p:cSld>
-  <p:clrMapOvr>
-    <a:masterClrMapping/>
-  </p:clrMapOvr>
-  <p:timing>
-    <p:tnLst>
-      <p:par>
-        <p:cTn id="1" dur="indefinite" restart="never" nodeType="tmRoot"/>
-      </p:par>
-    </p:tnLst>
-  </p:timing>
-</p:sld>
-</file>
-
-<file path=ppt/slides/slide3.xml><?xml version="1.0" encoding="utf-8"?>
-<p:sld xmlns:a="http://schemas.openxmlformats.org/drawingml/2006/main" xmlns:r="http://schemas.openxmlformats.org/officeDocument/2006/relationships" xmlns:p="http://schemas.openxmlformats.org/presentationml/2006/main">
-  <p:cSld>
-    <p:spTree>
-      <p:nvGrpSpPr>
-        <p:cNvPr id="1" name=""/>
-        <p:cNvGrpSpPr/>
-        <p:nvPr/>
-      </p:nvGrpSpPr>
-      <p:grpSpPr>
-        <a:xfrm>
-          <a:off x="0" y="0"/>
-          <a:ext cx="0" cy="0"/>
-          <a:chOff x="0" y="0"/>
-          <a:chExt cx="0" cy="0"/>
-        </a:xfrm>
-      </p:grpSpPr>
-      <p:sp>
-        <p:nvSpPr>
-          <p:cNvPr id="2" name="Title 1"/>
-          <p:cNvSpPr>
-            <a:spLocks noGrp="1"/>
-          </p:cNvSpPr>
-          <p:nvPr>
-            <p:ph type="title"/>
-          </p:nvPr>
-        </p:nvSpPr>
-        <p:spPr/>
-        <p:txBody>
-          <a:bodyPr/>
-          <a:lstStyle/>
-          <a:p>
-            <a:r>
-              <a:rPr lang="en-US" dirty="0" smtClean="0"/>
-              <a:t>SAFETY PROTOCOLS</a:t>
-            </a:r>
-            <a:endParaRPr lang="en-US" dirty="0"/>
-          </a:p>
-        </p:txBody>
-      </p:sp>
-      <p:sp>
-        <p:nvSpPr>
-          <p:cNvPr id="3" name="Content Placeholder 2"/>
-          <p:cNvSpPr>
-            <a:spLocks noGrp="1"/>
-          </p:cNvSpPr>
-          <p:nvPr>
-            <p:ph idx="1"/>
-          </p:nvPr>
-        </p:nvSpPr>
-        <p:spPr/>
-        <p:txBody>
-          <a:bodyPr/>
-          <a:lstStyle/>
-          <a:p>
-            <a:pPr marL="114300" indent="0">
-              <a:buNone/>
-            </a:pPr>
-            <a:r>
-              <a:rPr lang="en-US" b="1" i="1" dirty="0" smtClean="0"/>
-              <a:t>“Working safely may get old , but so do those who practice it”</a:t>
-            </a:r>
-          </a:p>
-          <a:p>
-            <a:pPr marL="114300" indent="0">
-              <a:buNone/>
-            </a:pPr>
-            <a:r>
-              <a:rPr lang="en-US" b="1" i="1" dirty="0"/>
-              <a:t> </a:t>
-            </a:r>
-            <a:endParaRPr lang="en-US" b="1" i="1" dirty="0" smtClean="0"/>
-          </a:p>
-          <a:p>
-            <a:r>
-              <a:rPr lang="en-US" dirty="0" smtClean="0"/>
-              <a:t>Safety is the most important aspect of a chemical industries </a:t>
-            </a:r>
-          </a:p>
-          <a:p>
-            <a:r>
-              <a:rPr lang="en-US" dirty="0"/>
-              <a:t> A</a:t>
-            </a:r>
-            <a:r>
-              <a:rPr lang="en-US" dirty="0" smtClean="0"/>
-              <a:t>ll the employees must have proper training and information </a:t>
-            </a:r>
-          </a:p>
-          <a:p>
-            <a:pPr marL="114300" indent="0">
-              <a:buNone/>
-            </a:pPr>
-            <a:r>
-              <a:rPr lang="en-US" dirty="0"/>
-              <a:t> </a:t>
-            </a:r>
-            <a:r>
-              <a:rPr lang="en-US" dirty="0" smtClean="0"/>
-              <a:t>   about all the physical or health hazards in order to avoid them</a:t>
-            </a:r>
-          </a:p>
-          <a:p>
-            <a:r>
-              <a:rPr lang="en-US" dirty="0" smtClean="0"/>
-              <a:t>As each chemical has unique hazards related to them, employees should always abide by a standard operating procedure(SOP) that addresses the use of correct personal protective equipment(PPE) safe handling, use and proper disposal.    </a:t>
-            </a:r>
-            <a:endParaRPr lang="en-US" dirty="0"/>
-          </a:p>
-        </p:txBody>
-      </p:sp>
-    </p:spTree>
-    <p:extLst>
-      <p:ext uri="{BB962C8B-B14F-4D97-AF65-F5344CB8AC3E}">
-        <p14:creationId xmlns:p14="http://schemas.microsoft.com/office/powerpoint/2010/main" val="3758954347"/>
-      </p:ext>
-    </p:extLst>
-  </p:cSld>
-  <p:clrMapOvr>
-    <a:masterClrMapping/>
-  </p:clrMapOvr>
-  <p:timing>
-    <p:tnLst>
-      <p:par>
-        <p:cTn id="1" dur="indefinite" restart="never" nodeType="tmRoot"/>
-      </p:par>
-    </p:tnLst>
-  </p:timing>
-</p:sld>
-</file>
-
-<file path=ppt/slides/slide30.xml><?xml version="1.0" encoding="utf-8"?>
-<p:sld xmlns:a="http://schemas.openxmlformats.org/drawingml/2006/main" xmlns:r="http://schemas.openxmlformats.org/officeDocument/2006/relationships" xmlns:p="http://schemas.openxmlformats.org/presentationml/2006/main">
-  <p:cSld>
-    <p:spTree>
-      <p:nvGrpSpPr>
-        <p:cNvPr id="1" name=""/>
-        <p:cNvGrpSpPr/>
-        <p:nvPr/>
-      </p:nvGrpSpPr>
-      <p:grpSpPr>
-        <a:xfrm>
-          <a:off x="0" y="0"/>
-          <a:ext cx="0" cy="0"/>
-          <a:chOff x="0" y="0"/>
-          <a:chExt cx="0" cy="0"/>
-        </a:xfrm>
-      </p:grpSpPr>
-      <p:sp>
-        <p:nvSpPr>
-          <p:cNvPr id="3" name="Content Placeholder 2"/>
-          <p:cNvSpPr>
-            <a:spLocks noGrp="1"/>
-          </p:cNvSpPr>
-          <p:nvPr>
-            <p:ph idx="1"/>
-          </p:nvPr>
-        </p:nvSpPr>
-        <p:spPr>
-          <a:xfrm>
-            <a:off x="457200" y="685800"/>
-            <a:ext cx="7620000" cy="5715000"/>
-          </a:xfrm>
-        </p:spPr>
-        <p:txBody>
-          <a:bodyPr/>
-          <a:lstStyle/>
-          <a:p>
-            <a:pPr algn="just"/>
-            <a:r>
-              <a:rPr lang="en-US" dirty="0" smtClean="0"/>
-              <a:t>Production planning can be classified as:</a:t>
-            </a:r>
-          </a:p>
-          <a:p>
-            <a:pPr marL="114300" indent="0" algn="just">
-              <a:buNone/>
-            </a:pPr>
-            <a:r>
-              <a:rPr lang="en-US" dirty="0" smtClean="0"/>
-              <a:t>                                      1. Input planning</a:t>
-            </a:r>
-          </a:p>
-          <a:p>
-            <a:pPr marL="114300" indent="0" algn="just">
-              <a:buNone/>
-            </a:pPr>
-            <a:r>
-              <a:rPr lang="en-US" dirty="0"/>
-              <a:t> </a:t>
-            </a:r>
-            <a:r>
-              <a:rPr lang="en-US" dirty="0" smtClean="0"/>
-              <a:t>                                     2. Output planning</a:t>
-            </a:r>
-          </a:p>
-          <a:p>
-            <a:pPr algn="just"/>
-            <a:r>
-              <a:rPr lang="en-US" dirty="0" smtClean="0"/>
-              <a:t>Input planning : Frequency of batch</a:t>
-            </a:r>
-          </a:p>
-          <a:p>
-            <a:pPr algn="just"/>
-            <a:r>
-              <a:rPr lang="en-US" dirty="0" smtClean="0"/>
-              <a:t>Output planning: Total duration of batch (output)</a:t>
-            </a:r>
-          </a:p>
-          <a:p>
-            <a:pPr algn="just"/>
-            <a:r>
-              <a:rPr lang="en-US" dirty="0" smtClean="0"/>
-              <a:t>R &amp; D will provide tech pack, based on this production incharges will prepare BPCR. If process needs any improvement after formation of BPCR, they will take CCF. </a:t>
-            </a:r>
-          </a:p>
-          <a:p>
-            <a:pPr algn="just"/>
-            <a:r>
-              <a:rPr lang="en-US" dirty="0" smtClean="0"/>
-              <a:t>Formed BPCR will approved by QA department.</a:t>
-            </a:r>
-          </a:p>
-          <a:p>
-            <a:pPr algn="just"/>
-            <a:r>
-              <a:rPr lang="en-US" dirty="0" smtClean="0"/>
-              <a:t>Based on the BPCR production employee will feed the raw materials and note the readings( time, temp,…).</a:t>
-            </a:r>
-          </a:p>
-          <a:p>
-            <a:pPr algn="just"/>
-            <a:r>
-              <a:rPr lang="en-US" dirty="0" smtClean="0"/>
-              <a:t>Again QA will approve the final BPCR.</a:t>
-            </a:r>
-          </a:p>
-          <a:p>
-            <a:pPr algn="just"/>
-            <a:r>
-              <a:rPr lang="en-US" b="1" dirty="0" smtClean="0"/>
-              <a:t>DISPATCH</a:t>
-            </a:r>
-          </a:p>
-        </p:txBody>
-      </p:sp>
-    </p:spTree>
-    <p:extLst>
-      <p:ext uri="{BB962C8B-B14F-4D97-AF65-F5344CB8AC3E}">
-        <p14:creationId xmlns:p14="http://schemas.microsoft.com/office/powerpoint/2010/main" val="2786141775"/>
-      </p:ext>
-    </p:extLst>
-  </p:cSld>
-  <p:clrMapOvr>
-    <a:masterClrMapping/>
-  </p:clrMapOvr>
-  <p:timing>
-    <p:tnLst>
-      <p:par>
-        <p:cTn id="1" dur="indefinite" restart="never" nodeType="tmRoot"/>
-      </p:par>
-    </p:tnLst>
-  </p:timing>
-</p:sld>
-</file>
-
-<file path=ppt/slides/slide31.xml><?xml version="1.0" encoding="utf-8"?>
-<p:sld xmlns:a="http://schemas.openxmlformats.org/drawingml/2006/main" xmlns:r="http://schemas.openxmlformats.org/officeDocument/2006/relationships" xmlns:p="http://schemas.openxmlformats.org/presentationml/2006/main">
-  <p:cSld>
-    <p:spTree>
-      <p:nvGrpSpPr>
-        <p:cNvPr id="1" name=""/>
-        <p:cNvGrpSpPr/>
-        <p:nvPr/>
-      </p:nvGrpSpPr>
-      <p:grpSpPr>
-        <a:xfrm>
-          <a:off x="0" y="0"/>
-          <a:ext cx="0" cy="0"/>
-          <a:chOff x="0" y="0"/>
-          <a:chExt cx="0" cy="0"/>
-        </a:xfrm>
-      </p:grpSpPr>
-      <p:sp>
-        <p:nvSpPr>
-          <p:cNvPr id="2" name="Title 1"/>
-          <p:cNvSpPr>
-            <a:spLocks noGrp="1"/>
-          </p:cNvSpPr>
-          <p:nvPr>
-            <p:ph type="title"/>
-          </p:nvPr>
-        </p:nvSpPr>
-        <p:spPr/>
-        <p:txBody>
-          <a:bodyPr/>
-          <a:lstStyle/>
-          <a:p>
-            <a:r>
-              <a:rPr lang="en-US" dirty="0" smtClean="0"/>
-              <a:t>Filtration &amp; Drying:</a:t>
-            </a:r>
-            <a:endParaRPr lang="en-US" dirty="0"/>
-          </a:p>
-        </p:txBody>
-      </p:sp>
-      <p:sp>
-        <p:nvSpPr>
-          <p:cNvPr id="3" name="Content Placeholder 2"/>
-          <p:cNvSpPr>
-            <a:spLocks noGrp="1"/>
-          </p:cNvSpPr>
-          <p:nvPr>
-            <p:ph idx="1"/>
-          </p:nvPr>
-        </p:nvSpPr>
-        <p:spPr/>
-        <p:txBody>
-          <a:bodyPr/>
-          <a:lstStyle/>
-          <a:p>
-            <a:r>
-              <a:rPr lang="en-US" dirty="0" smtClean="0"/>
-              <a:t>Filtration </a:t>
-            </a:r>
-            <a:r>
-              <a:rPr lang="en-US" dirty="0" err="1" smtClean="0"/>
-              <a:t>Equipments</a:t>
-            </a:r>
-            <a:r>
-              <a:rPr lang="en-US" dirty="0" smtClean="0"/>
-              <a:t>:  </a:t>
-            </a:r>
-          </a:p>
-          <a:p>
-            <a:pPr marL="114300" indent="0" algn="ctr">
-              <a:buNone/>
-            </a:pPr>
-            <a:r>
-              <a:rPr lang="en-US" dirty="0" smtClean="0"/>
-              <a:t>     1. Pressure </a:t>
-            </a:r>
-            <a:r>
-              <a:rPr lang="en-US" dirty="0" err="1" smtClean="0"/>
-              <a:t>nutch</a:t>
-            </a:r>
-            <a:r>
-              <a:rPr lang="en-US" dirty="0" smtClean="0"/>
-              <a:t> filter(PNF)</a:t>
-            </a:r>
-          </a:p>
-          <a:p>
-            <a:pPr marL="114300" indent="0" algn="ctr">
-              <a:buNone/>
-            </a:pPr>
-            <a:r>
-              <a:rPr lang="en-US" dirty="0" smtClean="0"/>
-              <a:t>2. Agitated </a:t>
-            </a:r>
-            <a:r>
-              <a:rPr lang="en-US" dirty="0" err="1" smtClean="0"/>
-              <a:t>nutch</a:t>
-            </a:r>
-            <a:r>
-              <a:rPr lang="en-US" dirty="0" smtClean="0"/>
-              <a:t> filter(ANF)</a:t>
-            </a:r>
-          </a:p>
-          <a:p>
-            <a:pPr marL="114300" indent="0" algn="ctr">
-              <a:buNone/>
-            </a:pPr>
-            <a:r>
-              <a:rPr lang="en-US" dirty="0" smtClean="0"/>
-              <a:t>3. Centrifuge</a:t>
-            </a:r>
-          </a:p>
-          <a:p>
-            <a:pPr marL="114300" indent="0" algn="ctr">
-              <a:buNone/>
-            </a:pPr>
-            <a:r>
-              <a:rPr lang="en-US" dirty="0" smtClean="0"/>
-              <a:t>4. Leaf filter</a:t>
-            </a:r>
-          </a:p>
-          <a:p>
-            <a:pPr marL="114300" indent="0" algn="ctr">
-              <a:buNone/>
-            </a:pPr>
-            <a:r>
-              <a:rPr lang="en-US" dirty="0" smtClean="0"/>
-              <a:t>5. Box filter</a:t>
-            </a:r>
-          </a:p>
-          <a:p>
-            <a:pPr marL="114300" indent="0" algn="ctr">
-              <a:buNone/>
-            </a:pPr>
-            <a:endParaRPr lang="en-US" dirty="0"/>
-          </a:p>
-          <a:p>
-            <a:r>
-              <a:rPr lang="en-US" dirty="0" smtClean="0"/>
-              <a:t>Drying </a:t>
-            </a:r>
-            <a:r>
-              <a:rPr lang="en-US" dirty="0" err="1" smtClean="0"/>
-              <a:t>Equipments</a:t>
-            </a:r>
-            <a:r>
-              <a:rPr lang="en-US" dirty="0" smtClean="0"/>
-              <a:t>:</a:t>
-            </a:r>
-          </a:p>
-          <a:p>
-            <a:pPr marL="114300" indent="0" algn="ctr">
-              <a:buNone/>
-            </a:pPr>
-            <a:r>
-              <a:rPr lang="en-US" dirty="0" smtClean="0"/>
-              <a:t>1. Tray vacuum dryer(TVD)</a:t>
-            </a:r>
-          </a:p>
-          <a:p>
-            <a:pPr marL="114300" indent="0" algn="ctr">
-              <a:buNone/>
-            </a:pPr>
-            <a:r>
-              <a:rPr lang="en-US" dirty="0" smtClean="0"/>
-              <a:t>2. Rotary vacuum dryer (RVD)</a:t>
-            </a:r>
-          </a:p>
-          <a:p>
-            <a:pPr marL="114300" indent="0" algn="ctr">
-              <a:buNone/>
-            </a:pPr>
-            <a:r>
-              <a:rPr lang="en-US" dirty="0" smtClean="0"/>
-              <a:t>3. Spray dryer</a:t>
-            </a:r>
-          </a:p>
-        </p:txBody>
-      </p:sp>
-    </p:spTree>
-    <p:extLst>
-      <p:ext uri="{BB962C8B-B14F-4D97-AF65-F5344CB8AC3E}">
-        <p14:creationId xmlns:p14="http://schemas.microsoft.com/office/powerpoint/2010/main" val="3001352693"/>
-      </p:ext>
-    </p:extLst>
-  </p:cSld>
-  <p:clrMapOvr>
-    <a:masterClrMapping/>
-  </p:clrMapOvr>
-  <p:timing>
-    <p:tnLst>
-      <p:par>
-        <p:cTn id="1" dur="indefinite" restart="never" nodeType="tmRoot"/>
-      </p:par>
-    </p:tnLst>
-  </p:timing>
-</p:sld>
-</file>
-
 <file path=ppt/slides/slide32.xml><?xml version="1.0" encoding="utf-8"?>
 <p:sld xmlns:a="http://schemas.openxmlformats.org/drawingml/2006/main" xmlns:r="http://schemas.openxmlformats.org/officeDocument/2006/relationships" xmlns:p="http://schemas.openxmlformats.org/presentationml/2006/main">
   <p:cSld>
@@ -11998,43 +13820,284 @@
           <a:chExt cx="0" cy="0"/>
         </a:xfrm>
       </p:grpSpPr>
-      <p:sp>
-        <p:nvSpPr>
-          <p:cNvPr id="3" name="Content Placeholder 2"/>
-          <p:cNvSpPr>
-            <a:spLocks noGrp="1"/>
-          </p:cNvSpPr>
-          <p:nvPr>
-            <p:ph idx="1"/>
-          </p:nvPr>
-        </p:nvSpPr>
-        <p:spPr>
-          <a:xfrm>
-            <a:off x="457200" y="457200"/>
-            <a:ext cx="7620000" cy="5943600"/>
-          </a:xfrm>
-        </p:spPr>
-        <p:txBody>
-          <a:bodyPr>
-            <a:normAutofit/>
-          </a:bodyPr>
-          <a:lstStyle/>
-          <a:p>
-            <a:pPr marL="114300" indent="0">
-              <a:buNone/>
-            </a:pPr>
-            <a:r>
-              <a:rPr lang="en-US" sz="2800" dirty="0" smtClean="0"/>
-              <a:t>Suggestions:</a:t>
-            </a:r>
-            <a:endParaRPr lang="en-US" sz="2800" dirty="0"/>
-          </a:p>
-        </p:txBody>
-      </p:sp>
+      <mc:AlternateContent xmlns:mc="http://schemas.openxmlformats.org/markup-compatibility/2006" xmlns:a14="http://schemas.microsoft.com/office/drawing/2010/main">
+        <mc:Choice Requires="a14">
+          <p:sp>
+            <p:nvSpPr>
+              <p:cNvPr id="3" name="Content Placeholder 2"/>
+              <p:cNvSpPr>
+                <a:spLocks noGrp="1"/>
+              </p:cNvSpPr>
+              <p:nvPr>
+                <p:ph idx="1"/>
+              </p:nvPr>
+            </p:nvSpPr>
+            <p:spPr>
+              <a:xfrm>
+                <a:off x="457200" y="381000"/>
+                <a:ext cx="7620000" cy="6019800"/>
+              </a:xfrm>
+            </p:spPr>
+            <p:txBody>
+              <a:bodyPr/>
+              <a:lstStyle/>
+              <a:p>
+                <a:r>
+                  <a:rPr lang="en-US" dirty="0" smtClean="0"/>
+                  <a:t>4 - Amino </a:t>
+                </a:r>
+                <a:r>
+                  <a:rPr lang="en-US" dirty="0" err="1" smtClean="0"/>
+                  <a:t>Benzo</a:t>
+                </a:r>
+                <a:r>
+                  <a:rPr lang="en-US" dirty="0" smtClean="0"/>
+                  <a:t> Nitrile(4-ABN):</a:t>
+                </a:r>
+              </a:p>
+              <a:p>
+                <a:pPr marL="114300" indent="0">
+                  <a:buNone/>
+                </a:pPr>
+                <a:r>
+                  <a:rPr lang="en-US" dirty="0"/>
+                  <a:t> </a:t>
+                </a:r>
+                <a:r>
+                  <a:rPr lang="en-US" dirty="0" smtClean="0"/>
+                  <a:t>                                  Batch Size = 200 kg (PAB key  Raw Material)</a:t>
+                </a:r>
+              </a:p>
+              <a:p>
+                <a:pPr marL="114300" indent="0">
+                  <a:buNone/>
+                </a:pPr>
+                <a:r>
+                  <a:rPr lang="en-US" dirty="0"/>
+                  <a:t> </a:t>
+                </a:r>
+                <a:r>
+                  <a:rPr lang="en-US" dirty="0" smtClean="0"/>
+                  <a:t>                Theoretical Product  = 147 kg</a:t>
+                </a:r>
+              </a:p>
+              <a:p>
+                <a:pPr marL="114300" indent="0">
+                  <a:buNone/>
+                </a:pPr>
+                <a:r>
+                  <a:rPr lang="en-US" dirty="0"/>
+                  <a:t> </a:t>
+                </a:r>
+                <a:r>
+                  <a:rPr lang="en-US" dirty="0" smtClean="0"/>
+                  <a:t>                     Actual Product     =  130 kg</a:t>
+                </a:r>
+              </a:p>
+              <a:p>
+                <a:pPr marL="114300" indent="0">
+                  <a:buNone/>
+                </a:pPr>
+                <a:endParaRPr lang="en-US" dirty="0"/>
+              </a:p>
+              <a:p>
+                <a:pPr marL="114300" indent="0">
+                  <a:buNone/>
+                </a:pPr>
+                <a:r>
+                  <a:rPr lang="en-US" dirty="0" smtClean="0"/>
+                  <a:t>                    Yield ( </a:t>
+                </a:r>
+                <a:r>
+                  <a:rPr lang="en-US" sz="1400" dirty="0" smtClean="0"/>
+                  <a:t>actual</a:t>
+                </a:r>
+                <a:r>
+                  <a:rPr lang="en-US" dirty="0" smtClean="0"/>
+                  <a:t> ) = </a:t>
+                </a:r>
+                <a14:m>
+                  <m:oMath xmlns:m="http://schemas.openxmlformats.org/officeDocument/2006/math">
+                    <m:f>
+                      <m:fPr>
+                        <m:ctrlPr>
+                          <a:rPr lang="en-US" i="1" smtClean="0">
+                            <a:latin typeface="Cambria Math"/>
+                          </a:rPr>
+                        </m:ctrlPr>
+                      </m:fPr>
+                      <m:num>
+                        <m:r>
+                          <a:rPr lang="en-US" b="0" i="1" smtClean="0">
+                            <a:latin typeface="Cambria Math"/>
+                          </a:rPr>
+                          <m:t>130 </m:t>
+                        </m:r>
+                        <m:r>
+                          <a:rPr lang="en-US" b="0" i="1" smtClean="0">
+                            <a:latin typeface="Cambria Math"/>
+                          </a:rPr>
+                          <m:t>𝑘𝑔</m:t>
+                        </m:r>
+                      </m:num>
+                      <m:den>
+                        <m:r>
+                          <a:rPr lang="en-US" b="0" i="1" smtClean="0">
+                            <a:latin typeface="Cambria Math"/>
+                          </a:rPr>
+                          <m:t>200 </m:t>
+                        </m:r>
+                        <m:r>
+                          <a:rPr lang="en-US" b="0" i="1" smtClean="0">
+                            <a:latin typeface="Cambria Math"/>
+                          </a:rPr>
+                          <m:t>𝑘𝑔</m:t>
+                        </m:r>
+                        <m:r>
+                          <a:rPr lang="en-US" b="0" i="1" smtClean="0">
+                            <a:latin typeface="Cambria Math"/>
+                          </a:rPr>
+                          <m:t> </m:t>
+                        </m:r>
+                      </m:den>
+                    </m:f>
+                  </m:oMath>
+                </a14:m>
+                <a:r>
+                  <a:rPr lang="en-US" dirty="0" smtClean="0"/>
+                  <a:t> = 0.65</a:t>
+                </a:r>
+              </a:p>
+              <a:p>
+                <a:pPr marL="114300" indent="0">
+                  <a:buNone/>
+                </a:pPr>
+                <a:r>
+                  <a:rPr lang="en-US" dirty="0"/>
+                  <a:t> </a:t>
+                </a:r>
+                <a:r>
+                  <a:rPr lang="en-US" dirty="0" smtClean="0"/>
+                  <a:t>        </a:t>
+                </a:r>
+              </a:p>
+              <a:p>
+                <a:pPr marL="114300" indent="0">
+                  <a:buNone/>
+                </a:pPr>
+                <a:r>
+                  <a:rPr lang="en-US" dirty="0"/>
+                  <a:t> </a:t>
+                </a:r>
+                <a:r>
+                  <a:rPr lang="en-US" dirty="0" smtClean="0"/>
+                  <a:t>                  Yield ( </a:t>
+                </a:r>
+                <a:r>
+                  <a:rPr lang="en-US" sz="1400" dirty="0" smtClean="0"/>
+                  <a:t>theoretical</a:t>
+                </a:r>
+                <a:r>
+                  <a:rPr lang="en-US" dirty="0" smtClean="0"/>
+                  <a:t> ) = </a:t>
+                </a:r>
+                <a14:m>
+                  <m:oMath xmlns:m="http://schemas.openxmlformats.org/officeDocument/2006/math">
+                    <m:f>
+                      <m:fPr>
+                        <m:ctrlPr>
+                          <a:rPr lang="en-US" i="1" smtClean="0">
+                            <a:latin typeface="Cambria Math"/>
+                          </a:rPr>
+                        </m:ctrlPr>
+                      </m:fPr>
+                      <m:num>
+                        <m:r>
+                          <a:rPr lang="en-US" b="0" i="1" smtClean="0">
+                            <a:latin typeface="Cambria Math"/>
+                          </a:rPr>
+                          <m:t>147 </m:t>
+                        </m:r>
+                        <m:r>
+                          <a:rPr lang="en-US" b="0" i="1" smtClean="0">
+                            <a:latin typeface="Cambria Math"/>
+                          </a:rPr>
+                          <m:t>𝑘𝑔</m:t>
+                        </m:r>
+                      </m:num>
+                      <m:den>
+                        <m:r>
+                          <a:rPr lang="en-US" b="0" i="1" smtClean="0">
+                            <a:latin typeface="Cambria Math"/>
+                          </a:rPr>
+                          <m:t>200 </m:t>
+                        </m:r>
+                        <m:r>
+                          <a:rPr lang="en-US" b="0" i="1" smtClean="0">
+                            <a:latin typeface="Cambria Math"/>
+                          </a:rPr>
+                          <m:t>𝑘𝑔</m:t>
+                        </m:r>
+                        <m:r>
+                          <a:rPr lang="en-US" b="0" i="1" smtClean="0">
+                            <a:latin typeface="Cambria Math"/>
+                          </a:rPr>
+                          <m:t> </m:t>
+                        </m:r>
+                      </m:den>
+                    </m:f>
+                  </m:oMath>
+                </a14:m>
+                <a:r>
+                  <a:rPr lang="en-US" dirty="0" smtClean="0"/>
+                  <a:t> = 0.735</a:t>
+                </a:r>
+              </a:p>
+            </p:txBody>
+          </p:sp>
+        </mc:Choice>
+        <mc:Fallback xmlns="">
+          <p:sp>
+            <p:nvSpPr>
+              <p:cNvPr id="3" name="Content Placeholder 2"/>
+              <p:cNvSpPr>
+                <a:spLocks noGrp="1" noRot="1" noChangeAspect="1" noMove="1" noResize="1" noEditPoints="1" noAdjustHandles="1" noChangeArrowheads="1" noChangeShapeType="1" noTextEdit="1"/>
+              </p:cNvSpPr>
+              <p:nvPr>
+                <p:ph idx="1"/>
+              </p:nvPr>
+            </p:nvSpPr>
+            <p:spPr>
+              <a:xfrm>
+                <a:off x="457200" y="381000"/>
+                <a:ext cx="7620000" cy="6019800"/>
+              </a:xfrm>
+              <a:blipFill rotWithShape="1">
+                <a:blip r:embed="rId2"/>
+                <a:stretch>
+                  <a:fillRect t="-608"/>
+                </a:stretch>
+              </a:blipFill>
+            </p:spPr>
+            <p:txBody>
+              <a:bodyPr/>
+              <a:lstStyle/>
+              <a:p>
+                <a:r>
+                  <a:rPr lang="en-US">
+                    <a:noFill/>
+                  </a:rPr>
+                  <a:t> </a:t>
+                </a:r>
+              </a:p>
+            </p:txBody>
+          </p:sp>
+        </mc:Fallback>
+      </mc:AlternateContent>
     </p:spTree>
     <p:extLst>
       <p:ext uri="{BB962C8B-B14F-4D97-AF65-F5344CB8AC3E}">
-        <p14:creationId xmlns:p14="http://schemas.microsoft.com/office/powerpoint/2010/main" val="1268515473"/>
+        <p14:creationId xmlns:p14="http://schemas.microsoft.com/office/powerpoint/2010/main" val="2927374876"/>
       </p:ext>
     </p:extLst>
   </p:cSld>
@@ -12085,7 +14148,7 @@
           <a:p>
             <a:r>
               <a:rPr lang="en-US" dirty="0" smtClean="0"/>
-              <a:t>                     Projects</a:t>
+              <a:t>Production Planning:</a:t>
             </a:r>
             <a:endParaRPr lang="en-US" dirty="0"/>
           </a:p>
@@ -12106,15 +14169,31 @@
           <a:bodyPr/>
           <a:lstStyle/>
           <a:p>
+            <a:pPr algn="just"/>
             <a:r>
               <a:rPr lang="en-US" dirty="0" smtClean="0"/>
-              <a:t>Based on the requirement project manager will release PLF.</a:t>
-            </a:r>
-          </a:p>
-          <a:p>
+              <a:t>At the beginning of the last weeks of month, marketing team provide a tentative dispatch schedule for the following month.</a:t>
+            </a:r>
+          </a:p>
+          <a:p>
+            <a:pPr algn="just"/>
             <a:r>
               <a:rPr lang="en-US" dirty="0" smtClean="0"/>
-              <a:t>   </a:t>
+              <a:t>Manufacturing incharges identify the production capacity of each unit based on the dispatch schedules, plant maintenance and breakdowns.</a:t>
+            </a:r>
+          </a:p>
+          <a:p>
+            <a:pPr algn="just"/>
+            <a:r>
+              <a:rPr lang="en-US" dirty="0" smtClean="0"/>
+              <a:t>Manufacturing incharges will review the dispatch schedule, confirm the same based on the monthly production plan, stock of the product and inform to the marketing team.</a:t>
+            </a:r>
+          </a:p>
+          <a:p>
+            <a:pPr algn="just"/>
+            <a:r>
+              <a:rPr lang="en-US" dirty="0" smtClean="0"/>
+              <a:t>Marketing team inform to the relevant customers about the amended dispatch dates.</a:t>
             </a:r>
             <a:endParaRPr lang="en-US" dirty="0"/>
           </a:p>
@@ -12123,7 +14202,783 @@
     </p:spTree>
     <p:extLst>
       <p:ext uri="{BB962C8B-B14F-4D97-AF65-F5344CB8AC3E}">
-        <p14:creationId xmlns:p14="http://schemas.microsoft.com/office/powerpoint/2010/main" val="760422375"/>
+        <p14:creationId xmlns:p14="http://schemas.microsoft.com/office/powerpoint/2010/main" val="3631928021"/>
+      </p:ext>
+    </p:extLst>
+  </p:cSld>
+  <p:clrMapOvr>
+    <a:masterClrMapping/>
+  </p:clrMapOvr>
+  <p:timing>
+    <p:tnLst>
+      <p:par>
+        <p:cTn id="1" dur="indefinite" restart="never" nodeType="tmRoot"/>
+      </p:par>
+    </p:tnLst>
+  </p:timing>
+</p:sld>
+</file>
+
+<file path=ppt/slides/slide34.xml><?xml version="1.0" encoding="utf-8"?>
+<p:sld xmlns:a="http://schemas.openxmlformats.org/drawingml/2006/main" xmlns:r="http://schemas.openxmlformats.org/officeDocument/2006/relationships" xmlns:p="http://schemas.openxmlformats.org/presentationml/2006/main">
+  <p:cSld>
+    <p:spTree>
+      <p:nvGrpSpPr>
+        <p:cNvPr id="1" name=""/>
+        <p:cNvGrpSpPr/>
+        <p:nvPr/>
+      </p:nvGrpSpPr>
+      <p:grpSpPr>
+        <a:xfrm>
+          <a:off x="0" y="0"/>
+          <a:ext cx="0" cy="0"/>
+          <a:chOff x="0" y="0"/>
+          <a:chExt cx="0" cy="0"/>
+        </a:xfrm>
+      </p:grpSpPr>
+      <p:sp>
+        <p:nvSpPr>
+          <p:cNvPr id="3" name="Content Placeholder 2"/>
+          <p:cNvSpPr>
+            <a:spLocks noGrp="1"/>
+          </p:cNvSpPr>
+          <p:nvPr>
+            <p:ph idx="1"/>
+          </p:nvPr>
+        </p:nvSpPr>
+        <p:spPr>
+          <a:xfrm>
+            <a:off x="457200" y="685800"/>
+            <a:ext cx="7620000" cy="5715000"/>
+          </a:xfrm>
+        </p:spPr>
+        <p:txBody>
+          <a:bodyPr/>
+          <a:lstStyle/>
+          <a:p>
+            <a:pPr algn="just"/>
+            <a:r>
+              <a:rPr lang="en-US" dirty="0" smtClean="0"/>
+              <a:t>Production planning can be classified as:</a:t>
+            </a:r>
+          </a:p>
+          <a:p>
+            <a:pPr marL="114300" indent="0" algn="just">
+              <a:buNone/>
+            </a:pPr>
+            <a:r>
+              <a:rPr lang="en-US" dirty="0" smtClean="0"/>
+              <a:t>                                      1. Input planning</a:t>
+            </a:r>
+          </a:p>
+          <a:p>
+            <a:pPr marL="114300" indent="0" algn="just">
+              <a:buNone/>
+            </a:pPr>
+            <a:r>
+              <a:rPr lang="en-US" dirty="0"/>
+              <a:t> </a:t>
+            </a:r>
+            <a:r>
+              <a:rPr lang="en-US" dirty="0" smtClean="0"/>
+              <a:t>                                     2. Output planning</a:t>
+            </a:r>
+          </a:p>
+          <a:p>
+            <a:pPr algn="just"/>
+            <a:r>
+              <a:rPr lang="en-US" dirty="0" smtClean="0"/>
+              <a:t>Input planning : Frequency of batch</a:t>
+            </a:r>
+          </a:p>
+          <a:p>
+            <a:pPr algn="just"/>
+            <a:r>
+              <a:rPr lang="en-US" dirty="0" smtClean="0"/>
+              <a:t>Output planning: Total duration of batch (output)</a:t>
+            </a:r>
+          </a:p>
+          <a:p>
+            <a:pPr algn="just"/>
+            <a:r>
+              <a:rPr lang="en-US" dirty="0" smtClean="0"/>
+              <a:t>R &amp; D will provide tech pack, based on this production incharges will prepare BPCR. If process needs any improvement after formation of BPCR, they will take CCF. </a:t>
+            </a:r>
+          </a:p>
+          <a:p>
+            <a:pPr algn="just"/>
+            <a:r>
+              <a:rPr lang="en-US" dirty="0" smtClean="0"/>
+              <a:t>Formed BPCR will approved by QA department.</a:t>
+            </a:r>
+          </a:p>
+          <a:p>
+            <a:pPr algn="just"/>
+            <a:r>
+              <a:rPr lang="en-US" dirty="0" smtClean="0"/>
+              <a:t>Based on the BPCR production employee will feed the raw materials and note the readings( time, temp,…).</a:t>
+            </a:r>
+          </a:p>
+          <a:p>
+            <a:pPr algn="just"/>
+            <a:r>
+              <a:rPr lang="en-US" dirty="0" smtClean="0"/>
+              <a:t>Again QA will approve the final BPCR.</a:t>
+            </a:r>
+          </a:p>
+          <a:p>
+            <a:pPr algn="just"/>
+            <a:r>
+              <a:rPr lang="en-US" b="1" dirty="0" smtClean="0"/>
+              <a:t>DISPATCH</a:t>
+            </a:r>
+          </a:p>
+        </p:txBody>
+      </p:sp>
+    </p:spTree>
+    <p:extLst>
+      <p:ext uri="{BB962C8B-B14F-4D97-AF65-F5344CB8AC3E}">
+        <p14:creationId xmlns:p14="http://schemas.microsoft.com/office/powerpoint/2010/main" val="2786141775"/>
+      </p:ext>
+    </p:extLst>
+  </p:cSld>
+  <p:clrMapOvr>
+    <a:masterClrMapping/>
+  </p:clrMapOvr>
+  <p:timing>
+    <p:tnLst>
+      <p:par>
+        <p:cTn id="1" dur="indefinite" restart="never" nodeType="tmRoot"/>
+      </p:par>
+    </p:tnLst>
+  </p:timing>
+</p:sld>
+</file>
+
+<file path=ppt/slides/slide35.xml><?xml version="1.0" encoding="utf-8"?>
+<p:sld xmlns:a="http://schemas.openxmlformats.org/drawingml/2006/main" xmlns:r="http://schemas.openxmlformats.org/officeDocument/2006/relationships" xmlns:p="http://schemas.openxmlformats.org/presentationml/2006/main">
+  <p:cSld>
+    <p:spTree>
+      <p:nvGrpSpPr>
+        <p:cNvPr id="1" name=""/>
+        <p:cNvGrpSpPr/>
+        <p:nvPr/>
+      </p:nvGrpSpPr>
+      <p:grpSpPr>
+        <a:xfrm>
+          <a:off x="0" y="0"/>
+          <a:ext cx="0" cy="0"/>
+          <a:chOff x="0" y="0"/>
+          <a:chExt cx="0" cy="0"/>
+        </a:xfrm>
+      </p:grpSpPr>
+      <p:sp>
+        <p:nvSpPr>
+          <p:cNvPr id="3" name="Content Placeholder 2"/>
+          <p:cNvSpPr>
+            <a:spLocks noGrp="1"/>
+          </p:cNvSpPr>
+          <p:nvPr>
+            <p:ph idx="1"/>
+          </p:nvPr>
+        </p:nvSpPr>
+        <p:spPr>
+          <a:xfrm>
+            <a:off x="457200" y="457200"/>
+            <a:ext cx="7620000" cy="5943600"/>
+          </a:xfrm>
+        </p:spPr>
+        <p:txBody>
+          <a:bodyPr>
+            <a:normAutofit/>
+          </a:bodyPr>
+          <a:lstStyle/>
+          <a:p>
+            <a:pPr marL="114300" indent="0">
+              <a:buNone/>
+            </a:pPr>
+            <a:r>
+              <a:rPr lang="en-US" sz="2800" dirty="0" smtClean="0"/>
+              <a:t>Suggestions:</a:t>
+            </a:r>
+          </a:p>
+          <a:p>
+            <a:r>
+              <a:rPr lang="en-US" dirty="0" smtClean="0"/>
+              <a:t>Use ball mills for reducing lumps(Size reduction).</a:t>
+            </a:r>
+          </a:p>
+          <a:p>
+            <a:r>
+              <a:rPr lang="en-US" dirty="0" smtClean="0"/>
+              <a:t> Granular Activated Carbon(GAC) can be regenerated. So we can use GAC in process.</a:t>
+            </a:r>
+          </a:p>
+          <a:p>
+            <a:pPr marL="114300" indent="0">
+              <a:buNone/>
+            </a:pPr>
+            <a:endParaRPr lang="en-US" dirty="0"/>
+          </a:p>
+        </p:txBody>
+      </p:sp>
+    </p:spTree>
+    <p:extLst>
+      <p:ext uri="{BB962C8B-B14F-4D97-AF65-F5344CB8AC3E}">
+        <p14:creationId xmlns:p14="http://schemas.microsoft.com/office/powerpoint/2010/main" val="1268515473"/>
+      </p:ext>
+    </p:extLst>
+  </p:cSld>
+  <p:clrMapOvr>
+    <a:masterClrMapping/>
+  </p:clrMapOvr>
+  <p:timing>
+    <p:tnLst>
+      <p:par>
+        <p:cTn id="1" dur="indefinite" restart="never" nodeType="tmRoot"/>
+      </p:par>
+    </p:tnLst>
+  </p:timing>
+</p:sld>
+</file>
+
+<file path=ppt/slides/slide36.xml><?xml version="1.0" encoding="utf-8"?>
+<p:sld xmlns:a="http://schemas.openxmlformats.org/drawingml/2006/main" xmlns:r="http://schemas.openxmlformats.org/officeDocument/2006/relationships" xmlns:p="http://schemas.openxmlformats.org/presentationml/2006/main">
+  <p:cSld>
+    <p:spTree>
+      <p:nvGrpSpPr>
+        <p:cNvPr id="1" name=""/>
+        <p:cNvGrpSpPr/>
+        <p:nvPr/>
+      </p:nvGrpSpPr>
+      <p:grpSpPr>
+        <a:xfrm>
+          <a:off x="0" y="0"/>
+          <a:ext cx="0" cy="0"/>
+          <a:chOff x="0" y="0"/>
+          <a:chExt cx="0" cy="0"/>
+        </a:xfrm>
+      </p:grpSpPr>
+      <p:sp>
+        <p:nvSpPr>
+          <p:cNvPr id="2" name="Title 1"/>
+          <p:cNvSpPr>
+            <a:spLocks noGrp="1"/>
+          </p:cNvSpPr>
+          <p:nvPr>
+            <p:ph type="ctrTitle"/>
+          </p:nvPr>
+        </p:nvSpPr>
+        <p:spPr>
+          <a:ln>
+            <a:solidFill>
+              <a:schemeClr val="tx1"/>
+            </a:solidFill>
+          </a:ln>
+        </p:spPr>
+        <p:txBody>
+          <a:bodyPr/>
+          <a:lstStyle/>
+          <a:p>
+            <a:r>
+              <a:rPr lang="en-US" dirty="0" smtClean="0"/>
+              <a:t>Projects</a:t>
+            </a:r>
+            <a:endParaRPr lang="en-US" dirty="0"/>
+          </a:p>
+        </p:txBody>
+      </p:sp>
+    </p:spTree>
+    <p:extLst>
+      <p:ext uri="{BB962C8B-B14F-4D97-AF65-F5344CB8AC3E}">
+        <p14:creationId xmlns:p14="http://schemas.microsoft.com/office/powerpoint/2010/main" val="2514791223"/>
+      </p:ext>
+    </p:extLst>
+  </p:cSld>
+  <p:clrMapOvr>
+    <a:masterClrMapping/>
+  </p:clrMapOvr>
+  <p:timing>
+    <p:tnLst>
+      <p:par>
+        <p:cTn id="1" dur="indefinite" restart="never" nodeType="tmRoot"/>
+      </p:par>
+    </p:tnLst>
+  </p:timing>
+</p:sld>
+</file>
+
+<file path=ppt/slides/slide37.xml><?xml version="1.0" encoding="utf-8"?>
+<p:sld xmlns:a="http://schemas.openxmlformats.org/drawingml/2006/main" xmlns:r="http://schemas.openxmlformats.org/officeDocument/2006/relationships" xmlns:p="http://schemas.openxmlformats.org/presentationml/2006/main">
+  <p:cSld>
+    <p:spTree>
+      <p:nvGrpSpPr>
+        <p:cNvPr id="1" name=""/>
+        <p:cNvGrpSpPr/>
+        <p:nvPr/>
+      </p:nvGrpSpPr>
+      <p:grpSpPr>
+        <a:xfrm>
+          <a:off x="0" y="0"/>
+          <a:ext cx="0" cy="0"/>
+          <a:chOff x="0" y="0"/>
+          <a:chExt cx="0" cy="0"/>
+        </a:xfrm>
+      </p:grpSpPr>
+      <p:sp>
+        <p:nvSpPr>
+          <p:cNvPr id="3" name="Content Placeholder 2"/>
+          <p:cNvSpPr>
+            <a:spLocks noGrp="1"/>
+          </p:cNvSpPr>
+          <p:nvPr>
+            <p:ph idx="1"/>
+          </p:nvPr>
+        </p:nvSpPr>
+        <p:spPr>
+          <a:xfrm>
+            <a:off x="457200" y="609600"/>
+            <a:ext cx="7620000" cy="5791200"/>
+          </a:xfrm>
+        </p:spPr>
+        <p:txBody>
+          <a:bodyPr/>
+          <a:lstStyle/>
+          <a:p>
+            <a:r>
+              <a:rPr lang="en-US" dirty="0" smtClean="0"/>
+              <a:t>User Requirement Sheet:</a:t>
+            </a:r>
+            <a:endParaRPr lang="en-US" dirty="0"/>
+          </a:p>
+          <a:p>
+            <a:pPr marL="114300" indent="0">
+              <a:buNone/>
+            </a:pPr>
+            <a:r>
+              <a:rPr lang="en-US" dirty="0" smtClean="0"/>
+              <a:t>                1. Which type </a:t>
+            </a:r>
+          </a:p>
+          <a:p>
+            <a:pPr marL="114300" indent="0">
+              <a:buNone/>
+            </a:pPr>
+            <a:r>
+              <a:rPr lang="en-US" dirty="0"/>
+              <a:t> </a:t>
+            </a:r>
+            <a:r>
+              <a:rPr lang="en-US" dirty="0" smtClean="0"/>
+              <a:t>               2. Suitable MOC</a:t>
+            </a:r>
+          </a:p>
+          <a:p>
+            <a:pPr marL="114300" indent="0">
+              <a:buNone/>
+            </a:pPr>
+            <a:r>
+              <a:rPr lang="en-US" dirty="0"/>
+              <a:t> </a:t>
+            </a:r>
+            <a:r>
+              <a:rPr lang="en-US" dirty="0" smtClean="0"/>
+              <a:t>               3. Operating hours</a:t>
+            </a:r>
+          </a:p>
+          <a:p>
+            <a:pPr marL="114300" indent="0">
+              <a:buNone/>
+            </a:pPr>
+            <a:r>
+              <a:rPr lang="en-US" dirty="0"/>
+              <a:t> </a:t>
+            </a:r>
+            <a:r>
+              <a:rPr lang="en-US" dirty="0" smtClean="0"/>
+              <a:t>               4. Utilities required</a:t>
+            </a:r>
+          </a:p>
+          <a:p>
+            <a:pPr marL="114300" indent="0">
+              <a:buNone/>
+            </a:pPr>
+            <a:r>
+              <a:rPr lang="en-US" dirty="0"/>
+              <a:t> </a:t>
+            </a:r>
+            <a:r>
+              <a:rPr lang="en-US" dirty="0" smtClean="0"/>
+              <a:t>               5. Other requirements ( nozzle size</a:t>
+            </a:r>
+            <a:r>
+              <a:rPr lang="en-US" dirty="0"/>
+              <a:t> </a:t>
+            </a:r>
+            <a:r>
+              <a:rPr lang="en-US" dirty="0" smtClean="0"/>
+              <a:t>etc.)</a:t>
+            </a:r>
+          </a:p>
+          <a:p>
+            <a:r>
+              <a:rPr lang="en-US" dirty="0" smtClean="0"/>
+              <a:t>After receiving URS, we will get the quotation from vendors. In quotation we will check :</a:t>
+            </a:r>
+          </a:p>
+          <a:p>
+            <a:pPr marL="114300" indent="0">
+              <a:buNone/>
+            </a:pPr>
+            <a:r>
+              <a:rPr lang="en-US" dirty="0" smtClean="0"/>
+              <a:t>                                        1. Equipment quality</a:t>
+            </a:r>
+          </a:p>
+          <a:p>
+            <a:pPr marL="114300" indent="0">
+              <a:buNone/>
+            </a:pPr>
+            <a:r>
+              <a:rPr lang="en-US" dirty="0"/>
+              <a:t> </a:t>
+            </a:r>
+            <a:r>
+              <a:rPr lang="en-US" dirty="0" smtClean="0"/>
+              <a:t>                                       2. Delivery date</a:t>
+            </a:r>
+          </a:p>
+          <a:p>
+            <a:pPr marL="114300" indent="0">
+              <a:buNone/>
+            </a:pPr>
+            <a:r>
+              <a:rPr lang="en-US" dirty="0"/>
+              <a:t> </a:t>
+            </a:r>
+            <a:r>
+              <a:rPr lang="en-US" dirty="0" smtClean="0"/>
+              <a:t>                                       3. Specification will meet or not ??</a:t>
+            </a:r>
+          </a:p>
+          <a:p>
+            <a:pPr marL="114300" indent="0">
+              <a:buNone/>
+            </a:pPr>
+            <a:r>
+              <a:rPr lang="en-US" dirty="0"/>
+              <a:t> </a:t>
+            </a:r>
+            <a:r>
+              <a:rPr lang="en-US" dirty="0" smtClean="0"/>
+              <a:t>                                        4. Cost</a:t>
+            </a:r>
+          </a:p>
+        </p:txBody>
+      </p:sp>
+    </p:spTree>
+    <p:extLst>
+      <p:ext uri="{BB962C8B-B14F-4D97-AF65-F5344CB8AC3E}">
+        <p14:creationId xmlns:p14="http://schemas.microsoft.com/office/powerpoint/2010/main" val="1439172649"/>
+      </p:ext>
+    </p:extLst>
+  </p:cSld>
+  <p:clrMapOvr>
+    <a:masterClrMapping/>
+  </p:clrMapOvr>
+  <p:timing>
+    <p:tnLst>
+      <p:par>
+        <p:cTn id="1" dur="indefinite" restart="never" nodeType="tmRoot"/>
+      </p:par>
+    </p:tnLst>
+  </p:timing>
+</p:sld>
+</file>
+
+<file path=ppt/slides/slide38.xml><?xml version="1.0" encoding="utf-8"?>
+<p:sld xmlns:a="http://schemas.openxmlformats.org/drawingml/2006/main" xmlns:r="http://schemas.openxmlformats.org/officeDocument/2006/relationships" xmlns:p="http://schemas.openxmlformats.org/presentationml/2006/main">
+  <p:cSld>
+    <p:spTree>
+      <p:nvGrpSpPr>
+        <p:cNvPr id="1" name=""/>
+        <p:cNvGrpSpPr/>
+        <p:nvPr/>
+      </p:nvGrpSpPr>
+      <p:grpSpPr>
+        <a:xfrm>
+          <a:off x="0" y="0"/>
+          <a:ext cx="0" cy="0"/>
+          <a:chOff x="0" y="0"/>
+          <a:chExt cx="0" cy="0"/>
+        </a:xfrm>
+      </p:grpSpPr>
+      <p:sp>
+        <p:nvSpPr>
+          <p:cNvPr id="2" name="Title 1"/>
+          <p:cNvSpPr>
+            <a:spLocks noGrp="1"/>
+          </p:cNvSpPr>
+          <p:nvPr>
+            <p:ph type="title"/>
+          </p:nvPr>
+        </p:nvSpPr>
+        <p:spPr/>
+        <p:txBody>
+          <a:bodyPr/>
+          <a:lstStyle/>
+          <a:p>
+            <a:r>
+              <a:rPr lang="en-US" sz="3600" dirty="0" smtClean="0"/>
+              <a:t>Qualifications:</a:t>
+            </a:r>
+            <a:endParaRPr lang="en-US" sz="3600" dirty="0"/>
+          </a:p>
+        </p:txBody>
+      </p:sp>
+      <p:sp>
+        <p:nvSpPr>
+          <p:cNvPr id="3" name="Content Placeholder 2"/>
+          <p:cNvSpPr>
+            <a:spLocks noGrp="1"/>
+          </p:cNvSpPr>
+          <p:nvPr>
+            <p:ph idx="1"/>
+          </p:nvPr>
+        </p:nvSpPr>
+        <p:spPr/>
+        <p:txBody>
+          <a:bodyPr/>
+          <a:lstStyle/>
+          <a:p>
+            <a:r>
+              <a:rPr lang="en-US" dirty="0" smtClean="0"/>
+              <a:t>1. Design Qualifications:</a:t>
+            </a:r>
+          </a:p>
+          <a:p>
+            <a:pPr marL="114300" indent="0">
+              <a:buNone/>
+            </a:pPr>
+            <a:r>
+              <a:rPr lang="en-US" dirty="0" smtClean="0"/>
+              <a:t>       Capacity, MOC, Shell diameter etc</a:t>
+            </a:r>
+            <a:r>
+              <a:rPr lang="en-US" dirty="0"/>
+              <a:t>.</a:t>
+            </a:r>
+            <a:endParaRPr lang="en-US" dirty="0" smtClean="0"/>
+          </a:p>
+          <a:p>
+            <a:r>
+              <a:rPr lang="en-US" dirty="0" smtClean="0"/>
+              <a:t>2. Installation Qualifications:</a:t>
+            </a:r>
+          </a:p>
+          <a:p>
+            <a:pPr marL="114300" indent="0">
+              <a:buNone/>
+            </a:pPr>
+            <a:r>
+              <a:rPr lang="en-US" dirty="0"/>
+              <a:t> </a:t>
+            </a:r>
+            <a:r>
+              <a:rPr lang="en-US" dirty="0" smtClean="0"/>
+              <a:t>     Installation will done based on design</a:t>
+            </a:r>
+          </a:p>
+          <a:p>
+            <a:r>
+              <a:rPr lang="en-US" dirty="0" smtClean="0"/>
+              <a:t>3. Operational Qualification:</a:t>
+            </a:r>
+          </a:p>
+          <a:p>
+            <a:pPr marL="114300" indent="0">
+              <a:buNone/>
+            </a:pPr>
+            <a:r>
+              <a:rPr lang="en-US" dirty="0"/>
+              <a:t> </a:t>
+            </a:r>
+            <a:r>
+              <a:rPr lang="en-US" dirty="0" smtClean="0"/>
+              <a:t>       Equipment's(Nozzles, valves, reactor etc.) checking at design   specifications</a:t>
+            </a:r>
+          </a:p>
+          <a:p>
+            <a:r>
+              <a:rPr lang="en-US" dirty="0" smtClean="0"/>
+              <a:t>  4. Performance  Qualification:</a:t>
+            </a:r>
+          </a:p>
+          <a:p>
+            <a:pPr marL="114300" indent="0">
+              <a:buNone/>
+            </a:pPr>
+            <a:r>
+              <a:rPr lang="en-US" dirty="0" smtClean="0"/>
+              <a:t>     Trail runs will do </a:t>
+            </a:r>
+          </a:p>
+          <a:p>
+            <a:pPr marL="114300" indent="0">
+              <a:buNone/>
+            </a:pPr>
+            <a:endParaRPr lang="en-US" dirty="0" smtClean="0"/>
+          </a:p>
+        </p:txBody>
+      </p:sp>
+    </p:spTree>
+    <p:extLst>
+      <p:ext uri="{BB962C8B-B14F-4D97-AF65-F5344CB8AC3E}">
+        <p14:creationId xmlns:p14="http://schemas.microsoft.com/office/powerpoint/2010/main" val="2443922868"/>
+      </p:ext>
+    </p:extLst>
+  </p:cSld>
+  <p:clrMapOvr>
+    <a:masterClrMapping/>
+  </p:clrMapOvr>
+  <p:timing>
+    <p:tnLst>
+      <p:par>
+        <p:cTn id="1" dur="indefinite" restart="never" nodeType="tmRoot"/>
+      </p:par>
+    </p:tnLst>
+  </p:timing>
+</p:sld>
+</file>
+
+<file path=ppt/slides/slide39.xml><?xml version="1.0" encoding="utf-8"?>
+<p:sld xmlns:a="http://schemas.openxmlformats.org/drawingml/2006/main" xmlns:r="http://schemas.openxmlformats.org/officeDocument/2006/relationships" xmlns:p="http://schemas.openxmlformats.org/presentationml/2006/main">
+  <p:cSld>
+    <p:spTree>
+      <p:nvGrpSpPr>
+        <p:cNvPr id="1" name=""/>
+        <p:cNvGrpSpPr/>
+        <p:nvPr/>
+      </p:nvGrpSpPr>
+      <p:grpSpPr>
+        <a:xfrm>
+          <a:off x="0" y="0"/>
+          <a:ext cx="0" cy="0"/>
+          <a:chOff x="0" y="0"/>
+          <a:chExt cx="0" cy="0"/>
+        </a:xfrm>
+      </p:grpSpPr>
+      <p:sp>
+        <p:nvSpPr>
+          <p:cNvPr id="3" name="Content Placeholder 2"/>
+          <p:cNvSpPr>
+            <a:spLocks noGrp="1"/>
+          </p:cNvSpPr>
+          <p:nvPr>
+            <p:ph idx="1"/>
+          </p:nvPr>
+        </p:nvSpPr>
+        <p:spPr>
+          <a:xfrm>
+            <a:off x="457200" y="685800"/>
+            <a:ext cx="7620000" cy="5715000"/>
+          </a:xfrm>
+        </p:spPr>
+        <p:txBody>
+          <a:bodyPr/>
+          <a:lstStyle/>
+          <a:p>
+            <a:r>
+              <a:rPr lang="en-US" sz="2400" b="1" dirty="0" smtClean="0"/>
+              <a:t>Standard procedure for </a:t>
+            </a:r>
+            <a:r>
+              <a:rPr lang="en-US" sz="2400" b="1" dirty="0" smtClean="0"/>
+              <a:t>Projects</a:t>
+            </a:r>
+            <a:r>
+              <a:rPr lang="en-US" sz="2400" dirty="0" smtClean="0"/>
+              <a:t>:</a:t>
+            </a:r>
+          </a:p>
+          <a:p>
+            <a:r>
+              <a:rPr lang="en-US" dirty="0" smtClean="0"/>
+              <a:t>PLF (Details of project, purpose of project, Target date, cost)</a:t>
+            </a:r>
+          </a:p>
+          <a:p>
+            <a:r>
+              <a:rPr lang="en-US" dirty="0" smtClean="0"/>
+              <a:t>Material estimation/Equipment cost/ Labor cost</a:t>
+            </a:r>
+          </a:p>
+          <a:p>
+            <a:r>
+              <a:rPr lang="en-US" dirty="0" smtClean="0"/>
+              <a:t>After raising PLF, will get approval from MD.</a:t>
+            </a:r>
+          </a:p>
+          <a:p>
+            <a:r>
+              <a:rPr lang="en-US" dirty="0" smtClean="0"/>
+              <a:t>After getting approval, indent will raise.</a:t>
+            </a:r>
+          </a:p>
+          <a:p>
+            <a:r>
+              <a:rPr lang="en-US" dirty="0" smtClean="0"/>
+              <a:t>Purchase Order</a:t>
+            </a:r>
+          </a:p>
+          <a:p>
+            <a:r>
+              <a:rPr lang="en-US" dirty="0" smtClean="0"/>
+              <a:t>GRN</a:t>
+            </a:r>
+          </a:p>
+          <a:p>
+            <a:r>
+              <a:rPr lang="en-US" dirty="0" smtClean="0"/>
+              <a:t>Project Execution</a:t>
+            </a:r>
+          </a:p>
+          <a:p>
+            <a:r>
+              <a:rPr lang="en-US" dirty="0" smtClean="0"/>
+              <a:t>Handover to UR department</a:t>
+            </a:r>
+          </a:p>
+          <a:p>
+            <a:pPr marL="114300" indent="0">
+              <a:buNone/>
+            </a:pPr>
+            <a:endParaRPr lang="en-US" dirty="0"/>
+          </a:p>
+          <a:p>
+            <a:pPr marL="114300" indent="0">
+              <a:buNone/>
+            </a:pPr>
+            <a:r>
+              <a:rPr lang="en-US" sz="2400" b="1" dirty="0" smtClean="0"/>
+              <a:t>Suggestions:</a:t>
+            </a:r>
+          </a:p>
+          <a:p>
+            <a:r>
+              <a:rPr lang="en-US" dirty="0" smtClean="0"/>
+              <a:t>We can use Critical Path Method(CPM), PERT analysis for executing proper project management. By using this methods, we can reduce project cost and time duration.</a:t>
+            </a:r>
+          </a:p>
+          <a:p>
+            <a:endParaRPr lang="en-US" dirty="0"/>
+          </a:p>
+        </p:txBody>
+      </p:sp>
+    </p:spTree>
+    <p:extLst>
+      <p:ext uri="{BB962C8B-B14F-4D97-AF65-F5344CB8AC3E}">
+        <p14:creationId xmlns:p14="http://schemas.microsoft.com/office/powerpoint/2010/main" val="1297774116"/>
       </p:ext>
     </p:extLst>
   </p:cSld>
@@ -12248,6 +15103,518 @@
 </p:sld>
 </file>
 
+<file path=ppt/slides/slide40.xml><?xml version="1.0" encoding="utf-8"?>
+<p:sld xmlns:a="http://schemas.openxmlformats.org/drawingml/2006/main" xmlns:r="http://schemas.openxmlformats.org/officeDocument/2006/relationships" xmlns:p="http://schemas.openxmlformats.org/presentationml/2006/main">
+  <p:cSld>
+    <p:spTree>
+      <p:nvGrpSpPr>
+        <p:cNvPr id="1" name=""/>
+        <p:cNvGrpSpPr/>
+        <p:nvPr/>
+      </p:nvGrpSpPr>
+      <p:grpSpPr>
+        <a:xfrm>
+          <a:off x="0" y="0"/>
+          <a:ext cx="0" cy="0"/>
+          <a:chOff x="0" y="0"/>
+          <a:chExt cx="0" cy="0"/>
+        </a:xfrm>
+      </p:grpSpPr>
+      <p:sp>
+        <p:nvSpPr>
+          <p:cNvPr id="2" name="Title 1"/>
+          <p:cNvSpPr>
+            <a:spLocks noGrp="1"/>
+          </p:cNvSpPr>
+          <p:nvPr>
+            <p:ph type="title"/>
+          </p:nvPr>
+        </p:nvSpPr>
+        <p:spPr/>
+        <p:txBody>
+          <a:bodyPr/>
+          <a:lstStyle/>
+          <a:p>
+            <a:r>
+              <a:rPr lang="en-US" dirty="0" smtClean="0"/>
+              <a:t>General Suggestions:</a:t>
+            </a:r>
+            <a:endParaRPr lang="en-US" dirty="0"/>
+          </a:p>
+        </p:txBody>
+      </p:sp>
+      <p:sp>
+        <p:nvSpPr>
+          <p:cNvPr id="3" name="Content Placeholder 2"/>
+          <p:cNvSpPr>
+            <a:spLocks noGrp="1"/>
+          </p:cNvSpPr>
+          <p:nvPr>
+            <p:ph idx="1"/>
+          </p:nvPr>
+        </p:nvSpPr>
+        <p:spPr/>
+        <p:txBody>
+          <a:bodyPr>
+            <a:normAutofit fontScale="92500"/>
+          </a:bodyPr>
+          <a:lstStyle/>
+          <a:p>
+            <a:pPr lvl="0"/>
+            <a:r>
+              <a:rPr lang="en-IN" b="1" dirty="0"/>
+              <a:t>Smell </a:t>
+            </a:r>
+            <a:r>
+              <a:rPr lang="en-IN" b="1" dirty="0" smtClean="0"/>
+              <a:t>removal from MEE or PB1 </a:t>
+            </a:r>
+            <a:r>
+              <a:rPr lang="en-IN" b="1" dirty="0"/>
+              <a:t>: </a:t>
+            </a:r>
+            <a:r>
+              <a:rPr lang="en-IN" dirty="0"/>
+              <a:t>Bio filter, exhaust system(proper ventilation).</a:t>
+            </a:r>
+            <a:endParaRPr lang="en-US" dirty="0"/>
+          </a:p>
+          <a:p>
+            <a:pPr lvl="0"/>
+            <a:r>
+              <a:rPr lang="en-IN" dirty="0" smtClean="0"/>
+              <a:t>Flocculants </a:t>
+            </a:r>
+            <a:r>
+              <a:rPr lang="en-IN" dirty="0"/>
+              <a:t>removal </a:t>
+            </a:r>
+            <a:r>
+              <a:rPr lang="en-IN" dirty="0" smtClean="0"/>
+              <a:t>can be possible by </a:t>
+            </a:r>
+            <a:r>
+              <a:rPr lang="en-IN" dirty="0" smtClean="0"/>
+              <a:t>polyelectrolytes for </a:t>
+            </a:r>
+            <a:r>
+              <a:rPr lang="en-IN" b="1" dirty="0" smtClean="0"/>
+              <a:t>BTP</a:t>
+            </a:r>
+            <a:r>
+              <a:rPr lang="en-IN" dirty="0" smtClean="0"/>
+              <a:t>.</a:t>
+            </a:r>
+            <a:endParaRPr lang="en-IN" dirty="0" smtClean="0"/>
+          </a:p>
+          <a:p>
+            <a:r>
+              <a:rPr lang="en-IN" dirty="0" smtClean="0"/>
+              <a:t>Trickling filter can also be used for water treatment.</a:t>
+            </a:r>
+            <a:endParaRPr lang="en-US" dirty="0"/>
+          </a:p>
+          <a:p>
+            <a:r>
+              <a:rPr lang="en-IN" b="1" dirty="0"/>
+              <a:t>Chilling plant: </a:t>
+            </a:r>
+            <a:r>
+              <a:rPr lang="en-IN" dirty="0" smtClean="0"/>
+              <a:t>Fouled </a:t>
+            </a:r>
+            <a:r>
+              <a:rPr lang="en-IN" dirty="0"/>
+              <a:t>tubes, leaking </a:t>
+            </a:r>
+            <a:r>
+              <a:rPr lang="en-IN" dirty="0" smtClean="0"/>
+              <a:t>refrigerant.</a:t>
+            </a:r>
+            <a:endParaRPr lang="en-US" dirty="0"/>
+          </a:p>
+          <a:p>
+            <a:pPr lvl="0"/>
+            <a:r>
+              <a:rPr lang="en-IN" b="1" dirty="0"/>
+              <a:t>Cooling </a:t>
+            </a:r>
+            <a:r>
+              <a:rPr lang="en-IN" b="1" dirty="0" smtClean="0"/>
+              <a:t>towers:</a:t>
+            </a:r>
+          </a:p>
+          <a:p>
+            <a:pPr marL="628650" lvl="0" indent="-514350">
+              <a:buFont typeface="+mj-lt"/>
+              <a:buAutoNum type="romanUcPeriod"/>
+            </a:pPr>
+            <a:r>
+              <a:rPr lang="en-IN" dirty="0" smtClean="0"/>
+              <a:t>Better </a:t>
+            </a:r>
+            <a:r>
+              <a:rPr lang="en-IN" dirty="0"/>
+              <a:t>cooling tower control by Minimizing </a:t>
+            </a:r>
+            <a:r>
+              <a:rPr lang="en-IN" dirty="0" smtClean="0"/>
+              <a:t>blow down </a:t>
+            </a:r>
+            <a:r>
+              <a:rPr lang="en-IN" dirty="0"/>
+              <a:t>monitoring </a:t>
+            </a:r>
+            <a:r>
+              <a:rPr lang="en-IN" dirty="0" smtClean="0"/>
+              <a:t>conductivity.</a:t>
+            </a:r>
+            <a:endParaRPr lang="en-US" dirty="0"/>
+          </a:p>
+          <a:p>
+            <a:pPr marL="628650" lvl="0" indent="-514350">
+              <a:buFont typeface="+mj-lt"/>
+              <a:buAutoNum type="romanUcPeriod"/>
+            </a:pPr>
+            <a:r>
+              <a:rPr lang="en-IN" dirty="0" smtClean="0"/>
+              <a:t>pH/alkalinity </a:t>
+            </a:r>
+            <a:r>
+              <a:rPr lang="en-IN" dirty="0"/>
+              <a:t>control to minimize scale </a:t>
+            </a:r>
+            <a:r>
+              <a:rPr lang="en-IN" dirty="0" smtClean="0"/>
+              <a:t>formation.</a:t>
+            </a:r>
+            <a:endParaRPr lang="en-US" dirty="0"/>
+          </a:p>
+          <a:p>
+            <a:pPr marL="628650" lvl="0" indent="-514350">
+              <a:buFont typeface="+mj-lt"/>
+              <a:buAutoNum type="romanUcPeriod"/>
+            </a:pPr>
+            <a:r>
+              <a:rPr lang="en-IN" dirty="0" smtClean="0"/>
+              <a:t>Decreasing </a:t>
+            </a:r>
+            <a:r>
+              <a:rPr lang="en-IN" dirty="0"/>
+              <a:t>feed hardness, iron, and </a:t>
+            </a:r>
+            <a:r>
+              <a:rPr lang="en-IN" dirty="0" smtClean="0"/>
+              <a:t>silica.</a:t>
+            </a:r>
+            <a:endParaRPr lang="en-US" dirty="0"/>
+          </a:p>
+          <a:p>
+            <a:pPr marL="628650" lvl="0" indent="-514350">
+              <a:buFont typeface="+mj-lt"/>
+              <a:buAutoNum type="romanUcPeriod"/>
+            </a:pPr>
+            <a:r>
+              <a:rPr lang="en-IN" dirty="0" smtClean="0"/>
+              <a:t>Manage </a:t>
+            </a:r>
+            <a:r>
+              <a:rPr lang="en-IN" dirty="0"/>
+              <a:t>microbial </a:t>
+            </a:r>
+            <a:r>
+              <a:rPr lang="en-IN" dirty="0" smtClean="0"/>
+              <a:t>growth.</a:t>
+            </a:r>
+            <a:endParaRPr lang="en-US" dirty="0"/>
+          </a:p>
+          <a:p>
+            <a:pPr marL="628650" lvl="0" indent="-514350">
+              <a:buFont typeface="+mj-lt"/>
+              <a:buAutoNum type="romanUcPeriod"/>
+            </a:pPr>
+            <a:r>
+              <a:rPr lang="en-US" dirty="0" smtClean="0"/>
+              <a:t>For </a:t>
+            </a:r>
+            <a:r>
+              <a:rPr lang="en-US" dirty="0" smtClean="0"/>
+              <a:t>blow down</a:t>
+            </a:r>
+            <a:r>
+              <a:rPr lang="en-US" dirty="0"/>
+              <a:t>, post treatment in the form of reverse osmosis or ion exchange can prove extremely beneficial.</a:t>
+            </a:r>
+          </a:p>
+          <a:p>
+            <a:pPr lvl="0"/>
+            <a:endParaRPr lang="en-US" dirty="0"/>
+          </a:p>
+          <a:p>
+            <a:endParaRPr lang="en-US" dirty="0"/>
+          </a:p>
+        </p:txBody>
+      </p:sp>
+    </p:spTree>
+    <p:extLst>
+      <p:ext uri="{BB962C8B-B14F-4D97-AF65-F5344CB8AC3E}">
+        <p14:creationId xmlns:p14="http://schemas.microsoft.com/office/powerpoint/2010/main" val="2866364310"/>
+      </p:ext>
+    </p:extLst>
+  </p:cSld>
+  <p:clrMapOvr>
+    <a:masterClrMapping/>
+  </p:clrMapOvr>
+  <p:timing>
+    <p:tnLst>
+      <p:par>
+        <p:cTn id="1" dur="indefinite" restart="never" nodeType="tmRoot"/>
+      </p:par>
+    </p:tnLst>
+  </p:timing>
+</p:sld>
+</file>
+
+<file path=ppt/slides/slide41.xml><?xml version="1.0" encoding="utf-8"?>
+<p:sld xmlns:a="http://schemas.openxmlformats.org/drawingml/2006/main" xmlns:r="http://schemas.openxmlformats.org/officeDocument/2006/relationships" xmlns:p="http://schemas.openxmlformats.org/presentationml/2006/main">
+  <p:cSld>
+    <p:spTree>
+      <p:nvGrpSpPr>
+        <p:cNvPr id="1" name=""/>
+        <p:cNvGrpSpPr/>
+        <p:nvPr/>
+      </p:nvGrpSpPr>
+      <p:grpSpPr>
+        <a:xfrm>
+          <a:off x="0" y="0"/>
+          <a:ext cx="0" cy="0"/>
+          <a:chOff x="0" y="0"/>
+          <a:chExt cx="0" cy="0"/>
+        </a:xfrm>
+      </p:grpSpPr>
+      <p:sp>
+        <p:nvSpPr>
+          <p:cNvPr id="5" name="Title 1"/>
+          <p:cNvSpPr>
+            <a:spLocks noGrp="1"/>
+          </p:cNvSpPr>
+          <p:nvPr>
+            <p:ph idx="1"/>
+          </p:nvPr>
+        </p:nvSpPr>
+        <p:spPr>
+          <a:xfrm>
+            <a:off x="457200" y="381000"/>
+            <a:ext cx="7620000" cy="6019800"/>
+          </a:xfrm>
+        </p:spPr>
+        <p:txBody>
+          <a:bodyPr/>
+          <a:lstStyle/>
+          <a:p>
+            <a:pPr lvl="0"/>
+            <a:r>
+              <a:rPr lang="en-US" b="1" dirty="0"/>
+              <a:t>RO plant </a:t>
+            </a:r>
+            <a:r>
+              <a:rPr lang="en-US" b="1" dirty="0" smtClean="0"/>
+              <a:t>:</a:t>
+            </a:r>
+            <a:endParaRPr lang="en-US" b="1" dirty="0"/>
+          </a:p>
+          <a:p>
+            <a:pPr marL="571500" lvl="0" indent="-457200">
+              <a:buFont typeface="+mj-lt"/>
+              <a:buAutoNum type="arabicPeriod"/>
+            </a:pPr>
+            <a:r>
+              <a:rPr lang="en-US" dirty="0" smtClean="0"/>
+              <a:t> Avoid </a:t>
+            </a:r>
+            <a:r>
+              <a:rPr lang="en-US" dirty="0"/>
+              <a:t>chlorine in water ( because will damage the polyamide membrane</a:t>
+            </a:r>
+            <a:r>
+              <a:rPr lang="en-US" dirty="0" smtClean="0"/>
+              <a:t>).</a:t>
+            </a:r>
+            <a:endParaRPr lang="en-US" dirty="0"/>
+          </a:p>
+          <a:p>
+            <a:pPr marL="571500" lvl="0" indent="-457200">
+              <a:buFont typeface="+mj-lt"/>
+              <a:buAutoNum type="arabicPeriod"/>
+            </a:pPr>
+            <a:r>
+              <a:rPr lang="en-US" dirty="0" smtClean="0"/>
+              <a:t>Membrane </a:t>
+            </a:r>
+            <a:r>
+              <a:rPr lang="en-US" dirty="0"/>
+              <a:t>regeneration by using citric </a:t>
+            </a:r>
+            <a:r>
+              <a:rPr lang="en-US" dirty="0" smtClean="0"/>
+              <a:t>acid.</a:t>
+            </a:r>
+            <a:endParaRPr lang="en-US" dirty="0"/>
+          </a:p>
+          <a:p>
+            <a:pPr marL="571500" lvl="0" indent="-457200">
+              <a:buFont typeface="+mj-lt"/>
+              <a:buAutoNum type="arabicPeriod"/>
+            </a:pPr>
+            <a:r>
+              <a:rPr lang="en-US" dirty="0" smtClean="0"/>
+              <a:t>Activated </a:t>
+            </a:r>
+            <a:r>
+              <a:rPr lang="en-US" dirty="0"/>
+              <a:t>carbon regeneration ( by using steam</a:t>
+            </a:r>
+            <a:r>
+              <a:rPr lang="en-US" dirty="0" smtClean="0"/>
+              <a:t>).</a:t>
+            </a:r>
+            <a:endParaRPr lang="en-US" dirty="0"/>
+          </a:p>
+          <a:p>
+            <a:pPr marL="571500" lvl="0" indent="-457200">
+              <a:buFont typeface="+mj-lt"/>
+              <a:buAutoNum type="arabicPeriod"/>
+            </a:pPr>
+            <a:r>
+              <a:rPr lang="en-US" dirty="0" smtClean="0"/>
+              <a:t>Silver </a:t>
+            </a:r>
+            <a:r>
+              <a:rPr lang="en-US" dirty="0"/>
+              <a:t>impregnated Activated carbon </a:t>
+            </a:r>
+            <a:r>
+              <a:rPr lang="en-US" dirty="0" smtClean="0"/>
+              <a:t>.</a:t>
+            </a:r>
+            <a:endParaRPr lang="en-US" dirty="0"/>
+          </a:p>
+          <a:p>
+            <a:pPr marL="571500" lvl="0" indent="-457200">
+              <a:buFont typeface="+mj-lt"/>
+              <a:buAutoNum type="arabicPeriod"/>
+            </a:pPr>
+            <a:r>
+              <a:rPr lang="en-US" dirty="0" smtClean="0"/>
+              <a:t>Ion </a:t>
+            </a:r>
+            <a:r>
+              <a:rPr lang="en-US" dirty="0"/>
+              <a:t>exchange beds for decreasing </a:t>
+            </a:r>
+            <a:r>
+              <a:rPr lang="en-US" dirty="0" smtClean="0"/>
+              <a:t>hardness.</a:t>
+            </a:r>
+            <a:endParaRPr lang="en-US" dirty="0"/>
+          </a:p>
+          <a:p>
+            <a:endParaRPr lang="en-US" dirty="0"/>
+          </a:p>
+        </p:txBody>
+      </p:sp>
+    </p:spTree>
+    <p:extLst>
+      <p:ext uri="{BB962C8B-B14F-4D97-AF65-F5344CB8AC3E}">
+        <p14:creationId xmlns:p14="http://schemas.microsoft.com/office/powerpoint/2010/main" val="21053996"/>
+      </p:ext>
+    </p:extLst>
+  </p:cSld>
+  <p:clrMapOvr>
+    <a:masterClrMapping/>
+  </p:clrMapOvr>
+  <p:timing>
+    <p:tnLst>
+      <p:par>
+        <p:cTn id="1" dur="indefinite" restart="never" nodeType="tmRoot"/>
+      </p:par>
+    </p:tnLst>
+  </p:timing>
+</p:sld>
+</file>
+
+<file path=ppt/slides/slide42.xml><?xml version="1.0" encoding="utf-8"?>
+<p:sld xmlns:a="http://schemas.openxmlformats.org/drawingml/2006/main" xmlns:r="http://schemas.openxmlformats.org/officeDocument/2006/relationships" xmlns:p="http://schemas.openxmlformats.org/presentationml/2006/main" showMasterSp="0">
+  <p:cSld>
+    <p:spTree>
+      <p:nvGrpSpPr>
+        <p:cNvPr id="1" name=""/>
+        <p:cNvGrpSpPr/>
+        <p:nvPr/>
+      </p:nvGrpSpPr>
+      <p:grpSpPr>
+        <a:xfrm>
+          <a:off x="0" y="0"/>
+          <a:ext cx="0" cy="0"/>
+          <a:chOff x="0" y="0"/>
+          <a:chExt cx="0" cy="0"/>
+        </a:xfrm>
+      </p:grpSpPr>
+      <p:sp>
+        <p:nvSpPr>
+          <p:cNvPr id="2" name="TextBox 1"/>
+          <p:cNvSpPr txBox="1"/>
+          <p:nvPr/>
+        </p:nvSpPr>
+        <p:spPr>
+          <a:xfrm>
+            <a:off x="2057400" y="2438400"/>
+            <a:ext cx="5486400" cy="1200329"/>
+          </a:xfrm>
+          <a:prstGeom prst="rect">
+            <a:avLst/>
+          </a:prstGeom>
+          <a:noFill/>
+        </p:spPr>
+        <p:txBody>
+          <a:bodyPr wrap="square" rtlCol="0">
+            <a:spAutoFit/>
+          </a:bodyPr>
+          <a:lstStyle/>
+          <a:p>
+            <a:pPr algn="ctr"/>
+            <a:r>
+              <a:rPr lang="en-US" sz="7200" dirty="0" smtClean="0">
+                <a:latin typeface="+mj-lt"/>
+              </a:rPr>
+              <a:t>Thank You</a:t>
+            </a:r>
+            <a:endParaRPr lang="en-US" sz="7200" dirty="0">
+              <a:latin typeface="+mj-lt"/>
+            </a:endParaRPr>
+          </a:p>
+        </p:txBody>
+      </p:sp>
+    </p:spTree>
+    <p:extLst>
+      <p:ext uri="{BB962C8B-B14F-4D97-AF65-F5344CB8AC3E}">
+        <p14:creationId xmlns:p14="http://schemas.microsoft.com/office/powerpoint/2010/main" val="1737321771"/>
+      </p:ext>
+    </p:extLst>
+  </p:cSld>
+  <p:clrMapOvr>
+    <a:masterClrMapping/>
+  </p:clrMapOvr>
+  <p:timing>
+    <p:tnLst>
+      <p:par>
+        <p:cTn id="1" dur="indefinite" restart="never" nodeType="tmRoot"/>
+      </p:par>
+    </p:tnLst>
+  </p:timing>
+</p:sld>
+</file>
+
 <file path=ppt/slides/slide5.xml><?xml version="1.0" encoding="utf-8"?>
 <p:sld xmlns:a="http://schemas.openxmlformats.org/drawingml/2006/main" xmlns:r="http://schemas.openxmlformats.org/officeDocument/2006/relationships" xmlns:p="http://schemas.openxmlformats.org/presentationml/2006/main">
   <p:cSld>
@@ -12335,7 +15702,7 @@
           <p:nvPr>
             <p:extLst>
               <p:ext uri="{D42A27DB-BD31-4B8C-83A1-F6EECF244321}">
-                <p14:modId xmlns:p14="http://schemas.microsoft.com/office/powerpoint/2010/main" val="2266259866"/>
+                <p14:modId xmlns:p14="http://schemas.microsoft.com/office/powerpoint/2010/main" val="3047341617"/>
               </p:ext>
             </p:extLst>
           </p:nvPr>
@@ -12368,7 +15735,44 @@
                       <a:endParaRPr lang="en-US" dirty="0"/>
                     </a:p>
                   </a:txBody>
-                  <a:tcPr/>
+                  <a:tcPr>
+                    <a:lnL w="12700" cap="flat" cmpd="sng" algn="ctr">
+                      <a:solidFill>
+                        <a:schemeClr val="tx1"/>
+                      </a:solidFill>
+                      <a:prstDash val="solid"/>
+                      <a:round/>
+                      <a:headEnd type="none" w="med" len="med"/>
+                      <a:tailEnd type="none" w="med" len="med"/>
+                    </a:lnL>
+                    <a:lnR w="12700" cap="flat" cmpd="sng" algn="ctr">
+                      <a:solidFill>
+                        <a:schemeClr val="tx1"/>
+                      </a:solidFill>
+                      <a:prstDash val="solid"/>
+                      <a:round/>
+                      <a:headEnd type="none" w="med" len="med"/>
+                      <a:tailEnd type="none" w="med" len="med"/>
+                    </a:lnR>
+                    <a:lnT w="12700" cap="flat" cmpd="sng" algn="ctr">
+                      <a:solidFill>
+                        <a:schemeClr val="tx1"/>
+                      </a:solidFill>
+                      <a:prstDash val="solid"/>
+                      <a:round/>
+                      <a:headEnd type="none" w="med" len="med"/>
+                      <a:tailEnd type="none" w="med" len="med"/>
+                    </a:lnT>
+                    <a:lnB w="12700" cap="flat" cmpd="sng" algn="ctr">
+                      <a:solidFill>
+                        <a:schemeClr val="tx1"/>
+                      </a:solidFill>
+                      <a:prstDash val="solid"/>
+                      <a:round/>
+                      <a:headEnd type="none" w="med" len="med"/>
+                      <a:tailEnd type="none" w="med" len="med"/>
+                    </a:lnB>
+                  </a:tcPr>
                 </a:tc>
                 <a:tc>
                   <a:txBody>
@@ -12382,7 +15786,44 @@
                       <a:endParaRPr lang="en-US" dirty="0"/>
                     </a:p>
                   </a:txBody>
-                  <a:tcPr/>
+                  <a:tcPr>
+                    <a:lnL w="12700" cap="flat" cmpd="sng" algn="ctr">
+                      <a:solidFill>
+                        <a:schemeClr val="tx1"/>
+                      </a:solidFill>
+                      <a:prstDash val="solid"/>
+                      <a:round/>
+                      <a:headEnd type="none" w="med" len="med"/>
+                      <a:tailEnd type="none" w="med" len="med"/>
+                    </a:lnL>
+                    <a:lnR w="12700" cap="flat" cmpd="sng" algn="ctr">
+                      <a:solidFill>
+                        <a:schemeClr val="tx1"/>
+                      </a:solidFill>
+                      <a:prstDash val="solid"/>
+                      <a:round/>
+                      <a:headEnd type="none" w="med" len="med"/>
+                      <a:tailEnd type="none" w="med" len="med"/>
+                    </a:lnR>
+                    <a:lnT w="12700" cap="flat" cmpd="sng" algn="ctr">
+                      <a:solidFill>
+                        <a:schemeClr val="tx1"/>
+                      </a:solidFill>
+                      <a:prstDash val="solid"/>
+                      <a:round/>
+                      <a:headEnd type="none" w="med" len="med"/>
+                      <a:tailEnd type="none" w="med" len="med"/>
+                    </a:lnT>
+                    <a:lnB w="12700" cap="flat" cmpd="sng" algn="ctr">
+                      <a:solidFill>
+                        <a:schemeClr val="tx1"/>
+                      </a:solidFill>
+                      <a:prstDash val="solid"/>
+                      <a:round/>
+                      <a:headEnd type="none" w="med" len="med"/>
+                      <a:tailEnd type="none" w="med" len="med"/>
+                    </a:lnB>
+                  </a:tcPr>
                 </a:tc>
                 <a:tc>
                   <a:txBody>
@@ -12396,7 +15837,44 @@
                       <a:endParaRPr lang="en-US" dirty="0"/>
                     </a:p>
                   </a:txBody>
-                  <a:tcPr/>
+                  <a:tcPr>
+                    <a:lnL w="12700" cap="flat" cmpd="sng" algn="ctr">
+                      <a:solidFill>
+                        <a:schemeClr val="tx1"/>
+                      </a:solidFill>
+                      <a:prstDash val="solid"/>
+                      <a:round/>
+                      <a:headEnd type="none" w="med" len="med"/>
+                      <a:tailEnd type="none" w="med" len="med"/>
+                    </a:lnL>
+                    <a:lnR w="12700" cap="flat" cmpd="sng" algn="ctr">
+                      <a:solidFill>
+                        <a:schemeClr val="tx1"/>
+                      </a:solidFill>
+                      <a:prstDash val="solid"/>
+                      <a:round/>
+                      <a:headEnd type="none" w="med" len="med"/>
+                      <a:tailEnd type="none" w="med" len="med"/>
+                    </a:lnR>
+                    <a:lnT w="12700" cap="flat" cmpd="sng" algn="ctr">
+                      <a:solidFill>
+                        <a:schemeClr val="tx1"/>
+                      </a:solidFill>
+                      <a:prstDash val="solid"/>
+                      <a:round/>
+                      <a:headEnd type="none" w="med" len="med"/>
+                      <a:tailEnd type="none" w="med" len="med"/>
+                    </a:lnT>
+                    <a:lnB w="12700" cap="flat" cmpd="sng" algn="ctr">
+                      <a:solidFill>
+                        <a:schemeClr val="tx1"/>
+                      </a:solidFill>
+                      <a:prstDash val="solid"/>
+                      <a:round/>
+                      <a:headEnd type="none" w="med" len="med"/>
+                      <a:tailEnd type="none" w="med" len="med"/>
+                    </a:lnB>
+                  </a:tcPr>
                 </a:tc>
               </a:tr>
               <a:tr h="370840">
@@ -12416,7 +15894,44 @@
                       <a:endParaRPr lang="en-US" dirty="0"/>
                     </a:p>
                   </a:txBody>
-                  <a:tcPr/>
+                  <a:tcPr>
+                    <a:lnL w="12700" cap="flat" cmpd="sng" algn="ctr">
+                      <a:solidFill>
+                        <a:schemeClr val="tx1"/>
+                      </a:solidFill>
+                      <a:prstDash val="solid"/>
+                      <a:round/>
+                      <a:headEnd type="none" w="med" len="med"/>
+                      <a:tailEnd type="none" w="med" len="med"/>
+                    </a:lnL>
+                    <a:lnR w="12700" cap="flat" cmpd="sng" algn="ctr">
+                      <a:solidFill>
+                        <a:schemeClr val="tx1"/>
+                      </a:solidFill>
+                      <a:prstDash val="solid"/>
+                      <a:round/>
+                      <a:headEnd type="none" w="med" len="med"/>
+                      <a:tailEnd type="none" w="med" len="med"/>
+                    </a:lnR>
+                    <a:lnT w="12700" cap="flat" cmpd="sng" algn="ctr">
+                      <a:solidFill>
+                        <a:schemeClr val="tx1"/>
+                      </a:solidFill>
+                      <a:prstDash val="solid"/>
+                      <a:round/>
+                      <a:headEnd type="none" w="med" len="med"/>
+                      <a:tailEnd type="none" w="med" len="med"/>
+                    </a:lnT>
+                    <a:lnB w="12700" cap="flat" cmpd="sng" algn="ctr">
+                      <a:solidFill>
+                        <a:schemeClr val="tx1"/>
+                      </a:solidFill>
+                      <a:prstDash val="solid"/>
+                      <a:round/>
+                      <a:headEnd type="none" w="med" len="med"/>
+                      <a:tailEnd type="none" w="med" len="med"/>
+                    </a:lnB>
+                  </a:tcPr>
                 </a:tc>
                 <a:tc>
                   <a:txBody>
@@ -12430,7 +15945,44 @@
                       <a:endParaRPr lang="en-US" dirty="0"/>
                     </a:p>
                   </a:txBody>
-                  <a:tcPr/>
+                  <a:tcPr>
+                    <a:lnL w="12700" cap="flat" cmpd="sng" algn="ctr">
+                      <a:solidFill>
+                        <a:schemeClr val="tx1"/>
+                      </a:solidFill>
+                      <a:prstDash val="solid"/>
+                      <a:round/>
+                      <a:headEnd type="none" w="med" len="med"/>
+                      <a:tailEnd type="none" w="med" len="med"/>
+                    </a:lnL>
+                    <a:lnR w="12700" cap="flat" cmpd="sng" algn="ctr">
+                      <a:solidFill>
+                        <a:schemeClr val="tx1"/>
+                      </a:solidFill>
+                      <a:prstDash val="solid"/>
+                      <a:round/>
+                      <a:headEnd type="none" w="med" len="med"/>
+                      <a:tailEnd type="none" w="med" len="med"/>
+                    </a:lnR>
+                    <a:lnT w="12700" cap="flat" cmpd="sng" algn="ctr">
+                      <a:solidFill>
+                        <a:schemeClr val="tx1"/>
+                      </a:solidFill>
+                      <a:prstDash val="solid"/>
+                      <a:round/>
+                      <a:headEnd type="none" w="med" len="med"/>
+                      <a:tailEnd type="none" w="med" len="med"/>
+                    </a:lnT>
+                    <a:lnB w="12700" cap="flat" cmpd="sng" algn="ctr">
+                      <a:solidFill>
+                        <a:schemeClr val="tx1"/>
+                      </a:solidFill>
+                      <a:prstDash val="solid"/>
+                      <a:round/>
+                      <a:headEnd type="none" w="med" len="med"/>
+                      <a:tailEnd type="none" w="med" len="med"/>
+                    </a:lnB>
+                  </a:tcPr>
                 </a:tc>
                 <a:tc>
                   <a:txBody>
@@ -12444,7 +15996,44 @@
                       <a:endParaRPr lang="en-US" dirty="0"/>
                     </a:p>
                   </a:txBody>
-                  <a:tcPr/>
+                  <a:tcPr>
+                    <a:lnL w="12700" cap="flat" cmpd="sng" algn="ctr">
+                      <a:solidFill>
+                        <a:schemeClr val="tx1"/>
+                      </a:solidFill>
+                      <a:prstDash val="solid"/>
+                      <a:round/>
+                      <a:headEnd type="none" w="med" len="med"/>
+                      <a:tailEnd type="none" w="med" len="med"/>
+                    </a:lnL>
+                    <a:lnR w="12700" cap="flat" cmpd="sng" algn="ctr">
+                      <a:solidFill>
+                        <a:schemeClr val="tx1"/>
+                      </a:solidFill>
+                      <a:prstDash val="solid"/>
+                      <a:round/>
+                      <a:headEnd type="none" w="med" len="med"/>
+                      <a:tailEnd type="none" w="med" len="med"/>
+                    </a:lnR>
+                    <a:lnT w="12700" cap="flat" cmpd="sng" algn="ctr">
+                      <a:solidFill>
+                        <a:schemeClr val="tx1"/>
+                      </a:solidFill>
+                      <a:prstDash val="solid"/>
+                      <a:round/>
+                      <a:headEnd type="none" w="med" len="med"/>
+                      <a:tailEnd type="none" w="med" len="med"/>
+                    </a:lnT>
+                    <a:lnB w="12700" cap="flat" cmpd="sng" algn="ctr">
+                      <a:solidFill>
+                        <a:schemeClr val="tx1"/>
+                      </a:solidFill>
+                      <a:prstDash val="solid"/>
+                      <a:round/>
+                      <a:headEnd type="none" w="med" len="med"/>
+                      <a:tailEnd type="none" w="med" len="med"/>
+                    </a:lnB>
+                  </a:tcPr>
                 </a:tc>
               </a:tr>
               <a:tr h="370840">
@@ -12464,7 +16053,44 @@
                       <a:endParaRPr lang="en-US" dirty="0"/>
                     </a:p>
                   </a:txBody>
-                  <a:tcPr/>
+                  <a:tcPr>
+                    <a:lnL w="12700" cap="flat" cmpd="sng" algn="ctr">
+                      <a:solidFill>
+                        <a:schemeClr val="tx1"/>
+                      </a:solidFill>
+                      <a:prstDash val="solid"/>
+                      <a:round/>
+                      <a:headEnd type="none" w="med" len="med"/>
+                      <a:tailEnd type="none" w="med" len="med"/>
+                    </a:lnL>
+                    <a:lnR w="12700" cap="flat" cmpd="sng" algn="ctr">
+                      <a:solidFill>
+                        <a:schemeClr val="tx1"/>
+                      </a:solidFill>
+                      <a:prstDash val="solid"/>
+                      <a:round/>
+                      <a:headEnd type="none" w="med" len="med"/>
+                      <a:tailEnd type="none" w="med" len="med"/>
+                    </a:lnR>
+                    <a:lnT w="12700" cap="flat" cmpd="sng" algn="ctr">
+                      <a:solidFill>
+                        <a:schemeClr val="tx1"/>
+                      </a:solidFill>
+                      <a:prstDash val="solid"/>
+                      <a:round/>
+                      <a:headEnd type="none" w="med" len="med"/>
+                      <a:tailEnd type="none" w="med" len="med"/>
+                    </a:lnT>
+                    <a:lnB w="12700" cap="flat" cmpd="sng" algn="ctr">
+                      <a:solidFill>
+                        <a:schemeClr val="tx1"/>
+                      </a:solidFill>
+                      <a:prstDash val="solid"/>
+                      <a:round/>
+                      <a:headEnd type="none" w="med" len="med"/>
+                      <a:tailEnd type="none" w="med" len="med"/>
+                    </a:lnB>
+                  </a:tcPr>
                 </a:tc>
                 <a:tc>
                   <a:txBody>
@@ -12478,7 +16104,44 @@
                       <a:endParaRPr lang="en-US" dirty="0"/>
                     </a:p>
                   </a:txBody>
-                  <a:tcPr/>
+                  <a:tcPr>
+                    <a:lnL w="12700" cap="flat" cmpd="sng" algn="ctr">
+                      <a:solidFill>
+                        <a:schemeClr val="tx1"/>
+                      </a:solidFill>
+                      <a:prstDash val="solid"/>
+                      <a:round/>
+                      <a:headEnd type="none" w="med" len="med"/>
+                      <a:tailEnd type="none" w="med" len="med"/>
+                    </a:lnL>
+                    <a:lnR w="12700" cap="flat" cmpd="sng" algn="ctr">
+                      <a:solidFill>
+                        <a:schemeClr val="tx1"/>
+                      </a:solidFill>
+                      <a:prstDash val="solid"/>
+                      <a:round/>
+                      <a:headEnd type="none" w="med" len="med"/>
+                      <a:tailEnd type="none" w="med" len="med"/>
+                    </a:lnR>
+                    <a:lnT w="12700" cap="flat" cmpd="sng" algn="ctr">
+                      <a:solidFill>
+                        <a:schemeClr val="tx1"/>
+                      </a:solidFill>
+                      <a:prstDash val="solid"/>
+                      <a:round/>
+                      <a:headEnd type="none" w="med" len="med"/>
+                      <a:tailEnd type="none" w="med" len="med"/>
+                    </a:lnT>
+                    <a:lnB w="12700" cap="flat" cmpd="sng" algn="ctr">
+                      <a:solidFill>
+                        <a:schemeClr val="tx1"/>
+                      </a:solidFill>
+                      <a:prstDash val="solid"/>
+                      <a:round/>
+                      <a:headEnd type="none" w="med" len="med"/>
+                      <a:tailEnd type="none" w="med" len="med"/>
+                    </a:lnB>
+                  </a:tcPr>
                 </a:tc>
                 <a:tc>
                   <a:txBody>
@@ -12492,7 +16155,44 @@
                       <a:endParaRPr lang="en-US" dirty="0"/>
                     </a:p>
                   </a:txBody>
-                  <a:tcPr/>
+                  <a:tcPr>
+                    <a:lnL w="12700" cap="flat" cmpd="sng" algn="ctr">
+                      <a:solidFill>
+                        <a:schemeClr val="tx1"/>
+                      </a:solidFill>
+                      <a:prstDash val="solid"/>
+                      <a:round/>
+                      <a:headEnd type="none" w="med" len="med"/>
+                      <a:tailEnd type="none" w="med" len="med"/>
+                    </a:lnL>
+                    <a:lnR w="12700" cap="flat" cmpd="sng" algn="ctr">
+                      <a:solidFill>
+                        <a:schemeClr val="tx1"/>
+                      </a:solidFill>
+                      <a:prstDash val="solid"/>
+                      <a:round/>
+                      <a:headEnd type="none" w="med" len="med"/>
+                      <a:tailEnd type="none" w="med" len="med"/>
+                    </a:lnR>
+                    <a:lnT w="12700" cap="flat" cmpd="sng" algn="ctr">
+                      <a:solidFill>
+                        <a:schemeClr val="tx1"/>
+                      </a:solidFill>
+                      <a:prstDash val="solid"/>
+                      <a:round/>
+                      <a:headEnd type="none" w="med" len="med"/>
+                      <a:tailEnd type="none" w="med" len="med"/>
+                    </a:lnT>
+                    <a:lnB w="12700" cap="flat" cmpd="sng" algn="ctr">
+                      <a:solidFill>
+                        <a:schemeClr val="tx1"/>
+                      </a:solidFill>
+                      <a:prstDash val="solid"/>
+                      <a:round/>
+                      <a:headEnd type="none" w="med" len="med"/>
+                      <a:tailEnd type="none" w="med" len="med"/>
+                    </a:lnB>
+                  </a:tcPr>
                 </a:tc>
               </a:tr>
               <a:tr h="370840">
@@ -12512,7 +16212,44 @@
                       <a:endParaRPr lang="en-US" dirty="0"/>
                     </a:p>
                   </a:txBody>
-                  <a:tcPr/>
+                  <a:tcPr>
+                    <a:lnL w="12700" cap="flat" cmpd="sng" algn="ctr">
+                      <a:solidFill>
+                        <a:schemeClr val="tx1"/>
+                      </a:solidFill>
+                      <a:prstDash val="solid"/>
+                      <a:round/>
+                      <a:headEnd type="none" w="med" len="med"/>
+                      <a:tailEnd type="none" w="med" len="med"/>
+                    </a:lnL>
+                    <a:lnR w="12700" cap="flat" cmpd="sng" algn="ctr">
+                      <a:solidFill>
+                        <a:schemeClr val="tx1"/>
+                      </a:solidFill>
+                      <a:prstDash val="solid"/>
+                      <a:round/>
+                      <a:headEnd type="none" w="med" len="med"/>
+                      <a:tailEnd type="none" w="med" len="med"/>
+                    </a:lnR>
+                    <a:lnT w="12700" cap="flat" cmpd="sng" algn="ctr">
+                      <a:solidFill>
+                        <a:schemeClr val="tx1"/>
+                      </a:solidFill>
+                      <a:prstDash val="solid"/>
+                      <a:round/>
+                      <a:headEnd type="none" w="med" len="med"/>
+                      <a:tailEnd type="none" w="med" len="med"/>
+                    </a:lnT>
+                    <a:lnB w="12700" cap="flat" cmpd="sng" algn="ctr">
+                      <a:solidFill>
+                        <a:schemeClr val="tx1"/>
+                      </a:solidFill>
+                      <a:prstDash val="solid"/>
+                      <a:round/>
+                      <a:headEnd type="none" w="med" len="med"/>
+                      <a:tailEnd type="none" w="med" len="med"/>
+                    </a:lnB>
+                  </a:tcPr>
                 </a:tc>
                 <a:tc>
                   <a:txBody>
@@ -12526,7 +16263,44 @@
                       <a:endParaRPr lang="en-US" dirty="0"/>
                     </a:p>
                   </a:txBody>
-                  <a:tcPr/>
+                  <a:tcPr>
+                    <a:lnL w="12700" cap="flat" cmpd="sng" algn="ctr">
+                      <a:solidFill>
+                        <a:schemeClr val="tx1"/>
+                      </a:solidFill>
+                      <a:prstDash val="solid"/>
+                      <a:round/>
+                      <a:headEnd type="none" w="med" len="med"/>
+                      <a:tailEnd type="none" w="med" len="med"/>
+                    </a:lnL>
+                    <a:lnR w="12700" cap="flat" cmpd="sng" algn="ctr">
+                      <a:solidFill>
+                        <a:schemeClr val="tx1"/>
+                      </a:solidFill>
+                      <a:prstDash val="solid"/>
+                      <a:round/>
+                      <a:headEnd type="none" w="med" len="med"/>
+                      <a:tailEnd type="none" w="med" len="med"/>
+                    </a:lnR>
+                    <a:lnT w="12700" cap="flat" cmpd="sng" algn="ctr">
+                      <a:solidFill>
+                        <a:schemeClr val="tx1"/>
+                      </a:solidFill>
+                      <a:prstDash val="solid"/>
+                      <a:round/>
+                      <a:headEnd type="none" w="med" len="med"/>
+                      <a:tailEnd type="none" w="med" len="med"/>
+                    </a:lnT>
+                    <a:lnB w="12700" cap="flat" cmpd="sng" algn="ctr">
+                      <a:solidFill>
+                        <a:schemeClr val="tx1"/>
+                      </a:solidFill>
+                      <a:prstDash val="solid"/>
+                      <a:round/>
+                      <a:headEnd type="none" w="med" len="med"/>
+                      <a:tailEnd type="none" w="med" len="med"/>
+                    </a:lnB>
+                  </a:tcPr>
                 </a:tc>
                 <a:tc>
                   <a:txBody>
@@ -12544,7 +16318,44 @@
                       <a:endParaRPr lang="en-US" dirty="0"/>
                     </a:p>
                   </a:txBody>
-                  <a:tcPr/>
+                  <a:tcPr>
+                    <a:lnL w="12700" cap="flat" cmpd="sng" algn="ctr">
+                      <a:solidFill>
+                        <a:schemeClr val="tx1"/>
+                      </a:solidFill>
+                      <a:prstDash val="solid"/>
+                      <a:round/>
+                      <a:headEnd type="none" w="med" len="med"/>
+                      <a:tailEnd type="none" w="med" len="med"/>
+                    </a:lnL>
+                    <a:lnR w="12700" cap="flat" cmpd="sng" algn="ctr">
+                      <a:solidFill>
+                        <a:schemeClr val="tx1"/>
+                      </a:solidFill>
+                      <a:prstDash val="solid"/>
+                      <a:round/>
+                      <a:headEnd type="none" w="med" len="med"/>
+                      <a:tailEnd type="none" w="med" len="med"/>
+                    </a:lnR>
+                    <a:lnT w="12700" cap="flat" cmpd="sng" algn="ctr">
+                      <a:solidFill>
+                        <a:schemeClr val="tx1"/>
+                      </a:solidFill>
+                      <a:prstDash val="solid"/>
+                      <a:round/>
+                      <a:headEnd type="none" w="med" len="med"/>
+                      <a:tailEnd type="none" w="med" len="med"/>
+                    </a:lnT>
+                    <a:lnB w="12700" cap="flat" cmpd="sng" algn="ctr">
+                      <a:solidFill>
+                        <a:schemeClr val="tx1"/>
+                      </a:solidFill>
+                      <a:prstDash val="solid"/>
+                      <a:round/>
+                      <a:headEnd type="none" w="med" len="med"/>
+                      <a:tailEnd type="none" w="med" len="med"/>
+                    </a:lnB>
+                  </a:tcPr>
                 </a:tc>
               </a:tr>
               <a:tr h="370840">
@@ -12570,7 +16381,44 @@
                       <a:endParaRPr lang="en-US" dirty="0"/>
                     </a:p>
                   </a:txBody>
-                  <a:tcPr/>
+                  <a:tcPr>
+                    <a:lnL w="12700" cap="flat" cmpd="sng" algn="ctr">
+                      <a:solidFill>
+                        <a:schemeClr val="tx1"/>
+                      </a:solidFill>
+                      <a:prstDash val="solid"/>
+                      <a:round/>
+                      <a:headEnd type="none" w="med" len="med"/>
+                      <a:tailEnd type="none" w="med" len="med"/>
+                    </a:lnL>
+                    <a:lnR w="12700" cap="flat" cmpd="sng" algn="ctr">
+                      <a:solidFill>
+                        <a:schemeClr val="tx1"/>
+                      </a:solidFill>
+                      <a:prstDash val="solid"/>
+                      <a:round/>
+                      <a:headEnd type="none" w="med" len="med"/>
+                      <a:tailEnd type="none" w="med" len="med"/>
+                    </a:lnR>
+                    <a:lnT w="12700" cap="flat" cmpd="sng" algn="ctr">
+                      <a:solidFill>
+                        <a:schemeClr val="tx1"/>
+                      </a:solidFill>
+                      <a:prstDash val="solid"/>
+                      <a:round/>
+                      <a:headEnd type="none" w="med" len="med"/>
+                      <a:tailEnd type="none" w="med" len="med"/>
+                    </a:lnT>
+                    <a:lnB w="12700" cap="flat" cmpd="sng" algn="ctr">
+                      <a:solidFill>
+                        <a:schemeClr val="tx1"/>
+                      </a:solidFill>
+                      <a:prstDash val="solid"/>
+                      <a:round/>
+                      <a:headEnd type="none" w="med" len="med"/>
+                      <a:tailEnd type="none" w="med" len="med"/>
+                    </a:lnB>
+                  </a:tcPr>
                 </a:tc>
                 <a:tc>
                   <a:txBody>
@@ -12584,7 +16432,44 @@
                       <a:endParaRPr lang="en-US" dirty="0"/>
                     </a:p>
                   </a:txBody>
-                  <a:tcPr/>
+                  <a:tcPr>
+                    <a:lnL w="12700" cap="flat" cmpd="sng" algn="ctr">
+                      <a:solidFill>
+                        <a:schemeClr val="tx1"/>
+                      </a:solidFill>
+                      <a:prstDash val="solid"/>
+                      <a:round/>
+                      <a:headEnd type="none" w="med" len="med"/>
+                      <a:tailEnd type="none" w="med" len="med"/>
+                    </a:lnL>
+                    <a:lnR w="12700" cap="flat" cmpd="sng" algn="ctr">
+                      <a:solidFill>
+                        <a:schemeClr val="tx1"/>
+                      </a:solidFill>
+                      <a:prstDash val="solid"/>
+                      <a:round/>
+                      <a:headEnd type="none" w="med" len="med"/>
+                      <a:tailEnd type="none" w="med" len="med"/>
+                    </a:lnR>
+                    <a:lnT w="12700" cap="flat" cmpd="sng" algn="ctr">
+                      <a:solidFill>
+                        <a:schemeClr val="tx1"/>
+                      </a:solidFill>
+                      <a:prstDash val="solid"/>
+                      <a:round/>
+                      <a:headEnd type="none" w="med" len="med"/>
+                      <a:tailEnd type="none" w="med" len="med"/>
+                    </a:lnT>
+                    <a:lnB w="12700" cap="flat" cmpd="sng" algn="ctr">
+                      <a:solidFill>
+                        <a:schemeClr val="tx1"/>
+                      </a:solidFill>
+                      <a:prstDash val="solid"/>
+                      <a:round/>
+                      <a:headEnd type="none" w="med" len="med"/>
+                      <a:tailEnd type="none" w="med" len="med"/>
+                    </a:lnB>
+                  </a:tcPr>
                 </a:tc>
                 <a:tc>
                   <a:txBody>
@@ -12598,7 +16483,44 @@
                       <a:endParaRPr lang="en-US" dirty="0"/>
                     </a:p>
                   </a:txBody>
-                  <a:tcPr/>
+                  <a:tcPr>
+                    <a:lnL w="12700" cap="flat" cmpd="sng" algn="ctr">
+                      <a:solidFill>
+                        <a:schemeClr val="tx1"/>
+                      </a:solidFill>
+                      <a:prstDash val="solid"/>
+                      <a:round/>
+                      <a:headEnd type="none" w="med" len="med"/>
+                      <a:tailEnd type="none" w="med" len="med"/>
+                    </a:lnL>
+                    <a:lnR w="12700" cap="flat" cmpd="sng" algn="ctr">
+                      <a:solidFill>
+                        <a:schemeClr val="tx1"/>
+                      </a:solidFill>
+                      <a:prstDash val="solid"/>
+                      <a:round/>
+                      <a:headEnd type="none" w="med" len="med"/>
+                      <a:tailEnd type="none" w="med" len="med"/>
+                    </a:lnR>
+                    <a:lnT w="12700" cap="flat" cmpd="sng" algn="ctr">
+                      <a:solidFill>
+                        <a:schemeClr val="tx1"/>
+                      </a:solidFill>
+                      <a:prstDash val="solid"/>
+                      <a:round/>
+                      <a:headEnd type="none" w="med" len="med"/>
+                      <a:tailEnd type="none" w="med" len="med"/>
+                    </a:lnT>
+                    <a:lnB w="12700" cap="flat" cmpd="sng" algn="ctr">
+                      <a:solidFill>
+                        <a:schemeClr val="tx1"/>
+                      </a:solidFill>
+                      <a:prstDash val="solid"/>
+                      <a:round/>
+                      <a:headEnd type="none" w="med" len="med"/>
+                      <a:tailEnd type="none" w="med" len="med"/>
+                    </a:lnB>
+                  </a:tcPr>
                 </a:tc>
               </a:tr>
             </a:tbl>
@@ -12998,7 +16920,13 @@
             <p:ph type="ctrTitle"/>
           </p:nvPr>
         </p:nvSpPr>
-        <p:spPr/>
+        <p:spPr>
+          <a:ln>
+            <a:solidFill>
+              <a:schemeClr val="tx1"/>
+            </a:solidFill>
+          </a:ln>
+        </p:spPr>
         <p:txBody>
           <a:bodyPr/>
           <a:lstStyle/>
@@ -13008,25 +16936,6 @@
               <a:t>Stores &amp; Process Control Overview</a:t>
             </a:r>
             <a:endParaRPr lang="en-US" dirty="0"/>
-          </a:p>
-        </p:txBody>
-      </p:sp>
-      <p:sp>
-        <p:nvSpPr>
-          <p:cNvPr id="3" name="Subtitle 2"/>
-          <p:cNvSpPr>
-            <a:spLocks noGrp="1"/>
-          </p:cNvSpPr>
-          <p:nvPr>
-            <p:ph type="subTitle" idx="1"/>
-          </p:nvPr>
-        </p:nvSpPr>
-        <p:spPr/>
-        <p:txBody>
-          <a:bodyPr/>
-          <a:lstStyle/>
-          <a:p>
-            <a:endParaRPr lang="en-US"/>
           </a:p>
         </p:txBody>
       </p:sp>
